--- a/3D model/Technical Drawings/Views_technical_drawings V5.1.pptx
+++ b/3D model/Technical Drawings/Views_technical_drawings V5.1.pptx
@@ -4,10 +4,14 @@
   <p:sldMasterIdLst>
     <p:sldMasterId id="2147483648" r:id="rId1"/>
   </p:sldMasterIdLst>
+  <p:notesMasterIdLst>
+    <p:notesMasterId r:id="rId6"/>
+  </p:notesMasterIdLst>
   <p:sldIdLst>
     <p:sldId id="256" r:id="rId2"/>
     <p:sldId id="257" r:id="rId3"/>
     <p:sldId id="258" r:id="rId4"/>
+    <p:sldId id="259" r:id="rId5"/>
   </p:sldIdLst>
   <p:sldSz cx="12192000" cy="6858000"/>
   <p:notesSz cx="6858000" cy="9144000"/>
@@ -106,7 +110,361 @@
       </a:defRPr>
     </a:lvl9pPr>
   </p:defaultTextStyle>
+  <p:extLst>
+    <p:ext uri="{EFAFB233-063F-42B5-8137-9DF3F51BA10A}">
+      <p15:sldGuideLst xmlns:p15="http://schemas.microsoft.com/office/powerpoint/2012/main"/>
+    </p:ext>
+  </p:extLst>
 </p:presentation>
+</file>
+
+<file path=ppt/notesMasters/notesMaster1.xml><?xml version="1.0" encoding="utf-8"?>
+<p:notesMaster xmlns:a="http://schemas.openxmlformats.org/drawingml/2006/main" xmlns:r="http://schemas.openxmlformats.org/officeDocument/2006/relationships" xmlns:p="http://schemas.openxmlformats.org/presentationml/2006/main">
+  <p:cSld>
+    <p:bg>
+      <p:bgRef idx="1001">
+        <a:schemeClr val="bg1"/>
+      </p:bgRef>
+    </p:bg>
+    <p:spTree>
+      <p:nvGrpSpPr>
+        <p:cNvPr id="1" name=""/>
+        <p:cNvGrpSpPr/>
+        <p:nvPr/>
+      </p:nvGrpSpPr>
+      <p:grpSpPr>
+        <a:xfrm>
+          <a:off x="0" y="0"/>
+          <a:ext cx="0" cy="0"/>
+          <a:chOff x="0" y="0"/>
+          <a:chExt cx="0" cy="0"/>
+        </a:xfrm>
+      </p:grpSpPr>
+      <p:sp>
+        <p:nvSpPr>
+          <p:cNvPr id="2" name="Header Placeholder 1"/>
+          <p:cNvSpPr>
+            <a:spLocks noGrp="1"/>
+          </p:cNvSpPr>
+          <p:nvPr>
+            <p:ph type="hdr" sz="quarter"/>
+          </p:nvPr>
+        </p:nvSpPr>
+        <p:spPr>
+          <a:xfrm>
+            <a:off x="0" y="0"/>
+            <a:ext cx="2971800" cy="458788"/>
+          </a:xfrm>
+          <a:prstGeom prst="rect">
+            <a:avLst/>
+          </a:prstGeom>
+        </p:spPr>
+        <p:txBody>
+          <a:bodyPr vert="horz" lIns="91440" tIns="45720" rIns="91440" bIns="45720" rtlCol="0"/>
+          <a:lstStyle>
+            <a:lvl1pPr algn="l">
+              <a:defRPr sz="1200"/>
+            </a:lvl1pPr>
+          </a:lstStyle>
+          <a:p>
+            <a:endParaRPr lang="en-US"/>
+          </a:p>
+        </p:txBody>
+      </p:sp>
+      <p:sp>
+        <p:nvSpPr>
+          <p:cNvPr id="3" name="Date Placeholder 2"/>
+          <p:cNvSpPr>
+            <a:spLocks noGrp="1"/>
+          </p:cNvSpPr>
+          <p:nvPr>
+            <p:ph type="dt" idx="1"/>
+          </p:nvPr>
+        </p:nvSpPr>
+        <p:spPr>
+          <a:xfrm>
+            <a:off x="3884613" y="0"/>
+            <a:ext cx="2971800" cy="458788"/>
+          </a:xfrm>
+          <a:prstGeom prst="rect">
+            <a:avLst/>
+          </a:prstGeom>
+        </p:spPr>
+        <p:txBody>
+          <a:bodyPr vert="horz" lIns="91440" tIns="45720" rIns="91440" bIns="45720" rtlCol="0"/>
+          <a:lstStyle>
+            <a:lvl1pPr algn="r">
+              <a:defRPr sz="1200"/>
+            </a:lvl1pPr>
+          </a:lstStyle>
+          <a:p>
+            <a:fld id="{9BA668F8-C1B8-4E92-A61D-B19AEC228865}" type="datetimeFigureOut">
+              <a:rPr lang="en-US" smtClean="0"/>
+              <a:t>4/26/2023</a:t>
+            </a:fld>
+            <a:endParaRPr lang="en-US"/>
+          </a:p>
+        </p:txBody>
+      </p:sp>
+      <p:sp>
+        <p:nvSpPr>
+          <p:cNvPr id="4" name="Slide Image Placeholder 3"/>
+          <p:cNvSpPr>
+            <a:spLocks noGrp="1" noRot="1" noChangeAspect="1"/>
+          </p:cNvSpPr>
+          <p:nvPr>
+            <p:ph type="sldImg" idx="2"/>
+          </p:nvPr>
+        </p:nvSpPr>
+        <p:spPr>
+          <a:xfrm>
+            <a:off x="685800" y="1143000"/>
+            <a:ext cx="5486400" cy="3086100"/>
+          </a:xfrm>
+          <a:prstGeom prst="rect">
+            <a:avLst/>
+          </a:prstGeom>
+          <a:noFill/>
+          <a:ln w="12700">
+            <a:solidFill>
+              <a:prstClr val="black"/>
+            </a:solidFill>
+          </a:ln>
+        </p:spPr>
+        <p:txBody>
+          <a:bodyPr vert="horz" lIns="91440" tIns="45720" rIns="91440" bIns="45720" rtlCol="0" anchor="ctr"/>
+          <a:lstStyle/>
+          <a:p>
+            <a:endParaRPr lang="en-US"/>
+          </a:p>
+        </p:txBody>
+      </p:sp>
+      <p:sp>
+        <p:nvSpPr>
+          <p:cNvPr id="5" name="Notes Placeholder 4"/>
+          <p:cNvSpPr>
+            <a:spLocks noGrp="1"/>
+          </p:cNvSpPr>
+          <p:nvPr>
+            <p:ph type="body" sz="quarter" idx="3"/>
+          </p:nvPr>
+        </p:nvSpPr>
+        <p:spPr>
+          <a:xfrm>
+            <a:off x="685800" y="4400550"/>
+            <a:ext cx="5486400" cy="3600450"/>
+          </a:xfrm>
+          <a:prstGeom prst="rect">
+            <a:avLst/>
+          </a:prstGeom>
+        </p:spPr>
+        <p:txBody>
+          <a:bodyPr vert="horz" lIns="91440" tIns="45720" rIns="91440" bIns="45720" rtlCol="0"/>
+          <a:lstStyle/>
+          <a:p>
+            <a:pPr lvl="0"/>
+            <a:r>
+              <a:rPr lang="en-US"/>
+              <a:t>Click to edit Master text styles</a:t>
+            </a:r>
+          </a:p>
+          <a:p>
+            <a:pPr lvl="1"/>
+            <a:r>
+              <a:rPr lang="en-US"/>
+              <a:t>Second level</a:t>
+            </a:r>
+          </a:p>
+          <a:p>
+            <a:pPr lvl="2"/>
+            <a:r>
+              <a:rPr lang="en-US"/>
+              <a:t>Third level</a:t>
+            </a:r>
+          </a:p>
+          <a:p>
+            <a:pPr lvl="3"/>
+            <a:r>
+              <a:rPr lang="en-US"/>
+              <a:t>Fourth level</a:t>
+            </a:r>
+          </a:p>
+          <a:p>
+            <a:pPr lvl="4"/>
+            <a:r>
+              <a:rPr lang="en-US"/>
+              <a:t>Fifth level</a:t>
+            </a:r>
+          </a:p>
+        </p:txBody>
+      </p:sp>
+      <p:sp>
+        <p:nvSpPr>
+          <p:cNvPr id="6" name="Footer Placeholder 5"/>
+          <p:cNvSpPr>
+            <a:spLocks noGrp="1"/>
+          </p:cNvSpPr>
+          <p:nvPr>
+            <p:ph type="ftr" sz="quarter" idx="4"/>
+          </p:nvPr>
+        </p:nvSpPr>
+        <p:spPr>
+          <a:xfrm>
+            <a:off x="0" y="8685213"/>
+            <a:ext cx="2971800" cy="458787"/>
+          </a:xfrm>
+          <a:prstGeom prst="rect">
+            <a:avLst/>
+          </a:prstGeom>
+        </p:spPr>
+        <p:txBody>
+          <a:bodyPr vert="horz" lIns="91440" tIns="45720" rIns="91440" bIns="45720" rtlCol="0" anchor="b"/>
+          <a:lstStyle>
+            <a:lvl1pPr algn="l">
+              <a:defRPr sz="1200"/>
+            </a:lvl1pPr>
+          </a:lstStyle>
+          <a:p>
+            <a:endParaRPr lang="en-US"/>
+          </a:p>
+        </p:txBody>
+      </p:sp>
+      <p:sp>
+        <p:nvSpPr>
+          <p:cNvPr id="7" name="Slide Number Placeholder 6"/>
+          <p:cNvSpPr>
+            <a:spLocks noGrp="1"/>
+          </p:cNvSpPr>
+          <p:nvPr>
+            <p:ph type="sldNum" sz="quarter" idx="5"/>
+          </p:nvPr>
+        </p:nvSpPr>
+        <p:spPr>
+          <a:xfrm>
+            <a:off x="3884613" y="8685213"/>
+            <a:ext cx="2971800" cy="458787"/>
+          </a:xfrm>
+          <a:prstGeom prst="rect">
+            <a:avLst/>
+          </a:prstGeom>
+        </p:spPr>
+        <p:txBody>
+          <a:bodyPr vert="horz" lIns="91440" tIns="45720" rIns="91440" bIns="45720" rtlCol="0" anchor="b"/>
+          <a:lstStyle>
+            <a:lvl1pPr algn="r">
+              <a:defRPr sz="1200"/>
+            </a:lvl1pPr>
+          </a:lstStyle>
+          <a:p>
+            <a:fld id="{44614519-1592-402B-896B-480ECEC00971}" type="slidenum">
+              <a:rPr lang="en-US" smtClean="0"/>
+              <a:t>‹#›</a:t>
+            </a:fld>
+            <a:endParaRPr lang="en-US"/>
+          </a:p>
+        </p:txBody>
+      </p:sp>
+    </p:spTree>
+    <p:extLst>
+      <p:ext uri="{BB962C8B-B14F-4D97-AF65-F5344CB8AC3E}">
+        <p14:creationId xmlns:p14="http://schemas.microsoft.com/office/powerpoint/2010/main" val="3262371537"/>
+      </p:ext>
+    </p:extLst>
+  </p:cSld>
+  <p:clrMap bg1="lt1" tx1="dk1" bg2="lt2" tx2="dk2" accent1="accent1" accent2="accent2" accent3="accent3" accent4="accent4" accent5="accent5" accent6="accent6" hlink="hlink" folHlink="folHlink"/>
+  <p:notesStyle>
+    <a:lvl1pPr marL="0" algn="l" defTabSz="914400" rtl="0" eaLnBrk="1" latinLnBrk="0" hangingPunct="1">
+      <a:defRPr sz="1200" kern="1200">
+        <a:solidFill>
+          <a:schemeClr val="tx1"/>
+        </a:solidFill>
+        <a:latin typeface="+mn-lt"/>
+        <a:ea typeface="+mn-ea"/>
+        <a:cs typeface="+mn-cs"/>
+      </a:defRPr>
+    </a:lvl1pPr>
+    <a:lvl2pPr marL="457200" algn="l" defTabSz="914400" rtl="0" eaLnBrk="1" latinLnBrk="0" hangingPunct="1">
+      <a:defRPr sz="1200" kern="1200">
+        <a:solidFill>
+          <a:schemeClr val="tx1"/>
+        </a:solidFill>
+        <a:latin typeface="+mn-lt"/>
+        <a:ea typeface="+mn-ea"/>
+        <a:cs typeface="+mn-cs"/>
+      </a:defRPr>
+    </a:lvl2pPr>
+    <a:lvl3pPr marL="914400" algn="l" defTabSz="914400" rtl="0" eaLnBrk="1" latinLnBrk="0" hangingPunct="1">
+      <a:defRPr sz="1200" kern="1200">
+        <a:solidFill>
+          <a:schemeClr val="tx1"/>
+        </a:solidFill>
+        <a:latin typeface="+mn-lt"/>
+        <a:ea typeface="+mn-ea"/>
+        <a:cs typeface="+mn-cs"/>
+      </a:defRPr>
+    </a:lvl3pPr>
+    <a:lvl4pPr marL="1371600" algn="l" defTabSz="914400" rtl="0" eaLnBrk="1" latinLnBrk="0" hangingPunct="1">
+      <a:defRPr sz="1200" kern="1200">
+        <a:solidFill>
+          <a:schemeClr val="tx1"/>
+        </a:solidFill>
+        <a:latin typeface="+mn-lt"/>
+        <a:ea typeface="+mn-ea"/>
+        <a:cs typeface="+mn-cs"/>
+      </a:defRPr>
+    </a:lvl4pPr>
+    <a:lvl5pPr marL="1828800" algn="l" defTabSz="914400" rtl="0" eaLnBrk="1" latinLnBrk="0" hangingPunct="1">
+      <a:defRPr sz="1200" kern="1200">
+        <a:solidFill>
+          <a:schemeClr val="tx1"/>
+        </a:solidFill>
+        <a:latin typeface="+mn-lt"/>
+        <a:ea typeface="+mn-ea"/>
+        <a:cs typeface="+mn-cs"/>
+      </a:defRPr>
+    </a:lvl5pPr>
+    <a:lvl6pPr marL="2286000" algn="l" defTabSz="914400" rtl="0" eaLnBrk="1" latinLnBrk="0" hangingPunct="1">
+      <a:defRPr sz="1200" kern="1200">
+        <a:solidFill>
+          <a:schemeClr val="tx1"/>
+        </a:solidFill>
+        <a:latin typeface="+mn-lt"/>
+        <a:ea typeface="+mn-ea"/>
+        <a:cs typeface="+mn-cs"/>
+      </a:defRPr>
+    </a:lvl6pPr>
+    <a:lvl7pPr marL="2743200" algn="l" defTabSz="914400" rtl="0" eaLnBrk="1" latinLnBrk="0" hangingPunct="1">
+      <a:defRPr sz="1200" kern="1200">
+        <a:solidFill>
+          <a:schemeClr val="tx1"/>
+        </a:solidFill>
+        <a:latin typeface="+mn-lt"/>
+        <a:ea typeface="+mn-ea"/>
+        <a:cs typeface="+mn-cs"/>
+      </a:defRPr>
+    </a:lvl7pPr>
+    <a:lvl8pPr marL="3200400" algn="l" defTabSz="914400" rtl="0" eaLnBrk="1" latinLnBrk="0" hangingPunct="1">
+      <a:defRPr sz="1200" kern="1200">
+        <a:solidFill>
+          <a:schemeClr val="tx1"/>
+        </a:solidFill>
+        <a:latin typeface="+mn-lt"/>
+        <a:ea typeface="+mn-ea"/>
+        <a:cs typeface="+mn-cs"/>
+      </a:defRPr>
+    </a:lvl8pPr>
+    <a:lvl9pPr marL="3657600" algn="l" defTabSz="914400" rtl="0" eaLnBrk="1" latinLnBrk="0" hangingPunct="1">
+      <a:defRPr sz="1200" kern="1200">
+        <a:solidFill>
+          <a:schemeClr val="tx1"/>
+        </a:solidFill>
+        <a:latin typeface="+mn-lt"/>
+        <a:ea typeface="+mn-ea"/>
+        <a:cs typeface="+mn-cs"/>
+      </a:defRPr>
+    </a:lvl9pPr>
+  </p:notesStyle>
+</p:notesMaster>
 </file>
 
 <file path=ppt/slideLayouts/slideLayout1.xml><?xml version="1.0" encoding="utf-8"?>
@@ -256,7 +614,7 @@
           <a:p>
             <a:fld id="{5420FD56-0FE9-4558-826D-A8FEA663D594}" type="datetimeFigureOut">
               <a:rPr lang="en-US" smtClean="0"/>
-              <a:t>4/24/2023</a:t>
+              <a:t>4/26/2023</a:t>
             </a:fld>
             <a:endParaRPr lang="en-US"/>
           </a:p>
@@ -454,7 +812,7 @@
           <a:p>
             <a:fld id="{5420FD56-0FE9-4558-826D-A8FEA663D594}" type="datetimeFigureOut">
               <a:rPr lang="en-US" smtClean="0"/>
-              <a:t>4/24/2023</a:t>
+              <a:t>4/26/2023</a:t>
             </a:fld>
             <a:endParaRPr lang="en-US"/>
           </a:p>
@@ -662,7 +1020,7 @@
           <a:p>
             <a:fld id="{5420FD56-0FE9-4558-826D-A8FEA663D594}" type="datetimeFigureOut">
               <a:rPr lang="en-US" smtClean="0"/>
-              <a:t>4/24/2023</a:t>
+              <a:t>4/26/2023</a:t>
             </a:fld>
             <a:endParaRPr lang="en-US"/>
           </a:p>
@@ -860,7 +1218,7 @@
           <a:p>
             <a:fld id="{5420FD56-0FE9-4558-826D-A8FEA663D594}" type="datetimeFigureOut">
               <a:rPr lang="en-US" smtClean="0"/>
-              <a:t>4/24/2023</a:t>
+              <a:t>4/26/2023</a:t>
             </a:fld>
             <a:endParaRPr lang="en-US"/>
           </a:p>
@@ -1135,7 +1493,7 @@
           <a:p>
             <a:fld id="{5420FD56-0FE9-4558-826D-A8FEA663D594}" type="datetimeFigureOut">
               <a:rPr lang="en-US" smtClean="0"/>
-              <a:t>4/24/2023</a:t>
+              <a:t>4/26/2023</a:t>
             </a:fld>
             <a:endParaRPr lang="en-US"/>
           </a:p>
@@ -1400,7 +1758,7 @@
           <a:p>
             <a:fld id="{5420FD56-0FE9-4558-826D-A8FEA663D594}" type="datetimeFigureOut">
               <a:rPr lang="en-US" smtClean="0"/>
-              <a:t>4/24/2023</a:t>
+              <a:t>4/26/2023</a:t>
             </a:fld>
             <a:endParaRPr lang="en-US"/>
           </a:p>
@@ -1812,7 +2170,7 @@
           <a:p>
             <a:fld id="{5420FD56-0FE9-4558-826D-A8FEA663D594}" type="datetimeFigureOut">
               <a:rPr lang="en-US" smtClean="0"/>
-              <a:t>4/24/2023</a:t>
+              <a:t>4/26/2023</a:t>
             </a:fld>
             <a:endParaRPr lang="en-US"/>
           </a:p>
@@ -1953,7 +2311,7 @@
           <a:p>
             <a:fld id="{5420FD56-0FE9-4558-826D-A8FEA663D594}" type="datetimeFigureOut">
               <a:rPr lang="en-US" smtClean="0"/>
-              <a:t>4/24/2023</a:t>
+              <a:t>4/26/2023</a:t>
             </a:fld>
             <a:endParaRPr lang="en-US"/>
           </a:p>
@@ -2066,7 +2424,7 @@
           <a:p>
             <a:fld id="{5420FD56-0FE9-4558-826D-A8FEA663D594}" type="datetimeFigureOut">
               <a:rPr lang="en-US" smtClean="0"/>
-              <a:t>4/24/2023</a:t>
+              <a:t>4/26/2023</a:t>
             </a:fld>
             <a:endParaRPr lang="en-US"/>
           </a:p>
@@ -2377,7 +2735,7 @@
           <a:p>
             <a:fld id="{5420FD56-0FE9-4558-826D-A8FEA663D594}" type="datetimeFigureOut">
               <a:rPr lang="en-US" smtClean="0"/>
-              <a:t>4/24/2023</a:t>
+              <a:t>4/26/2023</a:t>
             </a:fld>
             <a:endParaRPr lang="en-US"/>
           </a:p>
@@ -2665,7 +3023,7 @@
           <a:p>
             <a:fld id="{5420FD56-0FE9-4558-826D-A8FEA663D594}" type="datetimeFigureOut">
               <a:rPr lang="en-US" smtClean="0"/>
-              <a:t>4/24/2023</a:t>
+              <a:t>4/26/2023</a:t>
             </a:fld>
             <a:endParaRPr lang="en-US"/>
           </a:p>
@@ -2906,7 +3264,7 @@
           <a:p>
             <a:fld id="{5420FD56-0FE9-4558-826D-A8FEA663D594}" type="datetimeFigureOut">
               <a:rPr lang="en-US" smtClean="0"/>
-              <a:t>4/24/2023</a:t>
+              <a:t>4/26/2023</a:t>
             </a:fld>
             <a:endParaRPr lang="en-US"/>
           </a:p>
@@ -3601,7 +3959,7 @@
         <p:spPr>
           <a:xfrm>
             <a:off x="6625087" y="207034"/>
-            <a:ext cx="1512530" cy="369332"/>
+            <a:ext cx="2561086" cy="369332"/>
           </a:xfrm>
           <a:prstGeom prst="rect">
             <a:avLst/>
@@ -3621,7 +3979,7 @@
           <a:p>
             <a:r>
               <a:rPr lang="en-US" dirty="0"/>
-              <a:t>Pressure Plate</a:t>
+              <a:t>3D Printed Pressure Plate</a:t>
             </a:r>
           </a:p>
         </p:txBody>
@@ -4108,8 +4466,8 @@
         </p:nvSpPr>
         <p:spPr>
           <a:xfrm>
-            <a:off x="6680400" y="3380545"/>
-            <a:ext cx="3207738" cy="369332"/>
+            <a:off x="6680399" y="3380545"/>
+            <a:ext cx="5511601" cy="369332"/>
           </a:xfrm>
           <a:prstGeom prst="rect">
             <a:avLst/>
@@ -4122,14 +4480,71 @@
           </a:ln>
         </p:spPr>
         <p:txBody>
-          <a:bodyPr wrap="none" rtlCol="0">
+          <a:bodyPr wrap="square" rtlCol="0">
             <a:spAutoFit/>
           </a:bodyPr>
           <a:lstStyle/>
           <a:p>
             <a:r>
+              <a:rPr lang="en-US" dirty="0">
+                <a:solidFill>
+                  <a:srgbClr val="202124"/>
+                </a:solidFill>
+                <a:latin typeface="Google Sans"/>
+              </a:rPr>
+              <a:t>P</a:t>
+            </a:r>
+            <a:r>
+              <a:rPr lang="en-US" b="0" i="0" dirty="0">
+                <a:solidFill>
+                  <a:srgbClr val="202124"/>
+                </a:solidFill>
+                <a:effectLst/>
+                <a:latin typeface="Google Sans"/>
+              </a:rPr>
+              <a:t>ositive </a:t>
+            </a:r>
+            <a:r>
+              <a:rPr lang="en-US" dirty="0">
+                <a:solidFill>
+                  <a:srgbClr val="202124"/>
+                </a:solidFill>
+                <a:latin typeface="Google Sans"/>
+              </a:rPr>
+              <a:t>T</a:t>
+            </a:r>
+            <a:r>
+              <a:rPr lang="en-US" b="0" i="0" dirty="0">
+                <a:solidFill>
+                  <a:srgbClr val="202124"/>
+                </a:solidFill>
+                <a:effectLst/>
+                <a:latin typeface="Google Sans"/>
+              </a:rPr>
+              <a:t>emperature </a:t>
+            </a:r>
+            <a:r>
+              <a:rPr lang="en-US" dirty="0">
+                <a:solidFill>
+                  <a:srgbClr val="202124"/>
+                </a:solidFill>
+                <a:latin typeface="Google Sans"/>
+              </a:rPr>
+              <a:t>C</a:t>
+            </a:r>
+            <a:r>
+              <a:rPr lang="en-US" b="0" i="0" dirty="0">
+                <a:solidFill>
+                  <a:srgbClr val="202124"/>
+                </a:solidFill>
+                <a:effectLst/>
+                <a:latin typeface="Google Sans"/>
+              </a:rPr>
+              <a:t>oefficient</a:t>
+            </a:r>
+            <a:r>
               <a:rPr lang="en-US" dirty="0"/>
-              <a:t>PTC Heating Element with Wires</a:t>
+              <a:t> (PTC) Heating Element </a:t>
             </a:r>
           </a:p>
         </p:txBody>
@@ -4361,7 +4776,7 @@
         <p:spPr>
           <a:xfrm>
             <a:off x="6708002" y="4774525"/>
-            <a:ext cx="2496389" cy="369332"/>
+            <a:ext cx="2094035" cy="369332"/>
           </a:xfrm>
           <a:prstGeom prst="rect">
             <a:avLst/>
@@ -4381,7 +4796,7 @@
           <a:p>
             <a:r>
               <a:rPr lang="en-US" dirty="0"/>
-              <a:t>PLA 3D printed Chamber</a:t>
+              <a:t>3D printed Chamber</a:t>
             </a:r>
           </a:p>
         </p:txBody>
@@ -4603,6 +5018,3133 @@
     <p:extLst>
       <p:ext uri="{BB962C8B-B14F-4D97-AF65-F5344CB8AC3E}">
         <p14:creationId xmlns:p14="http://schemas.microsoft.com/office/powerpoint/2010/main" val="1181780595"/>
+      </p:ext>
+    </p:extLst>
+  </p:cSld>
+  <p:clrMapOvr>
+    <a:masterClrMapping/>
+  </p:clrMapOvr>
+</p:sld>
+</file>
+
+<file path=ppt/slides/slide4.xml><?xml version="1.0" encoding="utf-8"?>
+<p:sld xmlns:a="http://schemas.openxmlformats.org/drawingml/2006/main" xmlns:r="http://schemas.openxmlformats.org/officeDocument/2006/relationships" xmlns:p="http://schemas.openxmlformats.org/presentationml/2006/main">
+  <p:cSld>
+    <p:spTree>
+      <p:nvGrpSpPr>
+        <p:cNvPr id="1" name=""/>
+        <p:cNvGrpSpPr/>
+        <p:nvPr/>
+      </p:nvGrpSpPr>
+      <p:grpSpPr>
+        <a:xfrm>
+          <a:off x="0" y="0"/>
+          <a:ext cx="0" cy="0"/>
+          <a:chOff x="0" y="0"/>
+          <a:chExt cx="0" cy="0"/>
+        </a:xfrm>
+      </p:grpSpPr>
+      <p:sp>
+        <p:nvSpPr>
+          <p:cNvPr id="66" name="Rectangle: Single Corner Rounded 65">
+            <a:extLst>
+              <a:ext uri="{FF2B5EF4-FFF2-40B4-BE49-F238E27FC236}">
+                <a16:creationId xmlns:a16="http://schemas.microsoft.com/office/drawing/2014/main" id="{3279F07F-11B2-01B2-D12E-630E29625AD4}"/>
+              </a:ext>
+            </a:extLst>
+          </p:cNvPr>
+          <p:cNvSpPr/>
+          <p:nvPr/>
+        </p:nvSpPr>
+        <p:spPr>
+          <a:xfrm>
+            <a:off x="1708456" y="1821262"/>
+            <a:ext cx="8608736" cy="1645577"/>
+          </a:xfrm>
+          <a:prstGeom prst="round1Rect">
+            <a:avLst/>
+          </a:prstGeom>
+          <a:solidFill>
+            <a:schemeClr val="accent1">
+              <a:lumMod val="75000"/>
+              <a:alpha val="62000"/>
+            </a:schemeClr>
+          </a:solidFill>
+          <a:ln>
+            <a:noFill/>
+          </a:ln>
+        </p:spPr>
+        <p:style>
+          <a:lnRef idx="2">
+            <a:schemeClr val="accent1">
+              <a:shade val="50000"/>
+            </a:schemeClr>
+          </a:lnRef>
+          <a:fillRef idx="1">
+            <a:schemeClr val="accent1"/>
+          </a:fillRef>
+          <a:effectRef idx="0">
+            <a:schemeClr val="accent1"/>
+          </a:effectRef>
+          <a:fontRef idx="minor">
+            <a:schemeClr val="lt1"/>
+          </a:fontRef>
+        </p:style>
+        <p:txBody>
+          <a:bodyPr rtlCol="0" anchor="ctr"/>
+          <a:lstStyle/>
+          <a:p>
+            <a:pPr algn="ctr"/>
+            <a:endParaRPr lang="en-US"/>
+          </a:p>
+        </p:txBody>
+      </p:sp>
+      <p:sp>
+        <p:nvSpPr>
+          <p:cNvPr id="29" name="Rectangle 28">
+            <a:extLst>
+              <a:ext uri="{FF2B5EF4-FFF2-40B4-BE49-F238E27FC236}">
+                <a16:creationId xmlns:a16="http://schemas.microsoft.com/office/drawing/2014/main" id="{5E1027B0-2E43-9018-542E-257133793AF9}"/>
+              </a:ext>
+            </a:extLst>
+          </p:cNvPr>
+          <p:cNvSpPr/>
+          <p:nvPr/>
+        </p:nvSpPr>
+        <p:spPr>
+          <a:xfrm>
+            <a:off x="517192" y="4379735"/>
+            <a:ext cx="11065251" cy="1018308"/>
+          </a:xfrm>
+          <a:prstGeom prst="rect">
+            <a:avLst/>
+          </a:prstGeom>
+          <a:solidFill>
+            <a:srgbClr val="F018D1"/>
+          </a:solidFill>
+          <a:ln>
+            <a:noFill/>
+          </a:ln>
+        </p:spPr>
+        <p:style>
+          <a:lnRef idx="2">
+            <a:schemeClr val="accent1">
+              <a:shade val="50000"/>
+            </a:schemeClr>
+          </a:lnRef>
+          <a:fillRef idx="1">
+            <a:schemeClr val="accent1"/>
+          </a:fillRef>
+          <a:effectRef idx="0">
+            <a:schemeClr val="accent1"/>
+          </a:effectRef>
+          <a:fontRef idx="minor">
+            <a:schemeClr val="lt1"/>
+          </a:fontRef>
+        </p:style>
+        <p:txBody>
+          <a:bodyPr rtlCol="0" anchor="ctr"/>
+          <a:lstStyle/>
+          <a:p>
+            <a:pPr algn="ctr"/>
+            <a:endParaRPr lang="en-US"/>
+          </a:p>
+        </p:txBody>
+      </p:sp>
+      <p:sp>
+        <p:nvSpPr>
+          <p:cNvPr id="23" name="Rectangle 22">
+            <a:extLst>
+              <a:ext uri="{FF2B5EF4-FFF2-40B4-BE49-F238E27FC236}">
+                <a16:creationId xmlns:a16="http://schemas.microsoft.com/office/drawing/2014/main" id="{A19AF8FE-BE47-DE20-9C7A-A4BE6EB82AD5}"/>
+              </a:ext>
+            </a:extLst>
+          </p:cNvPr>
+          <p:cNvSpPr/>
+          <p:nvPr/>
+        </p:nvSpPr>
+        <p:spPr>
+          <a:xfrm>
+            <a:off x="9910695" y="1200183"/>
+            <a:ext cx="665192" cy="2349498"/>
+          </a:xfrm>
+          <a:prstGeom prst="rect">
+            <a:avLst/>
+          </a:prstGeom>
+          <a:solidFill>
+            <a:srgbClr val="F018D1"/>
+          </a:solidFill>
+          <a:ln>
+            <a:noFill/>
+          </a:ln>
+        </p:spPr>
+        <p:style>
+          <a:lnRef idx="2">
+            <a:schemeClr val="accent1">
+              <a:shade val="50000"/>
+            </a:schemeClr>
+          </a:lnRef>
+          <a:fillRef idx="1">
+            <a:schemeClr val="accent1"/>
+          </a:fillRef>
+          <a:effectRef idx="0">
+            <a:schemeClr val="accent1"/>
+          </a:effectRef>
+          <a:fontRef idx="minor">
+            <a:schemeClr val="lt1"/>
+          </a:fontRef>
+        </p:style>
+        <p:txBody>
+          <a:bodyPr rtlCol="0" anchor="ctr"/>
+          <a:lstStyle/>
+          <a:p>
+            <a:pPr algn="ctr"/>
+            <a:endParaRPr lang="en-US"/>
+          </a:p>
+        </p:txBody>
+      </p:sp>
+      <p:sp>
+        <p:nvSpPr>
+          <p:cNvPr id="22" name="Rectangle 21">
+            <a:extLst>
+              <a:ext uri="{FF2B5EF4-FFF2-40B4-BE49-F238E27FC236}">
+                <a16:creationId xmlns:a16="http://schemas.microsoft.com/office/drawing/2014/main" id="{6FAC5AE9-24B5-BEF3-D108-865EB3D7F36F}"/>
+              </a:ext>
+            </a:extLst>
+          </p:cNvPr>
+          <p:cNvSpPr/>
+          <p:nvPr/>
+        </p:nvSpPr>
+        <p:spPr>
+          <a:xfrm>
+            <a:off x="1221118" y="1178791"/>
+            <a:ext cx="665192" cy="2349499"/>
+          </a:xfrm>
+          <a:prstGeom prst="rect">
+            <a:avLst/>
+          </a:prstGeom>
+          <a:solidFill>
+            <a:srgbClr val="F018D1"/>
+          </a:solidFill>
+          <a:ln>
+            <a:noFill/>
+          </a:ln>
+        </p:spPr>
+        <p:style>
+          <a:lnRef idx="2">
+            <a:schemeClr val="accent1">
+              <a:shade val="50000"/>
+            </a:schemeClr>
+          </a:lnRef>
+          <a:fillRef idx="1">
+            <a:schemeClr val="accent1"/>
+          </a:fillRef>
+          <a:effectRef idx="0">
+            <a:schemeClr val="accent1"/>
+          </a:effectRef>
+          <a:fontRef idx="minor">
+            <a:schemeClr val="lt1"/>
+          </a:fontRef>
+        </p:style>
+        <p:txBody>
+          <a:bodyPr rtlCol="0" anchor="ctr"/>
+          <a:lstStyle/>
+          <a:p>
+            <a:pPr algn="ctr"/>
+            <a:endParaRPr lang="en-US"/>
+          </a:p>
+        </p:txBody>
+      </p:sp>
+      <p:sp>
+        <p:nvSpPr>
+          <p:cNvPr id="4" name="Rectangle 3">
+            <a:extLst>
+              <a:ext uri="{FF2B5EF4-FFF2-40B4-BE49-F238E27FC236}">
+                <a16:creationId xmlns:a16="http://schemas.microsoft.com/office/drawing/2014/main" id="{304C9F8A-C115-B4D9-1346-10BC85953CF1}"/>
+              </a:ext>
+            </a:extLst>
+          </p:cNvPr>
+          <p:cNvSpPr/>
+          <p:nvPr/>
+        </p:nvSpPr>
+        <p:spPr>
+          <a:xfrm>
+            <a:off x="1874808" y="3429000"/>
+            <a:ext cx="8054631" cy="237226"/>
+          </a:xfrm>
+          <a:prstGeom prst="rect">
+            <a:avLst/>
+          </a:prstGeom>
+          <a:pattFill prst="dkUpDiag">
+            <a:fgClr>
+              <a:srgbClr val="00B0F0"/>
+            </a:fgClr>
+            <a:bgClr>
+              <a:schemeClr val="bg1"/>
+            </a:bgClr>
+          </a:pattFill>
+          <a:ln>
+            <a:noFill/>
+          </a:ln>
+        </p:spPr>
+        <p:style>
+          <a:lnRef idx="2">
+            <a:schemeClr val="accent1">
+              <a:shade val="50000"/>
+            </a:schemeClr>
+          </a:lnRef>
+          <a:fillRef idx="1">
+            <a:schemeClr val="accent1"/>
+          </a:fillRef>
+          <a:effectRef idx="0">
+            <a:schemeClr val="accent1"/>
+          </a:effectRef>
+          <a:fontRef idx="minor">
+            <a:schemeClr val="lt1"/>
+          </a:fontRef>
+        </p:style>
+        <p:txBody>
+          <a:bodyPr rtlCol="0" anchor="ctr"/>
+          <a:lstStyle/>
+          <a:p>
+            <a:pPr algn="ctr"/>
+            <a:endParaRPr lang="en-US"/>
+          </a:p>
+        </p:txBody>
+      </p:sp>
+      <p:sp>
+        <p:nvSpPr>
+          <p:cNvPr id="5" name="Freeform: Shape 4">
+            <a:extLst>
+              <a:ext uri="{FF2B5EF4-FFF2-40B4-BE49-F238E27FC236}">
+                <a16:creationId xmlns:a16="http://schemas.microsoft.com/office/drawing/2014/main" id="{F81A8FB4-9046-0C05-0815-CC8FB8D239DF}"/>
+              </a:ext>
+            </a:extLst>
+          </p:cNvPr>
+          <p:cNvSpPr/>
+          <p:nvPr/>
+        </p:nvSpPr>
+        <p:spPr>
+          <a:xfrm>
+            <a:off x="5089236" y="3281218"/>
+            <a:ext cx="1782619" cy="147782"/>
+          </a:xfrm>
+          <a:custGeom>
+            <a:avLst/>
+            <a:gdLst>
+              <a:gd name="connsiteX0" fmla="*/ 0 w 1782619"/>
+              <a:gd name="connsiteY0" fmla="*/ 147782 h 147782"/>
+              <a:gd name="connsiteX1" fmla="*/ 46182 w 1782619"/>
+              <a:gd name="connsiteY1" fmla="*/ 129309 h 147782"/>
+              <a:gd name="connsiteX2" fmla="*/ 101600 w 1782619"/>
+              <a:gd name="connsiteY2" fmla="*/ 110836 h 147782"/>
+              <a:gd name="connsiteX3" fmla="*/ 138546 w 1782619"/>
+              <a:gd name="connsiteY3" fmla="*/ 92363 h 147782"/>
+              <a:gd name="connsiteX4" fmla="*/ 147782 w 1782619"/>
+              <a:gd name="connsiteY4" fmla="*/ 64654 h 147782"/>
+              <a:gd name="connsiteX5" fmla="*/ 212437 w 1782619"/>
+              <a:gd name="connsiteY5" fmla="*/ 36945 h 147782"/>
+              <a:gd name="connsiteX6" fmla="*/ 249382 w 1782619"/>
+              <a:gd name="connsiteY6" fmla="*/ 46182 h 147782"/>
+              <a:gd name="connsiteX7" fmla="*/ 277091 w 1782619"/>
+              <a:gd name="connsiteY7" fmla="*/ 73891 h 147782"/>
+              <a:gd name="connsiteX8" fmla="*/ 563419 w 1782619"/>
+              <a:gd name="connsiteY8" fmla="*/ 55418 h 147782"/>
+              <a:gd name="connsiteX9" fmla="*/ 923637 w 1782619"/>
+              <a:gd name="connsiteY9" fmla="*/ 55418 h 147782"/>
+              <a:gd name="connsiteX10" fmla="*/ 1182255 w 1782619"/>
+              <a:gd name="connsiteY10" fmla="*/ 46182 h 147782"/>
+              <a:gd name="connsiteX11" fmla="*/ 1246909 w 1782619"/>
+              <a:gd name="connsiteY11" fmla="*/ 36945 h 147782"/>
+              <a:gd name="connsiteX12" fmla="*/ 1357746 w 1782619"/>
+              <a:gd name="connsiteY12" fmla="*/ 18472 h 147782"/>
+              <a:gd name="connsiteX13" fmla="*/ 1487055 w 1782619"/>
+              <a:gd name="connsiteY13" fmla="*/ 0 h 147782"/>
+              <a:gd name="connsiteX14" fmla="*/ 1570182 w 1782619"/>
+              <a:gd name="connsiteY14" fmla="*/ 18472 h 147782"/>
+              <a:gd name="connsiteX15" fmla="*/ 1616364 w 1782619"/>
+              <a:gd name="connsiteY15" fmla="*/ 46182 h 147782"/>
+              <a:gd name="connsiteX16" fmla="*/ 1671782 w 1782619"/>
+              <a:gd name="connsiteY16" fmla="*/ 73891 h 147782"/>
+              <a:gd name="connsiteX17" fmla="*/ 1727200 w 1782619"/>
+              <a:gd name="connsiteY17" fmla="*/ 92363 h 147782"/>
+              <a:gd name="connsiteX18" fmla="*/ 1782619 w 1782619"/>
+              <a:gd name="connsiteY18" fmla="*/ 147782 h 147782"/>
+            </a:gdLst>
+            <a:ahLst/>
+            <a:cxnLst>
+              <a:cxn ang="0">
+                <a:pos x="connsiteX0" y="connsiteY0"/>
+              </a:cxn>
+              <a:cxn ang="0">
+                <a:pos x="connsiteX1" y="connsiteY1"/>
+              </a:cxn>
+              <a:cxn ang="0">
+                <a:pos x="connsiteX2" y="connsiteY2"/>
+              </a:cxn>
+              <a:cxn ang="0">
+                <a:pos x="connsiteX3" y="connsiteY3"/>
+              </a:cxn>
+              <a:cxn ang="0">
+                <a:pos x="connsiteX4" y="connsiteY4"/>
+              </a:cxn>
+              <a:cxn ang="0">
+                <a:pos x="connsiteX5" y="connsiteY5"/>
+              </a:cxn>
+              <a:cxn ang="0">
+                <a:pos x="connsiteX6" y="connsiteY6"/>
+              </a:cxn>
+              <a:cxn ang="0">
+                <a:pos x="connsiteX7" y="connsiteY7"/>
+              </a:cxn>
+              <a:cxn ang="0">
+                <a:pos x="connsiteX8" y="connsiteY8"/>
+              </a:cxn>
+              <a:cxn ang="0">
+                <a:pos x="connsiteX9" y="connsiteY9"/>
+              </a:cxn>
+              <a:cxn ang="0">
+                <a:pos x="connsiteX10" y="connsiteY10"/>
+              </a:cxn>
+              <a:cxn ang="0">
+                <a:pos x="connsiteX11" y="connsiteY11"/>
+              </a:cxn>
+              <a:cxn ang="0">
+                <a:pos x="connsiteX12" y="connsiteY12"/>
+              </a:cxn>
+              <a:cxn ang="0">
+                <a:pos x="connsiteX13" y="connsiteY13"/>
+              </a:cxn>
+              <a:cxn ang="0">
+                <a:pos x="connsiteX14" y="connsiteY14"/>
+              </a:cxn>
+              <a:cxn ang="0">
+                <a:pos x="connsiteX15" y="connsiteY15"/>
+              </a:cxn>
+              <a:cxn ang="0">
+                <a:pos x="connsiteX16" y="connsiteY16"/>
+              </a:cxn>
+              <a:cxn ang="0">
+                <a:pos x="connsiteX17" y="connsiteY17"/>
+              </a:cxn>
+              <a:cxn ang="0">
+                <a:pos x="connsiteX18" y="connsiteY18"/>
+              </a:cxn>
+            </a:cxnLst>
+            <a:rect l="l" t="t" r="r" b="b"/>
+            <a:pathLst>
+              <a:path w="1782619" h="147782">
+                <a:moveTo>
+                  <a:pt x="0" y="147782"/>
+                </a:moveTo>
+                <a:cubicBezTo>
+                  <a:pt x="15394" y="141624"/>
+                  <a:pt x="30600" y="134975"/>
+                  <a:pt x="46182" y="129309"/>
+                </a:cubicBezTo>
+                <a:cubicBezTo>
+                  <a:pt x="64482" y="122655"/>
+                  <a:pt x="83521" y="118068"/>
+                  <a:pt x="101600" y="110836"/>
+                </a:cubicBezTo>
+                <a:cubicBezTo>
+                  <a:pt x="114384" y="105722"/>
+                  <a:pt x="126231" y="98521"/>
+                  <a:pt x="138546" y="92363"/>
+                </a:cubicBezTo>
+                <a:cubicBezTo>
+                  <a:pt x="141625" y="83127"/>
+                  <a:pt x="141700" y="72256"/>
+                  <a:pt x="147782" y="64654"/>
+                </a:cubicBezTo>
+                <a:cubicBezTo>
+                  <a:pt x="163727" y="44722"/>
+                  <a:pt x="190254" y="42491"/>
+                  <a:pt x="212437" y="36945"/>
+                </a:cubicBezTo>
+                <a:cubicBezTo>
+                  <a:pt x="224752" y="40024"/>
+                  <a:pt x="238361" y="39884"/>
+                  <a:pt x="249382" y="46182"/>
+                </a:cubicBezTo>
+                <a:cubicBezTo>
+                  <a:pt x="260723" y="52663"/>
+                  <a:pt x="264082" y="72708"/>
+                  <a:pt x="277091" y="73891"/>
+                </a:cubicBezTo>
+                <a:cubicBezTo>
+                  <a:pt x="314529" y="77294"/>
+                  <a:pt x="505011" y="60285"/>
+                  <a:pt x="563419" y="55418"/>
+                </a:cubicBezTo>
+                <a:cubicBezTo>
+                  <a:pt x="729938" y="27666"/>
+                  <a:pt x="541297" y="55418"/>
+                  <a:pt x="923637" y="55418"/>
+                </a:cubicBezTo>
+                <a:cubicBezTo>
+                  <a:pt x="1009898" y="55418"/>
+                  <a:pt x="1096049" y="49261"/>
+                  <a:pt x="1182255" y="46182"/>
+                </a:cubicBezTo>
+                <a:lnTo>
+                  <a:pt x="1246909" y="36945"/>
+                </a:lnTo>
+                <a:cubicBezTo>
+                  <a:pt x="1283906" y="31103"/>
+                  <a:pt x="1320667" y="23769"/>
+                  <a:pt x="1357746" y="18472"/>
+                </a:cubicBezTo>
+                <a:cubicBezTo>
+                  <a:pt x="1511339" y="-3470"/>
+                  <a:pt x="1382642" y="20882"/>
+                  <a:pt x="1487055" y="0"/>
+                </a:cubicBezTo>
+                <a:cubicBezTo>
+                  <a:pt x="1514764" y="6157"/>
+                  <a:pt x="1543451" y="8925"/>
+                  <a:pt x="1570182" y="18472"/>
+                </a:cubicBezTo>
+                <a:cubicBezTo>
+                  <a:pt x="1587089" y="24510"/>
+                  <a:pt x="1600604" y="37585"/>
+                  <a:pt x="1616364" y="46182"/>
+                </a:cubicBezTo>
+                <a:cubicBezTo>
+                  <a:pt x="1634495" y="56072"/>
+                  <a:pt x="1652718" y="65948"/>
+                  <a:pt x="1671782" y="73891"/>
+                </a:cubicBezTo>
+                <a:cubicBezTo>
+                  <a:pt x="1689756" y="81380"/>
+                  <a:pt x="1727200" y="92363"/>
+                  <a:pt x="1727200" y="92363"/>
+                </a:cubicBezTo>
+                <a:cubicBezTo>
+                  <a:pt x="1773027" y="126733"/>
+                  <a:pt x="1755607" y="107263"/>
+                  <a:pt x="1782619" y="147782"/>
+                </a:cubicBezTo>
+              </a:path>
+            </a:pathLst>
+          </a:custGeom>
+          <a:solidFill>
+            <a:schemeClr val="accent2">
+              <a:lumMod val="40000"/>
+              <a:lumOff val="60000"/>
+            </a:schemeClr>
+          </a:solidFill>
+          <a:ln>
+            <a:noFill/>
+          </a:ln>
+        </p:spPr>
+        <p:style>
+          <a:lnRef idx="2">
+            <a:schemeClr val="accent1">
+              <a:shade val="50000"/>
+            </a:schemeClr>
+          </a:lnRef>
+          <a:fillRef idx="1">
+            <a:schemeClr val="accent1"/>
+          </a:fillRef>
+          <a:effectRef idx="0">
+            <a:schemeClr val="accent1"/>
+          </a:effectRef>
+          <a:fontRef idx="minor">
+            <a:schemeClr val="lt1"/>
+          </a:fontRef>
+        </p:style>
+        <p:txBody>
+          <a:bodyPr rtlCol="0" anchor="ctr"/>
+          <a:lstStyle/>
+          <a:p>
+            <a:pPr algn="ctr"/>
+            <a:endParaRPr lang="en-US"/>
+          </a:p>
+        </p:txBody>
+      </p:sp>
+      <p:sp>
+        <p:nvSpPr>
+          <p:cNvPr id="6" name="Rectangle 5">
+            <a:extLst>
+              <a:ext uri="{FF2B5EF4-FFF2-40B4-BE49-F238E27FC236}">
+                <a16:creationId xmlns:a16="http://schemas.microsoft.com/office/drawing/2014/main" id="{6900DAC9-F496-742D-9202-F61EC2CD4CF4}"/>
+              </a:ext>
+            </a:extLst>
+          </p:cNvPr>
+          <p:cNvSpPr/>
+          <p:nvPr/>
+        </p:nvSpPr>
+        <p:spPr>
+          <a:xfrm>
+            <a:off x="1874808" y="2976797"/>
+            <a:ext cx="665192" cy="452204"/>
+          </a:xfrm>
+          <a:prstGeom prst="rect">
+            <a:avLst/>
+          </a:prstGeom>
+          <a:solidFill>
+            <a:srgbClr val="BC5304"/>
+          </a:solidFill>
+          <a:ln>
+            <a:noFill/>
+          </a:ln>
+        </p:spPr>
+        <p:style>
+          <a:lnRef idx="2">
+            <a:schemeClr val="accent1">
+              <a:shade val="50000"/>
+            </a:schemeClr>
+          </a:lnRef>
+          <a:fillRef idx="1">
+            <a:schemeClr val="accent1"/>
+          </a:fillRef>
+          <a:effectRef idx="0">
+            <a:schemeClr val="accent1"/>
+          </a:effectRef>
+          <a:fontRef idx="minor">
+            <a:schemeClr val="lt1"/>
+          </a:fontRef>
+        </p:style>
+        <p:txBody>
+          <a:bodyPr rtlCol="0" anchor="ctr"/>
+          <a:lstStyle/>
+          <a:p>
+            <a:pPr algn="ctr"/>
+            <a:endParaRPr lang="en-US"/>
+          </a:p>
+        </p:txBody>
+      </p:sp>
+      <p:sp>
+        <p:nvSpPr>
+          <p:cNvPr id="7" name="Rectangle 6">
+            <a:extLst>
+              <a:ext uri="{FF2B5EF4-FFF2-40B4-BE49-F238E27FC236}">
+                <a16:creationId xmlns:a16="http://schemas.microsoft.com/office/drawing/2014/main" id="{01D13D5B-FAD7-C568-18FB-1CAEEBE6CC79}"/>
+              </a:ext>
+            </a:extLst>
+          </p:cNvPr>
+          <p:cNvSpPr/>
+          <p:nvPr/>
+        </p:nvSpPr>
+        <p:spPr>
+          <a:xfrm>
+            <a:off x="9264248" y="2951630"/>
+            <a:ext cx="665192" cy="470444"/>
+          </a:xfrm>
+          <a:prstGeom prst="rect">
+            <a:avLst/>
+          </a:prstGeom>
+          <a:solidFill>
+            <a:srgbClr val="BC5304"/>
+          </a:solidFill>
+          <a:ln>
+            <a:noFill/>
+          </a:ln>
+        </p:spPr>
+        <p:style>
+          <a:lnRef idx="2">
+            <a:schemeClr val="accent1">
+              <a:shade val="50000"/>
+            </a:schemeClr>
+          </a:lnRef>
+          <a:fillRef idx="1">
+            <a:schemeClr val="accent1"/>
+          </a:fillRef>
+          <a:effectRef idx="0">
+            <a:schemeClr val="accent1"/>
+          </a:effectRef>
+          <a:fontRef idx="minor">
+            <a:schemeClr val="lt1"/>
+          </a:fontRef>
+        </p:style>
+        <p:txBody>
+          <a:bodyPr rtlCol="0" anchor="ctr"/>
+          <a:lstStyle/>
+          <a:p>
+            <a:pPr algn="ctr"/>
+            <a:endParaRPr lang="en-US"/>
+          </a:p>
+        </p:txBody>
+      </p:sp>
+      <p:sp>
+        <p:nvSpPr>
+          <p:cNvPr id="8" name="Rectangle 7">
+            <a:extLst>
+              <a:ext uri="{FF2B5EF4-FFF2-40B4-BE49-F238E27FC236}">
+                <a16:creationId xmlns:a16="http://schemas.microsoft.com/office/drawing/2014/main" id="{7D2B5372-52F3-54D2-07D2-C952D840B8D6}"/>
+              </a:ext>
+            </a:extLst>
+          </p:cNvPr>
+          <p:cNvSpPr/>
+          <p:nvPr/>
+        </p:nvSpPr>
+        <p:spPr>
+          <a:xfrm>
+            <a:off x="1874808" y="2553855"/>
+            <a:ext cx="1616537" cy="434109"/>
+          </a:xfrm>
+          <a:prstGeom prst="rect">
+            <a:avLst/>
+          </a:prstGeom>
+          <a:solidFill>
+            <a:srgbClr val="BC5304"/>
+          </a:solidFill>
+          <a:ln>
+            <a:noFill/>
+          </a:ln>
+        </p:spPr>
+        <p:style>
+          <a:lnRef idx="2">
+            <a:schemeClr val="accent1">
+              <a:shade val="50000"/>
+            </a:schemeClr>
+          </a:lnRef>
+          <a:fillRef idx="1">
+            <a:schemeClr val="accent1"/>
+          </a:fillRef>
+          <a:effectRef idx="0">
+            <a:schemeClr val="accent1"/>
+          </a:effectRef>
+          <a:fontRef idx="minor">
+            <a:schemeClr val="lt1"/>
+          </a:fontRef>
+        </p:style>
+        <p:txBody>
+          <a:bodyPr rtlCol="0" anchor="ctr"/>
+          <a:lstStyle/>
+          <a:p>
+            <a:pPr algn="ctr"/>
+            <a:endParaRPr lang="en-US"/>
+          </a:p>
+        </p:txBody>
+      </p:sp>
+      <p:sp>
+        <p:nvSpPr>
+          <p:cNvPr id="10" name="Rectangle 9">
+            <a:extLst>
+              <a:ext uri="{FF2B5EF4-FFF2-40B4-BE49-F238E27FC236}">
+                <a16:creationId xmlns:a16="http://schemas.microsoft.com/office/drawing/2014/main" id="{F45A3943-800A-7342-F352-9CE64414B878}"/>
+              </a:ext>
+            </a:extLst>
+          </p:cNvPr>
+          <p:cNvSpPr/>
+          <p:nvPr/>
+        </p:nvSpPr>
+        <p:spPr>
+          <a:xfrm>
+            <a:off x="8312902" y="2550392"/>
+            <a:ext cx="1616537" cy="434109"/>
+          </a:xfrm>
+          <a:prstGeom prst="rect">
+            <a:avLst/>
+          </a:prstGeom>
+          <a:solidFill>
+            <a:srgbClr val="BC5304"/>
+          </a:solidFill>
+          <a:ln>
+            <a:noFill/>
+          </a:ln>
+        </p:spPr>
+        <p:style>
+          <a:lnRef idx="2">
+            <a:schemeClr val="accent1">
+              <a:shade val="50000"/>
+            </a:schemeClr>
+          </a:lnRef>
+          <a:fillRef idx="1">
+            <a:schemeClr val="accent1"/>
+          </a:fillRef>
+          <a:effectRef idx="0">
+            <a:schemeClr val="accent1"/>
+          </a:effectRef>
+          <a:fontRef idx="minor">
+            <a:schemeClr val="lt1"/>
+          </a:fontRef>
+        </p:style>
+        <p:txBody>
+          <a:bodyPr rtlCol="0" anchor="ctr"/>
+          <a:lstStyle/>
+          <a:p>
+            <a:pPr algn="ctr"/>
+            <a:endParaRPr lang="en-US"/>
+          </a:p>
+        </p:txBody>
+      </p:sp>
+      <p:grpSp>
+        <p:nvGrpSpPr>
+          <p:cNvPr id="13" name="Group 12">
+            <a:extLst>
+              <a:ext uri="{FF2B5EF4-FFF2-40B4-BE49-F238E27FC236}">
+                <a16:creationId xmlns:a16="http://schemas.microsoft.com/office/drawing/2014/main" id="{46F1E4AC-5DF4-AEA8-4873-CF442391944B}"/>
+              </a:ext>
+            </a:extLst>
+          </p:cNvPr>
+          <p:cNvGrpSpPr/>
+          <p:nvPr/>
+        </p:nvGrpSpPr>
+        <p:grpSpPr>
+          <a:xfrm>
+            <a:off x="3154349" y="2928473"/>
+            <a:ext cx="5495548" cy="59491"/>
+            <a:chOff x="3154350" y="2938863"/>
+            <a:chExt cx="5495548" cy="59491"/>
+          </a:xfrm>
+        </p:grpSpPr>
+        <p:sp>
+          <p:nvSpPr>
+            <p:cNvPr id="12" name="Rectangle 11">
+              <a:extLst>
+                <a:ext uri="{FF2B5EF4-FFF2-40B4-BE49-F238E27FC236}">
+                  <a16:creationId xmlns:a16="http://schemas.microsoft.com/office/drawing/2014/main" id="{267F0D1D-0E67-40E6-AE76-FA5152A5B8AE}"/>
+                </a:ext>
+              </a:extLst>
+            </p:cNvPr>
+            <p:cNvSpPr/>
+            <p:nvPr/>
+          </p:nvSpPr>
+          <p:spPr>
+            <a:xfrm>
+              <a:off x="3154350" y="2938863"/>
+              <a:ext cx="5495548" cy="59491"/>
+            </a:xfrm>
+            <a:prstGeom prst="rect">
+              <a:avLst/>
+            </a:prstGeom>
+            <a:solidFill>
+              <a:schemeClr val="bg1"/>
+            </a:solidFill>
+            <a:ln>
+              <a:noFill/>
+            </a:ln>
+          </p:spPr>
+          <p:style>
+            <a:lnRef idx="2">
+              <a:schemeClr val="accent1">
+                <a:shade val="50000"/>
+              </a:schemeClr>
+            </a:lnRef>
+            <a:fillRef idx="1">
+              <a:schemeClr val="accent1"/>
+            </a:fillRef>
+            <a:effectRef idx="0">
+              <a:schemeClr val="accent1"/>
+            </a:effectRef>
+            <a:fontRef idx="minor">
+              <a:schemeClr val="lt1"/>
+            </a:fontRef>
+          </p:style>
+          <p:txBody>
+            <a:bodyPr rtlCol="0" anchor="ctr"/>
+            <a:lstStyle/>
+            <a:p>
+              <a:pPr algn="ctr"/>
+              <a:endParaRPr lang="en-US"/>
+            </a:p>
+          </p:txBody>
+        </p:sp>
+        <p:sp>
+          <p:nvSpPr>
+            <p:cNvPr id="11" name="Rectangle 10">
+              <a:extLst>
+                <a:ext uri="{FF2B5EF4-FFF2-40B4-BE49-F238E27FC236}">
+                  <a16:creationId xmlns:a16="http://schemas.microsoft.com/office/drawing/2014/main" id="{A388B103-4ADA-FC1A-0493-B63EAB29F726}"/>
+                </a:ext>
+              </a:extLst>
+            </p:cNvPr>
+            <p:cNvSpPr/>
+            <p:nvPr/>
+          </p:nvSpPr>
+          <p:spPr>
+            <a:xfrm>
+              <a:off x="3154350" y="2938863"/>
+              <a:ext cx="5495548" cy="59491"/>
+            </a:xfrm>
+            <a:prstGeom prst="rect">
+              <a:avLst/>
+            </a:prstGeom>
+            <a:solidFill>
+              <a:srgbClr val="00B0F0">
+                <a:alpha val="42000"/>
+              </a:srgbClr>
+            </a:solidFill>
+            <a:ln>
+              <a:noFill/>
+            </a:ln>
+          </p:spPr>
+          <p:style>
+            <a:lnRef idx="2">
+              <a:schemeClr val="accent1">
+                <a:shade val="50000"/>
+              </a:schemeClr>
+            </a:lnRef>
+            <a:fillRef idx="1">
+              <a:schemeClr val="accent1"/>
+            </a:fillRef>
+            <a:effectRef idx="0">
+              <a:schemeClr val="accent1"/>
+            </a:effectRef>
+            <a:fontRef idx="minor">
+              <a:schemeClr val="lt1"/>
+            </a:fontRef>
+          </p:style>
+          <p:txBody>
+            <a:bodyPr rtlCol="0" anchor="ctr"/>
+            <a:lstStyle/>
+            <a:p>
+              <a:pPr algn="ctr"/>
+              <a:endParaRPr lang="en-US"/>
+            </a:p>
+          </p:txBody>
+        </p:sp>
+      </p:grpSp>
+      <p:sp>
+        <p:nvSpPr>
+          <p:cNvPr id="14" name="Rectangle 13">
+            <a:extLst>
+              <a:ext uri="{FF2B5EF4-FFF2-40B4-BE49-F238E27FC236}">
+                <a16:creationId xmlns:a16="http://schemas.microsoft.com/office/drawing/2014/main" id="{8C871811-824B-6E55-9CD7-5B2DFF89B6F2}"/>
+              </a:ext>
+            </a:extLst>
+          </p:cNvPr>
+          <p:cNvSpPr/>
+          <p:nvPr/>
+        </p:nvSpPr>
+        <p:spPr>
+          <a:xfrm>
+            <a:off x="2683076" y="1099127"/>
+            <a:ext cx="244851" cy="1978891"/>
+          </a:xfrm>
+          <a:prstGeom prst="rect">
+            <a:avLst/>
+          </a:prstGeom>
+          <a:solidFill>
+            <a:schemeClr val="bg1"/>
+          </a:solidFill>
+          <a:ln>
+            <a:solidFill>
+              <a:schemeClr val="tx1"/>
+            </a:solidFill>
+          </a:ln>
+        </p:spPr>
+        <p:style>
+          <a:lnRef idx="2">
+            <a:schemeClr val="accent1">
+              <a:shade val="50000"/>
+            </a:schemeClr>
+          </a:lnRef>
+          <a:fillRef idx="1">
+            <a:schemeClr val="accent1"/>
+          </a:fillRef>
+          <a:effectRef idx="0">
+            <a:schemeClr val="accent1"/>
+          </a:effectRef>
+          <a:fontRef idx="minor">
+            <a:schemeClr val="lt1"/>
+          </a:fontRef>
+        </p:style>
+        <p:txBody>
+          <a:bodyPr rtlCol="0" anchor="ctr"/>
+          <a:lstStyle/>
+          <a:p>
+            <a:pPr algn="ctr"/>
+            <a:endParaRPr lang="en-US"/>
+          </a:p>
+        </p:txBody>
+      </p:sp>
+      <p:sp>
+        <p:nvSpPr>
+          <p:cNvPr id="15" name="Rectangle 14">
+            <a:extLst>
+              <a:ext uri="{FF2B5EF4-FFF2-40B4-BE49-F238E27FC236}">
+                <a16:creationId xmlns:a16="http://schemas.microsoft.com/office/drawing/2014/main" id="{1CCC01DA-6F5E-9321-ECC6-113AEB1DBFE3}"/>
+              </a:ext>
+            </a:extLst>
+          </p:cNvPr>
+          <p:cNvSpPr/>
+          <p:nvPr/>
+        </p:nvSpPr>
+        <p:spPr>
+          <a:xfrm>
+            <a:off x="8922392" y="1099126"/>
+            <a:ext cx="244851" cy="1978891"/>
+          </a:xfrm>
+          <a:prstGeom prst="rect">
+            <a:avLst/>
+          </a:prstGeom>
+          <a:solidFill>
+            <a:schemeClr val="bg1"/>
+          </a:solidFill>
+          <a:ln>
+            <a:solidFill>
+              <a:schemeClr val="tx1"/>
+            </a:solidFill>
+          </a:ln>
+        </p:spPr>
+        <p:style>
+          <a:lnRef idx="2">
+            <a:schemeClr val="accent1">
+              <a:shade val="50000"/>
+            </a:schemeClr>
+          </a:lnRef>
+          <a:fillRef idx="1">
+            <a:schemeClr val="accent1"/>
+          </a:fillRef>
+          <a:effectRef idx="0">
+            <a:schemeClr val="accent1"/>
+          </a:effectRef>
+          <a:fontRef idx="minor">
+            <a:schemeClr val="lt1"/>
+          </a:fontRef>
+        </p:style>
+        <p:txBody>
+          <a:bodyPr rtlCol="0" anchor="ctr"/>
+          <a:lstStyle/>
+          <a:p>
+            <a:pPr algn="ctr"/>
+            <a:endParaRPr lang="en-US"/>
+          </a:p>
+        </p:txBody>
+      </p:sp>
+      <p:sp>
+        <p:nvSpPr>
+          <p:cNvPr id="16" name="Right Triangle 15">
+            <a:extLst>
+              <a:ext uri="{FF2B5EF4-FFF2-40B4-BE49-F238E27FC236}">
+                <a16:creationId xmlns:a16="http://schemas.microsoft.com/office/drawing/2014/main" id="{ECC6F174-FDC2-0E24-1FD1-3A6DF5C752B4}"/>
+              </a:ext>
+            </a:extLst>
+          </p:cNvPr>
+          <p:cNvSpPr/>
+          <p:nvPr/>
+        </p:nvSpPr>
+        <p:spPr>
+          <a:xfrm>
+            <a:off x="1874808" y="1182255"/>
+            <a:ext cx="808268" cy="1371600"/>
+          </a:xfrm>
+          <a:prstGeom prst="rtTriangle">
+            <a:avLst/>
+          </a:prstGeom>
+          <a:solidFill>
+            <a:srgbClr val="F018D1"/>
+          </a:solidFill>
+          <a:ln>
+            <a:noFill/>
+          </a:ln>
+        </p:spPr>
+        <p:style>
+          <a:lnRef idx="2">
+            <a:schemeClr val="accent1">
+              <a:shade val="50000"/>
+            </a:schemeClr>
+          </a:lnRef>
+          <a:fillRef idx="1">
+            <a:schemeClr val="accent1"/>
+          </a:fillRef>
+          <a:effectRef idx="0">
+            <a:schemeClr val="accent1"/>
+          </a:effectRef>
+          <a:fontRef idx="minor">
+            <a:schemeClr val="lt1"/>
+          </a:fontRef>
+        </p:style>
+        <p:txBody>
+          <a:bodyPr rtlCol="0" anchor="ctr"/>
+          <a:lstStyle/>
+          <a:p>
+            <a:pPr algn="ctr"/>
+            <a:endParaRPr lang="en-US"/>
+          </a:p>
+        </p:txBody>
+      </p:sp>
+      <p:sp>
+        <p:nvSpPr>
+          <p:cNvPr id="17" name="Rectangle 16">
+            <a:extLst>
+              <a:ext uri="{FF2B5EF4-FFF2-40B4-BE49-F238E27FC236}">
+                <a16:creationId xmlns:a16="http://schemas.microsoft.com/office/drawing/2014/main" id="{FA7652A2-9053-715D-CA38-CF3F8C9931B1}"/>
+              </a:ext>
+            </a:extLst>
+          </p:cNvPr>
+          <p:cNvSpPr/>
+          <p:nvPr/>
+        </p:nvSpPr>
+        <p:spPr>
+          <a:xfrm>
+            <a:off x="1472756" y="3265663"/>
+            <a:ext cx="235700" cy="262627"/>
+          </a:xfrm>
+          <a:prstGeom prst="rect">
+            <a:avLst/>
+          </a:prstGeom>
+          <a:solidFill>
+            <a:schemeClr val="bg2">
+              <a:lumMod val="75000"/>
+            </a:schemeClr>
+          </a:solidFill>
+          <a:ln>
+            <a:noFill/>
+          </a:ln>
+        </p:spPr>
+        <p:style>
+          <a:lnRef idx="2">
+            <a:schemeClr val="accent1">
+              <a:shade val="50000"/>
+            </a:schemeClr>
+          </a:lnRef>
+          <a:fillRef idx="1">
+            <a:schemeClr val="accent1"/>
+          </a:fillRef>
+          <a:effectRef idx="0">
+            <a:schemeClr val="accent1"/>
+          </a:effectRef>
+          <a:fontRef idx="minor">
+            <a:schemeClr val="lt1"/>
+          </a:fontRef>
+        </p:style>
+        <p:txBody>
+          <a:bodyPr rtlCol="0" anchor="ctr"/>
+          <a:lstStyle/>
+          <a:p>
+            <a:pPr algn="ctr"/>
+            <a:endParaRPr lang="en-US"/>
+          </a:p>
+        </p:txBody>
+      </p:sp>
+      <p:sp>
+        <p:nvSpPr>
+          <p:cNvPr id="20" name="Right Triangle 19">
+            <a:extLst>
+              <a:ext uri="{FF2B5EF4-FFF2-40B4-BE49-F238E27FC236}">
+                <a16:creationId xmlns:a16="http://schemas.microsoft.com/office/drawing/2014/main" id="{078D43EF-7AE5-06B4-2EFC-95396F6A623C}"/>
+              </a:ext>
+            </a:extLst>
+          </p:cNvPr>
+          <p:cNvSpPr/>
+          <p:nvPr/>
+        </p:nvSpPr>
+        <p:spPr>
+          <a:xfrm flipH="1">
+            <a:off x="9167242" y="1189182"/>
+            <a:ext cx="762197" cy="1371600"/>
+          </a:xfrm>
+          <a:prstGeom prst="rtTriangle">
+            <a:avLst/>
+          </a:prstGeom>
+          <a:solidFill>
+            <a:srgbClr val="F018D1"/>
+          </a:solidFill>
+          <a:ln>
+            <a:noFill/>
+          </a:ln>
+        </p:spPr>
+        <p:style>
+          <a:lnRef idx="2">
+            <a:schemeClr val="accent1">
+              <a:shade val="50000"/>
+            </a:schemeClr>
+          </a:lnRef>
+          <a:fillRef idx="1">
+            <a:schemeClr val="accent1"/>
+          </a:fillRef>
+          <a:effectRef idx="0">
+            <a:schemeClr val="accent1"/>
+          </a:effectRef>
+          <a:fontRef idx="minor">
+            <a:schemeClr val="lt1"/>
+          </a:fontRef>
+        </p:style>
+        <p:txBody>
+          <a:bodyPr rtlCol="0" anchor="ctr"/>
+          <a:lstStyle/>
+          <a:p>
+            <a:pPr algn="ctr"/>
+            <a:endParaRPr lang="en-US"/>
+          </a:p>
+        </p:txBody>
+      </p:sp>
+      <p:sp>
+        <p:nvSpPr>
+          <p:cNvPr id="21" name="Rectangle 20">
+            <a:extLst>
+              <a:ext uri="{FF2B5EF4-FFF2-40B4-BE49-F238E27FC236}">
+                <a16:creationId xmlns:a16="http://schemas.microsoft.com/office/drawing/2014/main" id="{E0CA73FA-10EB-E809-3DFE-2D92D41CE3DE}"/>
+              </a:ext>
+            </a:extLst>
+          </p:cNvPr>
+          <p:cNvSpPr/>
+          <p:nvPr/>
+        </p:nvSpPr>
+        <p:spPr>
+          <a:xfrm flipH="1">
+            <a:off x="10132158" y="3285901"/>
+            <a:ext cx="222265" cy="262627"/>
+          </a:xfrm>
+          <a:prstGeom prst="rect">
+            <a:avLst/>
+          </a:prstGeom>
+          <a:solidFill>
+            <a:schemeClr val="bg2">
+              <a:lumMod val="75000"/>
+            </a:schemeClr>
+          </a:solidFill>
+          <a:ln>
+            <a:noFill/>
+          </a:ln>
+        </p:spPr>
+        <p:style>
+          <a:lnRef idx="2">
+            <a:schemeClr val="accent1">
+              <a:shade val="50000"/>
+            </a:schemeClr>
+          </a:lnRef>
+          <a:fillRef idx="1">
+            <a:schemeClr val="accent1"/>
+          </a:fillRef>
+          <a:effectRef idx="0">
+            <a:schemeClr val="accent1"/>
+          </a:effectRef>
+          <a:fontRef idx="minor">
+            <a:schemeClr val="lt1"/>
+          </a:fontRef>
+        </p:style>
+        <p:txBody>
+          <a:bodyPr rtlCol="0" anchor="ctr"/>
+          <a:lstStyle/>
+          <a:p>
+            <a:pPr algn="ctr"/>
+            <a:endParaRPr lang="en-US"/>
+          </a:p>
+        </p:txBody>
+      </p:sp>
+      <p:sp>
+        <p:nvSpPr>
+          <p:cNvPr id="24" name="Rectangle 23">
+            <a:extLst>
+              <a:ext uri="{FF2B5EF4-FFF2-40B4-BE49-F238E27FC236}">
+                <a16:creationId xmlns:a16="http://schemas.microsoft.com/office/drawing/2014/main" id="{D37B4084-3546-450B-2750-FF46F004C2B1}"/>
+              </a:ext>
+            </a:extLst>
+          </p:cNvPr>
+          <p:cNvSpPr/>
+          <p:nvPr/>
+        </p:nvSpPr>
+        <p:spPr>
+          <a:xfrm>
+            <a:off x="517192" y="3665682"/>
+            <a:ext cx="11065250" cy="237226"/>
+          </a:xfrm>
+          <a:prstGeom prst="rect">
+            <a:avLst/>
+          </a:prstGeom>
+          <a:solidFill>
+            <a:schemeClr val="tx1"/>
+          </a:solidFill>
+          <a:ln>
+            <a:noFill/>
+          </a:ln>
+        </p:spPr>
+        <p:style>
+          <a:lnRef idx="2">
+            <a:schemeClr val="accent1">
+              <a:shade val="50000"/>
+            </a:schemeClr>
+          </a:lnRef>
+          <a:fillRef idx="1">
+            <a:schemeClr val="accent1"/>
+          </a:fillRef>
+          <a:effectRef idx="0">
+            <a:schemeClr val="accent1"/>
+          </a:effectRef>
+          <a:fontRef idx="minor">
+            <a:schemeClr val="lt1"/>
+          </a:fontRef>
+        </p:style>
+        <p:txBody>
+          <a:bodyPr rtlCol="0" anchor="ctr"/>
+          <a:lstStyle/>
+          <a:p>
+            <a:pPr algn="ctr"/>
+            <a:endParaRPr lang="en-US"/>
+          </a:p>
+        </p:txBody>
+      </p:sp>
+      <p:sp>
+        <p:nvSpPr>
+          <p:cNvPr id="25" name="Rectangle 24">
+            <a:extLst>
+              <a:ext uri="{FF2B5EF4-FFF2-40B4-BE49-F238E27FC236}">
+                <a16:creationId xmlns:a16="http://schemas.microsoft.com/office/drawing/2014/main" id="{17CAD620-2784-897C-07D3-BD9BC6E9FE29}"/>
+              </a:ext>
+            </a:extLst>
+          </p:cNvPr>
+          <p:cNvSpPr/>
+          <p:nvPr/>
+        </p:nvSpPr>
+        <p:spPr>
+          <a:xfrm>
+            <a:off x="1886310" y="3902364"/>
+            <a:ext cx="8024385" cy="237226"/>
+          </a:xfrm>
+          <a:prstGeom prst="rect">
+            <a:avLst/>
+          </a:prstGeom>
+          <a:solidFill>
+            <a:srgbClr val="BC5304"/>
+          </a:solidFill>
+          <a:ln>
+            <a:noFill/>
+          </a:ln>
+        </p:spPr>
+        <p:style>
+          <a:lnRef idx="2">
+            <a:schemeClr val="accent1">
+              <a:shade val="50000"/>
+            </a:schemeClr>
+          </a:lnRef>
+          <a:fillRef idx="1">
+            <a:schemeClr val="accent1"/>
+          </a:fillRef>
+          <a:effectRef idx="0">
+            <a:schemeClr val="accent1"/>
+          </a:effectRef>
+          <a:fontRef idx="minor">
+            <a:schemeClr val="lt1"/>
+          </a:fontRef>
+        </p:style>
+        <p:txBody>
+          <a:bodyPr rtlCol="0" anchor="ctr"/>
+          <a:lstStyle/>
+          <a:p>
+            <a:pPr algn="ctr"/>
+            <a:endParaRPr lang="en-US"/>
+          </a:p>
+        </p:txBody>
+      </p:sp>
+      <p:sp>
+        <p:nvSpPr>
+          <p:cNvPr id="26" name="Rectangle 25">
+            <a:extLst>
+              <a:ext uri="{FF2B5EF4-FFF2-40B4-BE49-F238E27FC236}">
+                <a16:creationId xmlns:a16="http://schemas.microsoft.com/office/drawing/2014/main" id="{361D9429-0789-3C34-F75C-3553ABA59919}"/>
+              </a:ext>
+            </a:extLst>
+          </p:cNvPr>
+          <p:cNvSpPr/>
+          <p:nvPr/>
+        </p:nvSpPr>
+        <p:spPr>
+          <a:xfrm>
+            <a:off x="1874808" y="4139046"/>
+            <a:ext cx="8035887" cy="250980"/>
+          </a:xfrm>
+          <a:prstGeom prst="rect">
+            <a:avLst/>
+          </a:prstGeom>
+          <a:solidFill>
+            <a:srgbClr val="FF0000"/>
+          </a:solidFill>
+          <a:ln>
+            <a:noFill/>
+          </a:ln>
+        </p:spPr>
+        <p:style>
+          <a:lnRef idx="2">
+            <a:schemeClr val="accent1">
+              <a:shade val="50000"/>
+            </a:schemeClr>
+          </a:lnRef>
+          <a:fillRef idx="1">
+            <a:schemeClr val="accent1"/>
+          </a:fillRef>
+          <a:effectRef idx="0">
+            <a:schemeClr val="accent1"/>
+          </a:effectRef>
+          <a:fontRef idx="minor">
+            <a:schemeClr val="lt1"/>
+          </a:fontRef>
+        </p:style>
+        <p:txBody>
+          <a:bodyPr rtlCol="0" anchor="ctr"/>
+          <a:lstStyle/>
+          <a:p>
+            <a:pPr algn="ctr"/>
+            <a:endParaRPr lang="en-US"/>
+          </a:p>
+        </p:txBody>
+      </p:sp>
+      <p:sp>
+        <p:nvSpPr>
+          <p:cNvPr id="30" name="Rectangle 29">
+            <a:extLst>
+              <a:ext uri="{FF2B5EF4-FFF2-40B4-BE49-F238E27FC236}">
+                <a16:creationId xmlns:a16="http://schemas.microsoft.com/office/drawing/2014/main" id="{5637121A-C36C-8279-3AAA-539901EA6A1B}"/>
+              </a:ext>
+            </a:extLst>
+          </p:cNvPr>
+          <p:cNvSpPr/>
+          <p:nvPr/>
+        </p:nvSpPr>
+        <p:spPr>
+          <a:xfrm>
+            <a:off x="517191" y="3902364"/>
+            <a:ext cx="1369117" cy="1018308"/>
+          </a:xfrm>
+          <a:prstGeom prst="rect">
+            <a:avLst/>
+          </a:prstGeom>
+          <a:solidFill>
+            <a:srgbClr val="F018D1"/>
+          </a:solidFill>
+          <a:ln>
+            <a:noFill/>
+          </a:ln>
+        </p:spPr>
+        <p:style>
+          <a:lnRef idx="2">
+            <a:schemeClr val="accent1">
+              <a:shade val="50000"/>
+            </a:schemeClr>
+          </a:lnRef>
+          <a:fillRef idx="1">
+            <a:schemeClr val="accent1"/>
+          </a:fillRef>
+          <a:effectRef idx="0">
+            <a:schemeClr val="accent1"/>
+          </a:effectRef>
+          <a:fontRef idx="minor">
+            <a:schemeClr val="lt1"/>
+          </a:fontRef>
+        </p:style>
+        <p:txBody>
+          <a:bodyPr rtlCol="0" anchor="ctr"/>
+          <a:lstStyle/>
+          <a:p>
+            <a:pPr algn="ctr"/>
+            <a:endParaRPr lang="en-US"/>
+          </a:p>
+        </p:txBody>
+      </p:sp>
+      <p:sp>
+        <p:nvSpPr>
+          <p:cNvPr id="31" name="Rectangle 30">
+            <a:extLst>
+              <a:ext uri="{FF2B5EF4-FFF2-40B4-BE49-F238E27FC236}">
+                <a16:creationId xmlns:a16="http://schemas.microsoft.com/office/drawing/2014/main" id="{96795907-0493-BBC7-8DC0-F73863E5A170}"/>
+              </a:ext>
+            </a:extLst>
+          </p:cNvPr>
+          <p:cNvSpPr/>
+          <p:nvPr/>
+        </p:nvSpPr>
+        <p:spPr>
+          <a:xfrm>
+            <a:off x="9910696" y="3902364"/>
+            <a:ext cx="1655826" cy="1018308"/>
+          </a:xfrm>
+          <a:prstGeom prst="rect">
+            <a:avLst/>
+          </a:prstGeom>
+          <a:solidFill>
+            <a:srgbClr val="F018D1"/>
+          </a:solidFill>
+          <a:ln>
+            <a:noFill/>
+          </a:ln>
+        </p:spPr>
+        <p:style>
+          <a:lnRef idx="2">
+            <a:schemeClr val="accent1">
+              <a:shade val="50000"/>
+            </a:schemeClr>
+          </a:lnRef>
+          <a:fillRef idx="1">
+            <a:schemeClr val="accent1"/>
+          </a:fillRef>
+          <a:effectRef idx="0">
+            <a:schemeClr val="accent1"/>
+          </a:effectRef>
+          <a:fontRef idx="minor">
+            <a:schemeClr val="lt1"/>
+          </a:fontRef>
+        </p:style>
+        <p:txBody>
+          <a:bodyPr rtlCol="0" anchor="ctr"/>
+          <a:lstStyle/>
+          <a:p>
+            <a:pPr algn="ctr"/>
+            <a:endParaRPr lang="en-US"/>
+          </a:p>
+        </p:txBody>
+      </p:sp>
+      <p:grpSp>
+        <p:nvGrpSpPr>
+          <p:cNvPr id="37" name="Group 36">
+            <a:extLst>
+              <a:ext uri="{FF2B5EF4-FFF2-40B4-BE49-F238E27FC236}">
+                <a16:creationId xmlns:a16="http://schemas.microsoft.com/office/drawing/2014/main" id="{70E496FC-1A4C-E68F-8267-D96F3D4C2048}"/>
+              </a:ext>
+            </a:extLst>
+          </p:cNvPr>
+          <p:cNvGrpSpPr/>
+          <p:nvPr/>
+        </p:nvGrpSpPr>
+        <p:grpSpPr>
+          <a:xfrm>
+            <a:off x="3851561" y="-14702"/>
+            <a:ext cx="3934694" cy="2512529"/>
+            <a:chOff x="3851561" y="-14702"/>
+            <a:chExt cx="3934694" cy="2512529"/>
+          </a:xfrm>
+        </p:grpSpPr>
+        <p:grpSp>
+          <p:nvGrpSpPr>
+            <p:cNvPr id="35" name="Group 34">
+              <a:extLst>
+                <a:ext uri="{FF2B5EF4-FFF2-40B4-BE49-F238E27FC236}">
+                  <a16:creationId xmlns:a16="http://schemas.microsoft.com/office/drawing/2014/main" id="{BA9E9719-1724-21E4-00BF-72ED4843CAF6}"/>
+                </a:ext>
+              </a:extLst>
+            </p:cNvPr>
+            <p:cNvGrpSpPr/>
+            <p:nvPr/>
+          </p:nvGrpSpPr>
+          <p:grpSpPr>
+            <a:xfrm>
+              <a:off x="3851561" y="901701"/>
+              <a:ext cx="3934694" cy="1596126"/>
+              <a:chOff x="3851561" y="901701"/>
+              <a:chExt cx="3934694" cy="1596126"/>
+            </a:xfrm>
+          </p:grpSpPr>
+          <p:sp>
+            <p:nvSpPr>
+              <p:cNvPr id="32" name="Rectangle 31">
+                <a:extLst>
+                  <a:ext uri="{FF2B5EF4-FFF2-40B4-BE49-F238E27FC236}">
+                    <a16:creationId xmlns:a16="http://schemas.microsoft.com/office/drawing/2014/main" id="{AE56726F-7E08-BFDB-C823-18FF8C72F5D3}"/>
+                  </a:ext>
+                </a:extLst>
+              </p:cNvPr>
+              <p:cNvSpPr/>
+              <p:nvPr/>
+            </p:nvSpPr>
+            <p:spPr>
+              <a:xfrm>
+                <a:off x="5089236" y="905164"/>
+                <a:ext cx="1366982" cy="1592663"/>
+              </a:xfrm>
+              <a:prstGeom prst="rect">
+                <a:avLst/>
+              </a:prstGeom>
+              <a:solidFill>
+                <a:schemeClr val="bg1">
+                  <a:lumMod val="50000"/>
+                </a:schemeClr>
+              </a:solidFill>
+              <a:ln>
+                <a:noFill/>
+              </a:ln>
+            </p:spPr>
+            <p:style>
+              <a:lnRef idx="2">
+                <a:schemeClr val="accent1">
+                  <a:shade val="50000"/>
+                </a:schemeClr>
+              </a:lnRef>
+              <a:fillRef idx="1">
+                <a:schemeClr val="accent1"/>
+              </a:fillRef>
+              <a:effectRef idx="0">
+                <a:schemeClr val="accent1"/>
+              </a:effectRef>
+              <a:fontRef idx="minor">
+                <a:schemeClr val="lt1"/>
+              </a:fontRef>
+            </p:style>
+            <p:txBody>
+              <a:bodyPr rtlCol="0" anchor="ctr"/>
+              <a:lstStyle/>
+              <a:p>
+                <a:pPr algn="ctr"/>
+                <a:endParaRPr lang="en-US"/>
+              </a:p>
+            </p:txBody>
+          </p:sp>
+          <p:sp>
+            <p:nvSpPr>
+              <p:cNvPr id="33" name="Right Triangle 32">
+                <a:extLst>
+                  <a:ext uri="{FF2B5EF4-FFF2-40B4-BE49-F238E27FC236}">
+                    <a16:creationId xmlns:a16="http://schemas.microsoft.com/office/drawing/2014/main" id="{118844C4-6CC6-C619-30FF-66EACEF6789C}"/>
+                  </a:ext>
+                </a:extLst>
+              </p:cNvPr>
+              <p:cNvSpPr/>
+              <p:nvPr/>
+            </p:nvSpPr>
+            <p:spPr>
+              <a:xfrm rot="10800000">
+                <a:off x="3851561" y="901701"/>
+                <a:ext cx="1237673" cy="1587804"/>
+              </a:xfrm>
+              <a:prstGeom prst="rtTriangle">
+                <a:avLst/>
+              </a:prstGeom>
+              <a:solidFill>
+                <a:schemeClr val="bg1">
+                  <a:lumMod val="50000"/>
+                </a:schemeClr>
+              </a:solidFill>
+              <a:ln>
+                <a:noFill/>
+              </a:ln>
+            </p:spPr>
+            <p:style>
+              <a:lnRef idx="2">
+                <a:schemeClr val="accent1">
+                  <a:shade val="50000"/>
+                </a:schemeClr>
+              </a:lnRef>
+              <a:fillRef idx="1">
+                <a:schemeClr val="accent1"/>
+              </a:fillRef>
+              <a:effectRef idx="0">
+                <a:schemeClr val="accent1"/>
+              </a:effectRef>
+              <a:fontRef idx="minor">
+                <a:schemeClr val="lt1"/>
+              </a:fontRef>
+            </p:style>
+            <p:txBody>
+              <a:bodyPr rtlCol="0" anchor="ctr"/>
+              <a:lstStyle/>
+              <a:p>
+                <a:pPr algn="ctr"/>
+                <a:endParaRPr lang="en-US"/>
+              </a:p>
+            </p:txBody>
+          </p:sp>
+          <p:sp>
+            <p:nvSpPr>
+              <p:cNvPr id="34" name="Right Triangle 33">
+                <a:extLst>
+                  <a:ext uri="{FF2B5EF4-FFF2-40B4-BE49-F238E27FC236}">
+                    <a16:creationId xmlns:a16="http://schemas.microsoft.com/office/drawing/2014/main" id="{A11B7446-A6C4-80EC-B467-AC170810FCE9}"/>
+                  </a:ext>
+                </a:extLst>
+              </p:cNvPr>
+              <p:cNvSpPr/>
+              <p:nvPr/>
+            </p:nvSpPr>
+            <p:spPr>
+              <a:xfrm rot="10800000" flipH="1">
+                <a:off x="6456218" y="901701"/>
+                <a:ext cx="1330037" cy="1596126"/>
+              </a:xfrm>
+              <a:prstGeom prst="rtTriangle">
+                <a:avLst/>
+              </a:prstGeom>
+              <a:solidFill>
+                <a:schemeClr val="bg1">
+                  <a:lumMod val="50000"/>
+                </a:schemeClr>
+              </a:solidFill>
+              <a:ln>
+                <a:noFill/>
+              </a:ln>
+            </p:spPr>
+            <p:style>
+              <a:lnRef idx="2">
+                <a:schemeClr val="accent1">
+                  <a:shade val="50000"/>
+                </a:schemeClr>
+              </a:lnRef>
+              <a:fillRef idx="1">
+                <a:schemeClr val="accent1"/>
+              </a:fillRef>
+              <a:effectRef idx="0">
+                <a:schemeClr val="accent1"/>
+              </a:effectRef>
+              <a:fontRef idx="minor">
+                <a:schemeClr val="lt1"/>
+              </a:fontRef>
+            </p:style>
+            <p:txBody>
+              <a:bodyPr rtlCol="0" anchor="ctr"/>
+              <a:lstStyle/>
+              <a:p>
+                <a:pPr algn="ctr"/>
+                <a:endParaRPr lang="en-US"/>
+              </a:p>
+            </p:txBody>
+          </p:sp>
+        </p:grpSp>
+        <p:sp>
+          <p:nvSpPr>
+            <p:cNvPr id="36" name="Rectangle 35">
+              <a:extLst>
+                <a:ext uri="{FF2B5EF4-FFF2-40B4-BE49-F238E27FC236}">
+                  <a16:creationId xmlns:a16="http://schemas.microsoft.com/office/drawing/2014/main" id="{3790E094-535F-5CE2-FF6A-DF343859882B}"/>
+                </a:ext>
+              </a:extLst>
+            </p:cNvPr>
+            <p:cNvSpPr/>
+            <p:nvPr/>
+          </p:nvSpPr>
+          <p:spPr>
+            <a:xfrm>
+              <a:off x="3851561" y="-14702"/>
+              <a:ext cx="3934694" cy="919562"/>
+            </a:xfrm>
+            <a:prstGeom prst="rect">
+              <a:avLst/>
+            </a:prstGeom>
+            <a:solidFill>
+              <a:schemeClr val="bg1">
+                <a:lumMod val="50000"/>
+              </a:schemeClr>
+            </a:solidFill>
+            <a:ln>
+              <a:noFill/>
+            </a:ln>
+          </p:spPr>
+          <p:style>
+            <a:lnRef idx="2">
+              <a:schemeClr val="accent1">
+                <a:shade val="50000"/>
+              </a:schemeClr>
+            </a:lnRef>
+            <a:fillRef idx="1">
+              <a:schemeClr val="accent1"/>
+            </a:fillRef>
+            <a:effectRef idx="0">
+              <a:schemeClr val="accent1"/>
+            </a:effectRef>
+            <a:fontRef idx="minor">
+              <a:schemeClr val="lt1"/>
+            </a:fontRef>
+          </p:style>
+          <p:txBody>
+            <a:bodyPr rtlCol="0" anchor="ctr"/>
+            <a:lstStyle/>
+            <a:p>
+              <a:pPr algn="ctr"/>
+              <a:r>
+                <a:rPr lang="en-US" dirty="0"/>
+                <a:t>Water Dipping Objective</a:t>
+              </a:r>
+            </a:p>
+          </p:txBody>
+        </p:sp>
+      </p:grpSp>
+      <p:sp>
+        <p:nvSpPr>
+          <p:cNvPr id="38" name="TextBox 37">
+            <a:extLst>
+              <a:ext uri="{FF2B5EF4-FFF2-40B4-BE49-F238E27FC236}">
+                <a16:creationId xmlns:a16="http://schemas.microsoft.com/office/drawing/2014/main" id="{85AA4931-223B-6B9C-2E97-3A7AA99961B9}"/>
+              </a:ext>
+            </a:extLst>
+          </p:cNvPr>
+          <p:cNvSpPr txBox="1"/>
+          <p:nvPr/>
+        </p:nvSpPr>
+        <p:spPr>
+          <a:xfrm>
+            <a:off x="0" y="201293"/>
+            <a:ext cx="1514102" cy="646331"/>
+          </a:xfrm>
+          <a:prstGeom prst="rect">
+            <a:avLst/>
+          </a:prstGeom>
+          <a:noFill/>
+          <a:ln w="25400">
+            <a:solidFill>
+              <a:schemeClr val="tx1"/>
+            </a:solidFill>
+          </a:ln>
+        </p:spPr>
+        <p:txBody>
+          <a:bodyPr wrap="square" rtlCol="0">
+            <a:spAutoFit/>
+          </a:bodyPr>
+          <a:lstStyle/>
+          <a:p>
+            <a:r>
+              <a:rPr lang="en-US" dirty="0"/>
+              <a:t>3D Printed Pressure Plate</a:t>
+            </a:r>
+          </a:p>
+        </p:txBody>
+      </p:sp>
+      <p:cxnSp>
+        <p:nvCxnSpPr>
+          <p:cNvPr id="40" name="Straight Arrow Connector 39">
+            <a:extLst>
+              <a:ext uri="{FF2B5EF4-FFF2-40B4-BE49-F238E27FC236}">
+                <a16:creationId xmlns:a16="http://schemas.microsoft.com/office/drawing/2014/main" id="{9BAD6F53-39ED-955F-873F-E6E48DA488F6}"/>
+              </a:ext>
+            </a:extLst>
+          </p:cNvPr>
+          <p:cNvCxnSpPr>
+            <a:cxnSpLocks/>
+            <a:stCxn id="38" idx="2"/>
+          </p:cNvCxnSpPr>
+          <p:nvPr/>
+        </p:nvCxnSpPr>
+        <p:spPr>
+          <a:xfrm>
+            <a:off x="757051" y="847624"/>
+            <a:ext cx="715705" cy="519358"/>
+          </a:xfrm>
+          <a:prstGeom prst="straightConnector1">
+            <a:avLst/>
+          </a:prstGeom>
+          <a:ln w="25400">
+            <a:solidFill>
+              <a:schemeClr val="tx1"/>
+            </a:solidFill>
+            <a:tailEnd type="triangle"/>
+          </a:ln>
+        </p:spPr>
+        <p:style>
+          <a:lnRef idx="1">
+            <a:schemeClr val="accent1"/>
+          </a:lnRef>
+          <a:fillRef idx="0">
+            <a:schemeClr val="accent1"/>
+          </a:fillRef>
+          <a:effectRef idx="0">
+            <a:schemeClr val="accent1"/>
+          </a:effectRef>
+          <a:fontRef idx="minor">
+            <a:schemeClr val="tx1"/>
+          </a:fontRef>
+        </p:style>
+      </p:cxnSp>
+      <p:sp>
+        <p:nvSpPr>
+          <p:cNvPr id="41" name="TextBox 40">
+            <a:extLst>
+              <a:ext uri="{FF2B5EF4-FFF2-40B4-BE49-F238E27FC236}">
+                <a16:creationId xmlns:a16="http://schemas.microsoft.com/office/drawing/2014/main" id="{EC2F57E7-EAAA-1573-457E-504371C77221}"/>
+              </a:ext>
+            </a:extLst>
+          </p:cNvPr>
+          <p:cNvSpPr txBox="1"/>
+          <p:nvPr/>
+        </p:nvSpPr>
+        <p:spPr>
+          <a:xfrm>
+            <a:off x="-32772" y="2697423"/>
+            <a:ext cx="1339176" cy="646331"/>
+          </a:xfrm>
+          <a:prstGeom prst="rect">
+            <a:avLst/>
+          </a:prstGeom>
+          <a:noFill/>
+          <a:ln w="25400">
+            <a:solidFill>
+              <a:schemeClr val="tx1"/>
+            </a:solidFill>
+          </a:ln>
+        </p:spPr>
+        <p:txBody>
+          <a:bodyPr wrap="square" rtlCol="0">
+            <a:spAutoFit/>
+          </a:bodyPr>
+          <a:lstStyle/>
+          <a:p>
+            <a:r>
+              <a:rPr lang="en-US" dirty="0"/>
+              <a:t>Neodymium Magnets</a:t>
+            </a:r>
+          </a:p>
+        </p:txBody>
+      </p:sp>
+      <p:cxnSp>
+        <p:nvCxnSpPr>
+          <p:cNvPr id="42" name="Straight Arrow Connector 41">
+            <a:extLst>
+              <a:ext uri="{FF2B5EF4-FFF2-40B4-BE49-F238E27FC236}">
+                <a16:creationId xmlns:a16="http://schemas.microsoft.com/office/drawing/2014/main" id="{1E2B7B2C-B8DB-8166-2752-148604A12D2D}"/>
+              </a:ext>
+            </a:extLst>
+          </p:cNvPr>
+          <p:cNvCxnSpPr>
+            <a:cxnSpLocks/>
+            <a:stCxn id="41" idx="3"/>
+          </p:cNvCxnSpPr>
+          <p:nvPr/>
+        </p:nvCxnSpPr>
+        <p:spPr>
+          <a:xfrm>
+            <a:off x="1306404" y="3020589"/>
+            <a:ext cx="244525" cy="376387"/>
+          </a:xfrm>
+          <a:prstGeom prst="straightConnector1">
+            <a:avLst/>
+          </a:prstGeom>
+          <a:ln w="25400">
+            <a:solidFill>
+              <a:schemeClr val="tx1"/>
+            </a:solidFill>
+            <a:tailEnd type="triangle"/>
+          </a:ln>
+        </p:spPr>
+        <p:style>
+          <a:lnRef idx="1">
+            <a:schemeClr val="accent1"/>
+          </a:lnRef>
+          <a:fillRef idx="0">
+            <a:schemeClr val="accent1"/>
+          </a:fillRef>
+          <a:effectRef idx="0">
+            <a:schemeClr val="accent1"/>
+          </a:effectRef>
+          <a:fontRef idx="minor">
+            <a:schemeClr val="tx1"/>
+          </a:fontRef>
+        </p:style>
+      </p:cxnSp>
+      <p:sp>
+        <p:nvSpPr>
+          <p:cNvPr id="46" name="TextBox 45">
+            <a:extLst>
+              <a:ext uri="{FF2B5EF4-FFF2-40B4-BE49-F238E27FC236}">
+                <a16:creationId xmlns:a16="http://schemas.microsoft.com/office/drawing/2014/main" id="{5D7AB683-C843-F295-73E3-85960E21644E}"/>
+              </a:ext>
+            </a:extLst>
+          </p:cNvPr>
+          <p:cNvSpPr txBox="1"/>
+          <p:nvPr/>
+        </p:nvSpPr>
+        <p:spPr>
+          <a:xfrm>
+            <a:off x="4807427" y="6036646"/>
+            <a:ext cx="2115127" cy="369332"/>
+          </a:xfrm>
+          <a:prstGeom prst="rect">
+            <a:avLst/>
+          </a:prstGeom>
+          <a:noFill/>
+          <a:ln w="25400">
+            <a:solidFill>
+              <a:schemeClr val="tx1"/>
+            </a:solidFill>
+          </a:ln>
+        </p:spPr>
+        <p:txBody>
+          <a:bodyPr wrap="square" rtlCol="0">
+            <a:spAutoFit/>
+          </a:bodyPr>
+          <a:lstStyle/>
+          <a:p>
+            <a:r>
+              <a:rPr lang="en-US" dirty="0"/>
+              <a:t>3D printed Chamber</a:t>
+            </a:r>
+          </a:p>
+        </p:txBody>
+      </p:sp>
+      <p:sp>
+        <p:nvSpPr>
+          <p:cNvPr id="47" name="TextBox 46">
+            <a:extLst>
+              <a:ext uri="{FF2B5EF4-FFF2-40B4-BE49-F238E27FC236}">
+                <a16:creationId xmlns:a16="http://schemas.microsoft.com/office/drawing/2014/main" id="{9FC5FEB1-F018-FDC5-41F8-B23551159924}"/>
+              </a:ext>
+            </a:extLst>
+          </p:cNvPr>
+          <p:cNvSpPr txBox="1"/>
+          <p:nvPr/>
+        </p:nvSpPr>
+        <p:spPr>
+          <a:xfrm>
+            <a:off x="157708" y="5964209"/>
+            <a:ext cx="2518551" cy="646331"/>
+          </a:xfrm>
+          <a:prstGeom prst="rect">
+            <a:avLst/>
+          </a:prstGeom>
+          <a:noFill/>
+          <a:ln w="25400">
+            <a:solidFill>
+              <a:schemeClr val="tx1"/>
+            </a:solidFill>
+          </a:ln>
+        </p:spPr>
+        <p:txBody>
+          <a:bodyPr wrap="square" rtlCol="0">
+            <a:spAutoFit/>
+          </a:bodyPr>
+          <a:lstStyle/>
+          <a:p>
+            <a:r>
+              <a:rPr lang="en-US" dirty="0">
+                <a:solidFill>
+                  <a:srgbClr val="202124"/>
+                </a:solidFill>
+                <a:latin typeface="Google Sans"/>
+              </a:rPr>
+              <a:t>P</a:t>
+            </a:r>
+            <a:r>
+              <a:rPr lang="en-US" b="0" i="0" dirty="0">
+                <a:solidFill>
+                  <a:srgbClr val="202124"/>
+                </a:solidFill>
+                <a:effectLst/>
+                <a:latin typeface="Google Sans"/>
+              </a:rPr>
+              <a:t>ositive </a:t>
+            </a:r>
+            <a:r>
+              <a:rPr lang="en-US" dirty="0">
+                <a:solidFill>
+                  <a:srgbClr val="202124"/>
+                </a:solidFill>
+                <a:latin typeface="Google Sans"/>
+              </a:rPr>
+              <a:t>T</a:t>
+            </a:r>
+            <a:r>
+              <a:rPr lang="en-US" b="0" i="0" dirty="0">
+                <a:solidFill>
+                  <a:srgbClr val="202124"/>
+                </a:solidFill>
+                <a:effectLst/>
+                <a:latin typeface="Google Sans"/>
+              </a:rPr>
+              <a:t>emperature </a:t>
+            </a:r>
+            <a:r>
+              <a:rPr lang="en-US" dirty="0">
+                <a:solidFill>
+                  <a:srgbClr val="202124"/>
+                </a:solidFill>
+                <a:latin typeface="Google Sans"/>
+              </a:rPr>
+              <a:t>C</a:t>
+            </a:r>
+            <a:r>
+              <a:rPr lang="en-US" b="0" i="0" dirty="0">
+                <a:solidFill>
+                  <a:srgbClr val="202124"/>
+                </a:solidFill>
+                <a:effectLst/>
+                <a:latin typeface="Google Sans"/>
+              </a:rPr>
+              <a:t>oefficient</a:t>
+            </a:r>
+            <a:r>
+              <a:rPr lang="en-US" dirty="0"/>
+              <a:t> (PTC) heater</a:t>
+            </a:r>
+          </a:p>
+        </p:txBody>
+      </p:sp>
+      <p:sp>
+        <p:nvSpPr>
+          <p:cNvPr id="48" name="TextBox 47">
+            <a:extLst>
+              <a:ext uri="{FF2B5EF4-FFF2-40B4-BE49-F238E27FC236}">
+                <a16:creationId xmlns:a16="http://schemas.microsoft.com/office/drawing/2014/main" id="{DC4857ED-A471-995C-B8BB-8FBF4C6D0345}"/>
+              </a:ext>
+            </a:extLst>
+          </p:cNvPr>
+          <p:cNvSpPr txBox="1"/>
+          <p:nvPr/>
+        </p:nvSpPr>
+        <p:spPr>
+          <a:xfrm>
+            <a:off x="310598" y="5531538"/>
+            <a:ext cx="2372478" cy="369332"/>
+          </a:xfrm>
+          <a:prstGeom prst="rect">
+            <a:avLst/>
+          </a:prstGeom>
+          <a:noFill/>
+          <a:ln w="25400">
+            <a:solidFill>
+              <a:schemeClr val="tx1"/>
+            </a:solidFill>
+          </a:ln>
+        </p:spPr>
+        <p:txBody>
+          <a:bodyPr wrap="square" rtlCol="0">
+            <a:spAutoFit/>
+          </a:bodyPr>
+          <a:lstStyle/>
+          <a:p>
+            <a:r>
+              <a:rPr lang="en-US" dirty="0"/>
+              <a:t>Hard Set Potting Epoxy</a:t>
+            </a:r>
+          </a:p>
+        </p:txBody>
+      </p:sp>
+      <p:cxnSp>
+        <p:nvCxnSpPr>
+          <p:cNvPr id="49" name="Straight Arrow Connector 48">
+            <a:extLst>
+              <a:ext uri="{FF2B5EF4-FFF2-40B4-BE49-F238E27FC236}">
+                <a16:creationId xmlns:a16="http://schemas.microsoft.com/office/drawing/2014/main" id="{F2EA99F1-6337-2244-6EF9-70FE290C20B7}"/>
+              </a:ext>
+            </a:extLst>
+          </p:cNvPr>
+          <p:cNvCxnSpPr>
+            <a:cxnSpLocks/>
+            <a:stCxn id="46" idx="3"/>
+          </p:cNvCxnSpPr>
+          <p:nvPr/>
+        </p:nvCxnSpPr>
+        <p:spPr>
+          <a:xfrm flipV="1">
+            <a:off x="6922554" y="4880830"/>
+            <a:ext cx="939341" cy="1340482"/>
+          </a:xfrm>
+          <a:prstGeom prst="straightConnector1">
+            <a:avLst/>
+          </a:prstGeom>
+          <a:ln w="25400">
+            <a:solidFill>
+              <a:schemeClr val="tx1"/>
+            </a:solidFill>
+            <a:tailEnd type="triangle"/>
+          </a:ln>
+        </p:spPr>
+        <p:style>
+          <a:lnRef idx="1">
+            <a:schemeClr val="accent1"/>
+          </a:lnRef>
+          <a:fillRef idx="0">
+            <a:schemeClr val="accent1"/>
+          </a:fillRef>
+          <a:effectRef idx="0">
+            <a:schemeClr val="accent1"/>
+          </a:effectRef>
+          <a:fontRef idx="minor">
+            <a:schemeClr val="tx1"/>
+          </a:fontRef>
+        </p:style>
+      </p:cxnSp>
+      <p:cxnSp>
+        <p:nvCxnSpPr>
+          <p:cNvPr id="52" name="Straight Arrow Connector 51">
+            <a:extLst>
+              <a:ext uri="{FF2B5EF4-FFF2-40B4-BE49-F238E27FC236}">
+                <a16:creationId xmlns:a16="http://schemas.microsoft.com/office/drawing/2014/main" id="{E8D8C689-1EA4-C62B-58D0-07A6FDC9809D}"/>
+              </a:ext>
+            </a:extLst>
+          </p:cNvPr>
+          <p:cNvCxnSpPr>
+            <a:cxnSpLocks/>
+            <a:stCxn id="47" idx="3"/>
+          </p:cNvCxnSpPr>
+          <p:nvPr/>
+        </p:nvCxnSpPr>
+        <p:spPr>
+          <a:xfrm flipV="1">
+            <a:off x="2676259" y="4246240"/>
+            <a:ext cx="2209777" cy="2041135"/>
+          </a:xfrm>
+          <a:prstGeom prst="straightConnector1">
+            <a:avLst/>
+          </a:prstGeom>
+          <a:ln w="25400">
+            <a:solidFill>
+              <a:schemeClr val="tx1"/>
+            </a:solidFill>
+            <a:tailEnd type="triangle"/>
+          </a:ln>
+        </p:spPr>
+        <p:style>
+          <a:lnRef idx="1">
+            <a:schemeClr val="accent1"/>
+          </a:lnRef>
+          <a:fillRef idx="0">
+            <a:schemeClr val="accent1"/>
+          </a:fillRef>
+          <a:effectRef idx="0">
+            <a:schemeClr val="accent1"/>
+          </a:effectRef>
+          <a:fontRef idx="minor">
+            <a:schemeClr val="tx1"/>
+          </a:fontRef>
+        </p:style>
+      </p:cxnSp>
+      <p:cxnSp>
+        <p:nvCxnSpPr>
+          <p:cNvPr id="58" name="Straight Arrow Connector 57">
+            <a:extLst>
+              <a:ext uri="{FF2B5EF4-FFF2-40B4-BE49-F238E27FC236}">
+                <a16:creationId xmlns:a16="http://schemas.microsoft.com/office/drawing/2014/main" id="{23509FC5-A4F8-747C-A56A-66FE77E04B5A}"/>
+              </a:ext>
+            </a:extLst>
+          </p:cNvPr>
+          <p:cNvCxnSpPr>
+            <a:cxnSpLocks/>
+            <a:stCxn id="48" idx="3"/>
+          </p:cNvCxnSpPr>
+          <p:nvPr/>
+        </p:nvCxnSpPr>
+        <p:spPr>
+          <a:xfrm flipV="1">
+            <a:off x="2683076" y="3995382"/>
+            <a:ext cx="1748648" cy="1720822"/>
+          </a:xfrm>
+          <a:prstGeom prst="straightConnector1">
+            <a:avLst/>
+          </a:prstGeom>
+          <a:ln w="25400">
+            <a:solidFill>
+              <a:schemeClr val="tx1"/>
+            </a:solidFill>
+            <a:tailEnd type="triangle"/>
+          </a:ln>
+        </p:spPr>
+        <p:style>
+          <a:lnRef idx="1">
+            <a:schemeClr val="accent1"/>
+          </a:lnRef>
+          <a:fillRef idx="0">
+            <a:schemeClr val="accent1"/>
+          </a:fillRef>
+          <a:effectRef idx="0">
+            <a:schemeClr val="accent1"/>
+          </a:effectRef>
+          <a:fontRef idx="minor">
+            <a:schemeClr val="tx1"/>
+          </a:fontRef>
+        </p:style>
+      </p:cxnSp>
+      <p:sp>
+        <p:nvSpPr>
+          <p:cNvPr id="61" name="TextBox 60">
+            <a:extLst>
+              <a:ext uri="{FF2B5EF4-FFF2-40B4-BE49-F238E27FC236}">
+                <a16:creationId xmlns:a16="http://schemas.microsoft.com/office/drawing/2014/main" id="{6267F747-2CB8-A4D8-5396-E25B9B653299}"/>
+              </a:ext>
+            </a:extLst>
+          </p:cNvPr>
+          <p:cNvSpPr txBox="1"/>
+          <p:nvPr/>
+        </p:nvSpPr>
+        <p:spPr>
+          <a:xfrm>
+            <a:off x="10714562" y="1787960"/>
+            <a:ext cx="1436173" cy="1200329"/>
+          </a:xfrm>
+          <a:prstGeom prst="rect">
+            <a:avLst/>
+          </a:prstGeom>
+          <a:noFill/>
+          <a:ln w="25400">
+            <a:solidFill>
+              <a:schemeClr val="tx1"/>
+            </a:solidFill>
+          </a:ln>
+        </p:spPr>
+        <p:txBody>
+          <a:bodyPr wrap="square" rtlCol="0">
+            <a:spAutoFit/>
+          </a:bodyPr>
+          <a:lstStyle/>
+          <a:p>
+            <a:r>
+              <a:rPr lang="en-US" dirty="0"/>
+              <a:t>Maxi-Black Anti-Reflective Material</a:t>
+            </a:r>
+          </a:p>
+        </p:txBody>
+      </p:sp>
+      <p:cxnSp>
+        <p:nvCxnSpPr>
+          <p:cNvPr id="62" name="Straight Arrow Connector 61">
+            <a:extLst>
+              <a:ext uri="{FF2B5EF4-FFF2-40B4-BE49-F238E27FC236}">
+                <a16:creationId xmlns:a16="http://schemas.microsoft.com/office/drawing/2014/main" id="{6BA775B2-30D2-F298-E080-A87053C94205}"/>
+              </a:ext>
+            </a:extLst>
+          </p:cNvPr>
+          <p:cNvCxnSpPr>
+            <a:cxnSpLocks/>
+            <a:stCxn id="61" idx="2"/>
+          </p:cNvCxnSpPr>
+          <p:nvPr/>
+        </p:nvCxnSpPr>
+        <p:spPr>
+          <a:xfrm flipH="1">
+            <a:off x="11060644" y="2988289"/>
+            <a:ext cx="372005" cy="672168"/>
+          </a:xfrm>
+          <a:prstGeom prst="straightConnector1">
+            <a:avLst/>
+          </a:prstGeom>
+          <a:ln w="25400">
+            <a:solidFill>
+              <a:schemeClr val="tx1"/>
+            </a:solidFill>
+            <a:tailEnd type="triangle"/>
+          </a:ln>
+        </p:spPr>
+        <p:style>
+          <a:lnRef idx="1">
+            <a:schemeClr val="accent1"/>
+          </a:lnRef>
+          <a:fillRef idx="0">
+            <a:schemeClr val="accent1"/>
+          </a:fillRef>
+          <a:effectRef idx="0">
+            <a:schemeClr val="accent1"/>
+          </a:effectRef>
+          <a:fontRef idx="minor">
+            <a:schemeClr val="tx1"/>
+          </a:fontRef>
+        </p:style>
+      </p:cxnSp>
+      <p:sp>
+        <p:nvSpPr>
+          <p:cNvPr id="28" name="Rectangle 27">
+            <a:extLst>
+              <a:ext uri="{FF2B5EF4-FFF2-40B4-BE49-F238E27FC236}">
+                <a16:creationId xmlns:a16="http://schemas.microsoft.com/office/drawing/2014/main" id="{9100FD41-755A-C18A-E2B7-586C1FEFE8AB}"/>
+              </a:ext>
+            </a:extLst>
+          </p:cNvPr>
+          <p:cNvSpPr/>
+          <p:nvPr/>
+        </p:nvSpPr>
+        <p:spPr>
+          <a:xfrm>
+            <a:off x="10125440" y="3908133"/>
+            <a:ext cx="235700" cy="262627"/>
+          </a:xfrm>
+          <a:prstGeom prst="rect">
+            <a:avLst/>
+          </a:prstGeom>
+          <a:solidFill>
+            <a:schemeClr val="bg2">
+              <a:lumMod val="75000"/>
+            </a:schemeClr>
+          </a:solidFill>
+          <a:ln>
+            <a:noFill/>
+          </a:ln>
+        </p:spPr>
+        <p:style>
+          <a:lnRef idx="2">
+            <a:schemeClr val="accent1">
+              <a:shade val="50000"/>
+            </a:schemeClr>
+          </a:lnRef>
+          <a:fillRef idx="1">
+            <a:schemeClr val="accent1"/>
+          </a:fillRef>
+          <a:effectRef idx="0">
+            <a:schemeClr val="accent1"/>
+          </a:effectRef>
+          <a:fontRef idx="minor">
+            <a:schemeClr val="lt1"/>
+          </a:fontRef>
+        </p:style>
+        <p:txBody>
+          <a:bodyPr rtlCol="0" anchor="ctr"/>
+          <a:lstStyle/>
+          <a:p>
+            <a:pPr algn="ctr"/>
+            <a:endParaRPr lang="en-US"/>
+          </a:p>
+        </p:txBody>
+      </p:sp>
+      <p:sp>
+        <p:nvSpPr>
+          <p:cNvPr id="27" name="Rectangle 26">
+            <a:extLst>
+              <a:ext uri="{FF2B5EF4-FFF2-40B4-BE49-F238E27FC236}">
+                <a16:creationId xmlns:a16="http://schemas.microsoft.com/office/drawing/2014/main" id="{E99CE94D-CEF8-B0D1-B263-0A67648A69CD}"/>
+              </a:ext>
+            </a:extLst>
+          </p:cNvPr>
+          <p:cNvSpPr/>
+          <p:nvPr/>
+        </p:nvSpPr>
+        <p:spPr>
+          <a:xfrm>
+            <a:off x="1483997" y="3905424"/>
+            <a:ext cx="235700" cy="262627"/>
+          </a:xfrm>
+          <a:prstGeom prst="rect">
+            <a:avLst/>
+          </a:prstGeom>
+          <a:solidFill>
+            <a:schemeClr val="bg2">
+              <a:lumMod val="75000"/>
+            </a:schemeClr>
+          </a:solidFill>
+          <a:ln>
+            <a:noFill/>
+          </a:ln>
+        </p:spPr>
+        <p:style>
+          <a:lnRef idx="2">
+            <a:schemeClr val="accent1">
+              <a:shade val="50000"/>
+            </a:schemeClr>
+          </a:lnRef>
+          <a:fillRef idx="1">
+            <a:schemeClr val="accent1"/>
+          </a:fillRef>
+          <a:effectRef idx="0">
+            <a:schemeClr val="accent1"/>
+          </a:effectRef>
+          <a:fontRef idx="minor">
+            <a:schemeClr val="lt1"/>
+          </a:fontRef>
+        </p:style>
+        <p:txBody>
+          <a:bodyPr rtlCol="0" anchor="ctr"/>
+          <a:lstStyle/>
+          <a:p>
+            <a:pPr algn="ctr"/>
+            <a:endParaRPr lang="en-US"/>
+          </a:p>
+        </p:txBody>
+      </p:sp>
+      <p:cxnSp>
+        <p:nvCxnSpPr>
+          <p:cNvPr id="44" name="Straight Arrow Connector 43">
+            <a:extLst>
+              <a:ext uri="{FF2B5EF4-FFF2-40B4-BE49-F238E27FC236}">
+                <a16:creationId xmlns:a16="http://schemas.microsoft.com/office/drawing/2014/main" id="{605B7C05-A6E1-934D-8526-CA301F8910D0}"/>
+              </a:ext>
+            </a:extLst>
+          </p:cNvPr>
+          <p:cNvCxnSpPr>
+            <a:cxnSpLocks/>
+            <a:stCxn id="41" idx="3"/>
+          </p:cNvCxnSpPr>
+          <p:nvPr/>
+        </p:nvCxnSpPr>
+        <p:spPr>
+          <a:xfrm>
+            <a:off x="1306404" y="3020589"/>
+            <a:ext cx="312352" cy="1047497"/>
+          </a:xfrm>
+          <a:prstGeom prst="straightConnector1">
+            <a:avLst/>
+          </a:prstGeom>
+          <a:ln w="25400">
+            <a:solidFill>
+              <a:schemeClr val="tx1"/>
+            </a:solidFill>
+            <a:tailEnd type="triangle"/>
+          </a:ln>
+        </p:spPr>
+        <p:style>
+          <a:lnRef idx="1">
+            <a:schemeClr val="accent1"/>
+          </a:lnRef>
+          <a:fillRef idx="0">
+            <a:schemeClr val="accent1"/>
+          </a:fillRef>
+          <a:effectRef idx="0">
+            <a:schemeClr val="accent1"/>
+          </a:effectRef>
+          <a:fontRef idx="minor">
+            <a:schemeClr val="tx1"/>
+          </a:fontRef>
+        </p:style>
+      </p:cxnSp>
+      <p:sp>
+        <p:nvSpPr>
+          <p:cNvPr id="69" name="Rectangle 68">
+            <a:extLst>
+              <a:ext uri="{FF2B5EF4-FFF2-40B4-BE49-F238E27FC236}">
+                <a16:creationId xmlns:a16="http://schemas.microsoft.com/office/drawing/2014/main" id="{A2142715-8C54-A7BC-34B3-FAADAAA3080C}"/>
+              </a:ext>
+            </a:extLst>
+          </p:cNvPr>
+          <p:cNvSpPr/>
+          <p:nvPr/>
+        </p:nvSpPr>
+        <p:spPr>
+          <a:xfrm>
+            <a:off x="2089554" y="4358596"/>
+            <a:ext cx="235700" cy="262627"/>
+          </a:xfrm>
+          <a:prstGeom prst="rect">
+            <a:avLst/>
+          </a:prstGeom>
+          <a:solidFill>
+            <a:schemeClr val="bg2">
+              <a:lumMod val="75000"/>
+            </a:schemeClr>
+          </a:solidFill>
+          <a:ln>
+            <a:noFill/>
+          </a:ln>
+        </p:spPr>
+        <p:style>
+          <a:lnRef idx="2">
+            <a:schemeClr val="accent1">
+              <a:shade val="50000"/>
+            </a:schemeClr>
+          </a:lnRef>
+          <a:fillRef idx="1">
+            <a:schemeClr val="accent1"/>
+          </a:fillRef>
+          <a:effectRef idx="0">
+            <a:schemeClr val="accent1"/>
+          </a:effectRef>
+          <a:fontRef idx="minor">
+            <a:schemeClr val="lt1"/>
+          </a:fontRef>
+        </p:style>
+        <p:txBody>
+          <a:bodyPr rtlCol="0" anchor="ctr"/>
+          <a:lstStyle/>
+          <a:p>
+            <a:pPr algn="ctr"/>
+            <a:endParaRPr lang="en-US"/>
+          </a:p>
+        </p:txBody>
+      </p:sp>
+      <p:sp>
+        <p:nvSpPr>
+          <p:cNvPr id="70" name="Rectangle 69">
+            <a:extLst>
+              <a:ext uri="{FF2B5EF4-FFF2-40B4-BE49-F238E27FC236}">
+                <a16:creationId xmlns:a16="http://schemas.microsoft.com/office/drawing/2014/main" id="{73282C71-607C-A942-D2C8-3A77203C2F78}"/>
+              </a:ext>
+            </a:extLst>
+          </p:cNvPr>
+          <p:cNvSpPr/>
+          <p:nvPr/>
+        </p:nvSpPr>
+        <p:spPr>
+          <a:xfrm>
+            <a:off x="9506638" y="4381678"/>
+            <a:ext cx="235700" cy="262627"/>
+          </a:xfrm>
+          <a:prstGeom prst="rect">
+            <a:avLst/>
+          </a:prstGeom>
+          <a:solidFill>
+            <a:schemeClr val="bg2">
+              <a:lumMod val="75000"/>
+            </a:schemeClr>
+          </a:solidFill>
+          <a:ln>
+            <a:noFill/>
+          </a:ln>
+        </p:spPr>
+        <p:style>
+          <a:lnRef idx="2">
+            <a:schemeClr val="accent1">
+              <a:shade val="50000"/>
+            </a:schemeClr>
+          </a:lnRef>
+          <a:fillRef idx="1">
+            <a:schemeClr val="accent1"/>
+          </a:fillRef>
+          <a:effectRef idx="0">
+            <a:schemeClr val="accent1"/>
+          </a:effectRef>
+          <a:fontRef idx="minor">
+            <a:schemeClr val="lt1"/>
+          </a:fontRef>
+        </p:style>
+        <p:txBody>
+          <a:bodyPr rtlCol="0" anchor="ctr"/>
+          <a:lstStyle/>
+          <a:p>
+            <a:pPr algn="ctr"/>
+            <a:endParaRPr lang="en-US"/>
+          </a:p>
+        </p:txBody>
+      </p:sp>
+      <p:cxnSp>
+        <p:nvCxnSpPr>
+          <p:cNvPr id="71" name="Straight Arrow Connector 70">
+            <a:extLst>
+              <a:ext uri="{FF2B5EF4-FFF2-40B4-BE49-F238E27FC236}">
+                <a16:creationId xmlns:a16="http://schemas.microsoft.com/office/drawing/2014/main" id="{D42B2487-871D-E16B-EA87-CDA234DA99AC}"/>
+              </a:ext>
+            </a:extLst>
+          </p:cNvPr>
+          <p:cNvCxnSpPr>
+            <a:cxnSpLocks/>
+            <a:endCxn id="69" idx="1"/>
+          </p:cNvCxnSpPr>
+          <p:nvPr/>
+        </p:nvCxnSpPr>
+        <p:spPr>
+          <a:xfrm>
+            <a:off x="1305620" y="3116795"/>
+            <a:ext cx="783934" cy="1373115"/>
+          </a:xfrm>
+          <a:prstGeom prst="straightConnector1">
+            <a:avLst/>
+          </a:prstGeom>
+          <a:ln w="25400">
+            <a:solidFill>
+              <a:schemeClr val="tx1"/>
+            </a:solidFill>
+            <a:tailEnd type="triangle"/>
+          </a:ln>
+        </p:spPr>
+        <p:style>
+          <a:lnRef idx="1">
+            <a:schemeClr val="accent1"/>
+          </a:lnRef>
+          <a:fillRef idx="0">
+            <a:schemeClr val="accent1"/>
+          </a:fillRef>
+          <a:effectRef idx="0">
+            <a:schemeClr val="accent1"/>
+          </a:effectRef>
+          <a:fontRef idx="minor">
+            <a:schemeClr val="tx1"/>
+          </a:fontRef>
+        </p:style>
+      </p:cxnSp>
+      <p:sp>
+        <p:nvSpPr>
+          <p:cNvPr id="76" name="TextBox 75">
+            <a:extLst>
+              <a:ext uri="{FF2B5EF4-FFF2-40B4-BE49-F238E27FC236}">
+                <a16:creationId xmlns:a16="http://schemas.microsoft.com/office/drawing/2014/main" id="{033F1227-FD5C-D8B1-D84D-37D55B8EEE87}"/>
+              </a:ext>
+            </a:extLst>
+          </p:cNvPr>
+          <p:cNvSpPr txBox="1"/>
+          <p:nvPr/>
+        </p:nvSpPr>
+        <p:spPr>
+          <a:xfrm>
+            <a:off x="1609170" y="336096"/>
+            <a:ext cx="875407" cy="369332"/>
+          </a:xfrm>
+          <a:prstGeom prst="rect">
+            <a:avLst/>
+          </a:prstGeom>
+          <a:noFill/>
+          <a:ln w="25400">
+            <a:solidFill>
+              <a:schemeClr val="tx1"/>
+            </a:solidFill>
+          </a:ln>
+        </p:spPr>
+        <p:txBody>
+          <a:bodyPr wrap="square" rtlCol="0">
+            <a:spAutoFit/>
+          </a:bodyPr>
+          <a:lstStyle/>
+          <a:p>
+            <a:r>
+              <a:rPr lang="en-US" dirty="0"/>
+              <a:t>Tubing</a:t>
+            </a:r>
+          </a:p>
+        </p:txBody>
+      </p:sp>
+      <p:cxnSp>
+        <p:nvCxnSpPr>
+          <p:cNvPr id="77" name="Straight Arrow Connector 76">
+            <a:extLst>
+              <a:ext uri="{FF2B5EF4-FFF2-40B4-BE49-F238E27FC236}">
+                <a16:creationId xmlns:a16="http://schemas.microsoft.com/office/drawing/2014/main" id="{A1AE852E-2C02-3B2F-3A82-254D0BE24911}"/>
+              </a:ext>
+            </a:extLst>
+          </p:cNvPr>
+          <p:cNvCxnSpPr>
+            <a:cxnSpLocks/>
+            <a:stCxn id="76" idx="2"/>
+          </p:cNvCxnSpPr>
+          <p:nvPr/>
+        </p:nvCxnSpPr>
+        <p:spPr>
+          <a:xfrm>
+            <a:off x="2046874" y="705428"/>
+            <a:ext cx="786798" cy="581453"/>
+          </a:xfrm>
+          <a:prstGeom prst="straightConnector1">
+            <a:avLst/>
+          </a:prstGeom>
+          <a:ln w="25400">
+            <a:solidFill>
+              <a:schemeClr val="tx1"/>
+            </a:solidFill>
+            <a:tailEnd type="triangle"/>
+          </a:ln>
+        </p:spPr>
+        <p:style>
+          <a:lnRef idx="1">
+            <a:schemeClr val="accent1"/>
+          </a:lnRef>
+          <a:fillRef idx="0">
+            <a:schemeClr val="accent1"/>
+          </a:fillRef>
+          <a:effectRef idx="0">
+            <a:schemeClr val="accent1"/>
+          </a:effectRef>
+          <a:fontRef idx="minor">
+            <a:schemeClr val="tx1"/>
+          </a:fontRef>
+        </p:style>
+      </p:cxnSp>
+      <p:sp>
+        <p:nvSpPr>
+          <p:cNvPr id="80" name="TextBox 79">
+            <a:extLst>
+              <a:ext uri="{FF2B5EF4-FFF2-40B4-BE49-F238E27FC236}">
+                <a16:creationId xmlns:a16="http://schemas.microsoft.com/office/drawing/2014/main" id="{A75DA77D-7303-8475-4F7F-88DA79A60F90}"/>
+              </a:ext>
+            </a:extLst>
+          </p:cNvPr>
+          <p:cNvSpPr txBox="1"/>
+          <p:nvPr/>
+        </p:nvSpPr>
+        <p:spPr>
+          <a:xfrm>
+            <a:off x="7870425" y="131559"/>
+            <a:ext cx="2253289" cy="646331"/>
+          </a:xfrm>
+          <a:prstGeom prst="rect">
+            <a:avLst/>
+          </a:prstGeom>
+          <a:noFill/>
+          <a:ln w="25400">
+            <a:solidFill>
+              <a:schemeClr val="tx1"/>
+            </a:solidFill>
+          </a:ln>
+        </p:spPr>
+        <p:txBody>
+          <a:bodyPr wrap="square" rtlCol="0">
+            <a:spAutoFit/>
+          </a:bodyPr>
+          <a:lstStyle/>
+          <a:p>
+            <a:r>
+              <a:rPr lang="en-US" b="0" i="0" dirty="0">
+                <a:solidFill>
+                  <a:srgbClr val="4D5156"/>
+                </a:solidFill>
+                <a:effectLst/>
+              </a:rPr>
+              <a:t>Fluorinated ethylene propylene (FEP) </a:t>
+            </a:r>
+            <a:r>
+              <a:rPr lang="en-US" dirty="0"/>
+              <a:t> Film</a:t>
+            </a:r>
+          </a:p>
+        </p:txBody>
+      </p:sp>
+      <p:cxnSp>
+        <p:nvCxnSpPr>
+          <p:cNvPr id="81" name="Straight Arrow Connector 80">
+            <a:extLst>
+              <a:ext uri="{FF2B5EF4-FFF2-40B4-BE49-F238E27FC236}">
+                <a16:creationId xmlns:a16="http://schemas.microsoft.com/office/drawing/2014/main" id="{03EAB144-68A9-74FC-40D7-869014900336}"/>
+              </a:ext>
+            </a:extLst>
+          </p:cNvPr>
+          <p:cNvCxnSpPr>
+            <a:cxnSpLocks/>
+            <a:stCxn id="80" idx="2"/>
+          </p:cNvCxnSpPr>
+          <p:nvPr/>
+        </p:nvCxnSpPr>
+        <p:spPr>
+          <a:xfrm flipH="1">
+            <a:off x="7781754" y="777890"/>
+            <a:ext cx="1215316" cy="2188049"/>
+          </a:xfrm>
+          <a:prstGeom prst="straightConnector1">
+            <a:avLst/>
+          </a:prstGeom>
+          <a:ln w="25400">
+            <a:solidFill>
+              <a:schemeClr val="tx1"/>
+            </a:solidFill>
+            <a:tailEnd type="triangle"/>
+          </a:ln>
+        </p:spPr>
+        <p:style>
+          <a:lnRef idx="1">
+            <a:schemeClr val="accent1"/>
+          </a:lnRef>
+          <a:fillRef idx="0">
+            <a:schemeClr val="accent1"/>
+          </a:fillRef>
+          <a:effectRef idx="0">
+            <a:schemeClr val="accent1"/>
+          </a:effectRef>
+          <a:fontRef idx="minor">
+            <a:schemeClr val="tx1"/>
+          </a:fontRef>
+        </p:style>
+      </p:cxnSp>
+      <p:sp>
+        <p:nvSpPr>
+          <p:cNvPr id="83" name="TextBox 82">
+            <a:extLst>
+              <a:ext uri="{FF2B5EF4-FFF2-40B4-BE49-F238E27FC236}">
+                <a16:creationId xmlns:a16="http://schemas.microsoft.com/office/drawing/2014/main" id="{1A064BE0-5CE1-328B-FD72-1712F5A99C62}"/>
+              </a:ext>
+            </a:extLst>
+          </p:cNvPr>
+          <p:cNvSpPr txBox="1"/>
+          <p:nvPr/>
+        </p:nvSpPr>
+        <p:spPr>
+          <a:xfrm>
+            <a:off x="10279265" y="-6838"/>
+            <a:ext cx="1871470" cy="1200329"/>
+          </a:xfrm>
+          <a:prstGeom prst="rect">
+            <a:avLst/>
+          </a:prstGeom>
+          <a:noFill/>
+          <a:ln w="25400">
+            <a:solidFill>
+              <a:schemeClr val="tx1"/>
+            </a:solidFill>
+          </a:ln>
+        </p:spPr>
+        <p:txBody>
+          <a:bodyPr wrap="square" rtlCol="0">
+            <a:spAutoFit/>
+          </a:bodyPr>
+          <a:lstStyle/>
+          <a:p>
+            <a:r>
+              <a:rPr lang="en-US" dirty="0"/>
+              <a:t>Iron-Oxide Embedded </a:t>
+            </a:r>
+            <a:r>
+              <a:rPr lang="en-US" b="0" i="0" dirty="0">
+                <a:solidFill>
+                  <a:srgbClr val="202124"/>
+                </a:solidFill>
+                <a:effectLst/>
+              </a:rPr>
+              <a:t>Polydimethylsiloxane (PDMS)</a:t>
+            </a:r>
+            <a:endParaRPr lang="en-US" dirty="0"/>
+          </a:p>
+        </p:txBody>
+      </p:sp>
+      <p:cxnSp>
+        <p:nvCxnSpPr>
+          <p:cNvPr id="84" name="Straight Arrow Connector 83">
+            <a:extLst>
+              <a:ext uri="{FF2B5EF4-FFF2-40B4-BE49-F238E27FC236}">
+                <a16:creationId xmlns:a16="http://schemas.microsoft.com/office/drawing/2014/main" id="{F6D70206-5CFC-E915-A760-F6DA99215C1A}"/>
+              </a:ext>
+            </a:extLst>
+          </p:cNvPr>
+          <p:cNvCxnSpPr>
+            <a:cxnSpLocks/>
+            <a:stCxn id="83" idx="2"/>
+          </p:cNvCxnSpPr>
+          <p:nvPr/>
+        </p:nvCxnSpPr>
+        <p:spPr>
+          <a:xfrm flipH="1">
+            <a:off x="8642564" y="1193491"/>
+            <a:ext cx="2572436" cy="1549812"/>
+          </a:xfrm>
+          <a:prstGeom prst="straightConnector1">
+            <a:avLst/>
+          </a:prstGeom>
+          <a:ln w="25400">
+            <a:solidFill>
+              <a:schemeClr val="tx1"/>
+            </a:solidFill>
+            <a:tailEnd type="triangle"/>
+          </a:ln>
+        </p:spPr>
+        <p:style>
+          <a:lnRef idx="1">
+            <a:schemeClr val="accent1"/>
+          </a:lnRef>
+          <a:fillRef idx="0">
+            <a:schemeClr val="accent1"/>
+          </a:fillRef>
+          <a:effectRef idx="0">
+            <a:schemeClr val="accent1"/>
+          </a:effectRef>
+          <a:fontRef idx="minor">
+            <a:schemeClr val="tx1"/>
+          </a:fontRef>
+        </p:style>
+      </p:cxnSp>
+      <p:sp>
+        <p:nvSpPr>
+          <p:cNvPr id="87" name="TextBox 86">
+            <a:extLst>
+              <a:ext uri="{FF2B5EF4-FFF2-40B4-BE49-F238E27FC236}">
+                <a16:creationId xmlns:a16="http://schemas.microsoft.com/office/drawing/2014/main" id="{3BF830B1-43B3-B6C2-E485-0F01B38A20C7}"/>
+              </a:ext>
+            </a:extLst>
+          </p:cNvPr>
+          <p:cNvSpPr txBox="1"/>
+          <p:nvPr/>
+        </p:nvSpPr>
+        <p:spPr>
+          <a:xfrm>
+            <a:off x="3353866" y="1385738"/>
+            <a:ext cx="875407" cy="369332"/>
+          </a:xfrm>
+          <a:prstGeom prst="rect">
+            <a:avLst/>
+          </a:prstGeom>
+          <a:noFill/>
+          <a:ln w="25400">
+            <a:solidFill>
+              <a:schemeClr val="tx1"/>
+            </a:solidFill>
+          </a:ln>
+        </p:spPr>
+        <p:txBody>
+          <a:bodyPr wrap="square" rtlCol="0">
+            <a:spAutoFit/>
+          </a:bodyPr>
+          <a:lstStyle/>
+          <a:p>
+            <a:r>
+              <a:rPr lang="en-US" dirty="0"/>
+              <a:t>Tissue</a:t>
+            </a:r>
+          </a:p>
+        </p:txBody>
+      </p:sp>
+      <p:cxnSp>
+        <p:nvCxnSpPr>
+          <p:cNvPr id="88" name="Straight Arrow Connector 87">
+            <a:extLst>
+              <a:ext uri="{FF2B5EF4-FFF2-40B4-BE49-F238E27FC236}">
+                <a16:creationId xmlns:a16="http://schemas.microsoft.com/office/drawing/2014/main" id="{4031268F-AD62-AB65-F639-9AFD2C685E19}"/>
+              </a:ext>
+            </a:extLst>
+          </p:cNvPr>
+          <p:cNvCxnSpPr>
+            <a:cxnSpLocks/>
+            <a:stCxn id="87" idx="2"/>
+            <a:endCxn id="5" idx="7"/>
+          </p:cNvCxnSpPr>
+          <p:nvPr/>
+        </p:nvCxnSpPr>
+        <p:spPr>
+          <a:xfrm>
+            <a:off x="3791570" y="1755070"/>
+            <a:ext cx="1574757" cy="1600039"/>
+          </a:xfrm>
+          <a:prstGeom prst="straightConnector1">
+            <a:avLst/>
+          </a:prstGeom>
+          <a:ln w="25400">
+            <a:solidFill>
+              <a:schemeClr val="tx1"/>
+            </a:solidFill>
+            <a:tailEnd type="triangle"/>
+          </a:ln>
+        </p:spPr>
+        <p:style>
+          <a:lnRef idx="1">
+            <a:schemeClr val="accent1"/>
+          </a:lnRef>
+          <a:fillRef idx="0">
+            <a:schemeClr val="accent1"/>
+          </a:fillRef>
+          <a:effectRef idx="0">
+            <a:schemeClr val="accent1"/>
+          </a:effectRef>
+          <a:fontRef idx="minor">
+            <a:schemeClr val="tx1"/>
+          </a:fontRef>
+        </p:style>
+      </p:cxnSp>
+      <p:sp>
+        <p:nvSpPr>
+          <p:cNvPr id="91" name="TextBox 90">
+            <a:extLst>
+              <a:ext uri="{FF2B5EF4-FFF2-40B4-BE49-F238E27FC236}">
+                <a16:creationId xmlns:a16="http://schemas.microsoft.com/office/drawing/2014/main" id="{41CA0A77-862C-49B7-4A7E-7DCBF6A34225}"/>
+              </a:ext>
+            </a:extLst>
+          </p:cNvPr>
+          <p:cNvSpPr txBox="1"/>
+          <p:nvPr/>
+        </p:nvSpPr>
+        <p:spPr>
+          <a:xfrm>
+            <a:off x="5176410" y="5543919"/>
+            <a:ext cx="1203503" cy="369332"/>
+          </a:xfrm>
+          <a:prstGeom prst="rect">
+            <a:avLst/>
+          </a:prstGeom>
+          <a:noFill/>
+          <a:ln w="25400">
+            <a:solidFill>
+              <a:schemeClr val="tx1"/>
+            </a:solidFill>
+          </a:ln>
+        </p:spPr>
+        <p:txBody>
+          <a:bodyPr wrap="square" rtlCol="0">
+            <a:spAutoFit/>
+          </a:bodyPr>
+          <a:lstStyle/>
+          <a:p>
+            <a:r>
+              <a:rPr lang="en-US" dirty="0"/>
+              <a:t>Slide Glass</a:t>
+            </a:r>
+          </a:p>
+        </p:txBody>
+      </p:sp>
+      <p:cxnSp>
+        <p:nvCxnSpPr>
+          <p:cNvPr id="92" name="Straight Arrow Connector 91">
+            <a:extLst>
+              <a:ext uri="{FF2B5EF4-FFF2-40B4-BE49-F238E27FC236}">
+                <a16:creationId xmlns:a16="http://schemas.microsoft.com/office/drawing/2014/main" id="{E2F18BF6-0486-2788-E559-6CEEB6784B7E}"/>
+              </a:ext>
+            </a:extLst>
+          </p:cNvPr>
+          <p:cNvCxnSpPr>
+            <a:cxnSpLocks/>
+            <a:stCxn id="91" idx="0"/>
+          </p:cNvCxnSpPr>
+          <p:nvPr/>
+        </p:nvCxnSpPr>
+        <p:spPr>
+          <a:xfrm flipV="1">
+            <a:off x="5778162" y="3512673"/>
+            <a:ext cx="2534740" cy="2031246"/>
+          </a:xfrm>
+          <a:prstGeom prst="straightConnector1">
+            <a:avLst/>
+          </a:prstGeom>
+          <a:ln w="25400">
+            <a:solidFill>
+              <a:schemeClr val="tx1"/>
+            </a:solidFill>
+            <a:tailEnd type="triangle"/>
+          </a:ln>
+        </p:spPr>
+        <p:style>
+          <a:lnRef idx="1">
+            <a:schemeClr val="accent1"/>
+          </a:lnRef>
+          <a:fillRef idx="0">
+            <a:schemeClr val="accent1"/>
+          </a:fillRef>
+          <a:effectRef idx="0">
+            <a:schemeClr val="accent1"/>
+          </a:effectRef>
+          <a:fontRef idx="minor">
+            <a:schemeClr val="tx1"/>
+          </a:fontRef>
+        </p:style>
+      </p:cxnSp>
+      <p:sp>
+        <p:nvSpPr>
+          <p:cNvPr id="94" name="TextBox 93">
+            <a:extLst>
+              <a:ext uri="{FF2B5EF4-FFF2-40B4-BE49-F238E27FC236}">
+                <a16:creationId xmlns:a16="http://schemas.microsoft.com/office/drawing/2014/main" id="{9815A38D-A04B-6F7D-CAA7-8E75E8101B93}"/>
+              </a:ext>
+            </a:extLst>
+          </p:cNvPr>
+          <p:cNvSpPr txBox="1"/>
+          <p:nvPr/>
+        </p:nvSpPr>
+        <p:spPr>
+          <a:xfrm>
+            <a:off x="2738058" y="470672"/>
+            <a:ext cx="875407" cy="369332"/>
+          </a:xfrm>
+          <a:prstGeom prst="rect">
+            <a:avLst/>
+          </a:prstGeom>
+          <a:noFill/>
+          <a:ln w="25400">
+            <a:solidFill>
+              <a:schemeClr val="tx1"/>
+            </a:solidFill>
+          </a:ln>
+        </p:spPr>
+        <p:txBody>
+          <a:bodyPr wrap="square" rtlCol="0">
+            <a:spAutoFit/>
+          </a:bodyPr>
+          <a:lstStyle/>
+          <a:p>
+            <a:r>
+              <a:rPr lang="en-US" dirty="0"/>
+              <a:t>Water</a:t>
+            </a:r>
+          </a:p>
+        </p:txBody>
+      </p:sp>
+      <p:cxnSp>
+        <p:nvCxnSpPr>
+          <p:cNvPr id="95" name="Straight Arrow Connector 94">
+            <a:extLst>
+              <a:ext uri="{FF2B5EF4-FFF2-40B4-BE49-F238E27FC236}">
+                <a16:creationId xmlns:a16="http://schemas.microsoft.com/office/drawing/2014/main" id="{89B5792F-A913-6624-D7CB-D2046A6DAC25}"/>
+              </a:ext>
+            </a:extLst>
+          </p:cNvPr>
+          <p:cNvCxnSpPr>
+            <a:cxnSpLocks/>
+          </p:cNvCxnSpPr>
+          <p:nvPr/>
+        </p:nvCxnSpPr>
+        <p:spPr>
+          <a:xfrm flipH="1">
+            <a:off x="3184798" y="836011"/>
+            <a:ext cx="20315" cy="1201472"/>
+          </a:xfrm>
+          <a:prstGeom prst="straightConnector1">
+            <a:avLst/>
+          </a:prstGeom>
+          <a:ln w="25400">
+            <a:solidFill>
+              <a:schemeClr val="tx1"/>
+            </a:solidFill>
+            <a:tailEnd type="triangle"/>
+          </a:ln>
+        </p:spPr>
+        <p:style>
+          <a:lnRef idx="1">
+            <a:schemeClr val="accent1"/>
+          </a:lnRef>
+          <a:fillRef idx="0">
+            <a:schemeClr val="accent1"/>
+          </a:fillRef>
+          <a:effectRef idx="0">
+            <a:schemeClr val="accent1"/>
+          </a:effectRef>
+          <a:fontRef idx="minor">
+            <a:schemeClr val="tx1"/>
+          </a:fontRef>
+        </p:style>
+      </p:cxnSp>
+    </p:spTree>
+    <p:extLst>
+      <p:ext uri="{BB962C8B-B14F-4D97-AF65-F5344CB8AC3E}">
+        <p14:creationId xmlns:p14="http://schemas.microsoft.com/office/powerpoint/2010/main" val="1163728604"/>
       </p:ext>
     </p:extLst>
   </p:cSld>
@@ -4905,4 +8447,299 @@
     </a:ext>
   </a:extLst>
 </a:theme>
+</file>
+
+<file path=ppt/theme/theme2.xml><?xml version="1.0" encoding="utf-8"?>
+<a:theme xmlns:a="http://schemas.openxmlformats.org/drawingml/2006/main" name="Office Theme">
+  <a:themeElements>
+    <a:clrScheme name="Office">
+      <a:dk1>
+        <a:sysClr val="windowText" lastClr="000000"/>
+      </a:dk1>
+      <a:lt1>
+        <a:sysClr val="window" lastClr="FFFFFF"/>
+      </a:lt1>
+      <a:dk2>
+        <a:srgbClr val="44546A"/>
+      </a:dk2>
+      <a:lt2>
+        <a:srgbClr val="E7E6E6"/>
+      </a:lt2>
+      <a:accent1>
+        <a:srgbClr val="4472C4"/>
+      </a:accent1>
+      <a:accent2>
+        <a:srgbClr val="ED7D31"/>
+      </a:accent2>
+      <a:accent3>
+        <a:srgbClr val="A5A5A5"/>
+      </a:accent3>
+      <a:accent4>
+        <a:srgbClr val="FFC000"/>
+      </a:accent4>
+      <a:accent5>
+        <a:srgbClr val="5B9BD5"/>
+      </a:accent5>
+      <a:accent6>
+        <a:srgbClr val="70AD47"/>
+      </a:accent6>
+      <a:hlink>
+        <a:srgbClr val="0563C1"/>
+      </a:hlink>
+      <a:folHlink>
+        <a:srgbClr val="954F72"/>
+      </a:folHlink>
+    </a:clrScheme>
+    <a:fontScheme name="Office">
+      <a:majorFont>
+        <a:latin typeface="Calibri Light" panose="020F0302020204030204"/>
+        <a:ea typeface=""/>
+        <a:cs typeface=""/>
+        <a:font script="Jpan" typeface="游ゴシック Light"/>
+        <a:font script="Hang" typeface="맑은 고딕"/>
+        <a:font script="Hans" typeface="等线 Light"/>
+        <a:font script="Hant" typeface="新細明體"/>
+        <a:font script="Arab" typeface="Times New Roman"/>
+        <a:font script="Hebr" typeface="Times New Roman"/>
+        <a:font script="Thai" typeface="Angsana New"/>
+        <a:font script="Ethi" typeface="Nyala"/>
+        <a:font script="Beng" typeface="Vrinda"/>
+        <a:font script="Gujr" typeface="Shruti"/>
+        <a:font script="Khmr" typeface="MoolBoran"/>
+        <a:font script="Knda" typeface="Tunga"/>
+        <a:font script="Guru" typeface="Raavi"/>
+        <a:font script="Cans" typeface="Euphemia"/>
+        <a:font script="Cher" typeface="Plantagenet Cherokee"/>
+        <a:font script="Yiii" typeface="Microsoft Yi Baiti"/>
+        <a:font script="Tibt" typeface="Microsoft Himalaya"/>
+        <a:font script="Thaa" typeface="MV Boli"/>
+        <a:font script="Deva" typeface="Mangal"/>
+        <a:font script="Telu" typeface="Gautami"/>
+        <a:font script="Taml" typeface="Latha"/>
+        <a:font script="Syrc" typeface="Estrangelo Edessa"/>
+        <a:font script="Orya" typeface="Kalinga"/>
+        <a:font script="Mlym" typeface="Kartika"/>
+        <a:font script="Laoo" typeface="DokChampa"/>
+        <a:font script="Sinh" typeface="Iskoola Pota"/>
+        <a:font script="Mong" typeface="Mongolian Baiti"/>
+        <a:font script="Viet" typeface="Times New Roman"/>
+        <a:font script="Uigh" typeface="Microsoft Uighur"/>
+        <a:font script="Geor" typeface="Sylfaen"/>
+        <a:font script="Armn" typeface="Arial"/>
+        <a:font script="Bugi" typeface="Leelawadee UI"/>
+        <a:font script="Bopo" typeface="Microsoft JhengHei"/>
+        <a:font script="Java" typeface="Javanese Text"/>
+        <a:font script="Lisu" typeface="Segoe UI"/>
+        <a:font script="Mymr" typeface="Myanmar Text"/>
+        <a:font script="Nkoo" typeface="Ebrima"/>
+        <a:font script="Olck" typeface="Nirmala UI"/>
+        <a:font script="Osma" typeface="Ebrima"/>
+        <a:font script="Phag" typeface="Phagspa"/>
+        <a:font script="Syrn" typeface="Estrangelo Edessa"/>
+        <a:font script="Syrj" typeface="Estrangelo Edessa"/>
+        <a:font script="Syre" typeface="Estrangelo Edessa"/>
+        <a:font script="Sora" typeface="Nirmala UI"/>
+        <a:font script="Tale" typeface="Microsoft Tai Le"/>
+        <a:font script="Talu" typeface="Microsoft New Tai Lue"/>
+        <a:font script="Tfng" typeface="Ebrima"/>
+      </a:majorFont>
+      <a:minorFont>
+        <a:latin typeface="Calibri" panose="020F0502020204030204"/>
+        <a:ea typeface=""/>
+        <a:cs typeface=""/>
+        <a:font script="Jpan" typeface="游ゴシック"/>
+        <a:font script="Hang" typeface="맑은 고딕"/>
+        <a:font script="Hans" typeface="等线"/>
+        <a:font script="Hant" typeface="新細明體"/>
+        <a:font script="Arab" typeface="Arial"/>
+        <a:font script="Hebr" typeface="Arial"/>
+        <a:font script="Thai" typeface="Cordia New"/>
+        <a:font script="Ethi" typeface="Nyala"/>
+        <a:font script="Beng" typeface="Vrinda"/>
+        <a:font script="Gujr" typeface="Shruti"/>
+        <a:font script="Khmr" typeface="DaunPenh"/>
+        <a:font script="Knda" typeface="Tunga"/>
+        <a:font script="Guru" typeface="Raavi"/>
+        <a:font script="Cans" typeface="Euphemia"/>
+        <a:font script="Cher" typeface="Plantagenet Cherokee"/>
+        <a:font script="Yiii" typeface="Microsoft Yi Baiti"/>
+        <a:font script="Tibt" typeface="Microsoft Himalaya"/>
+        <a:font script="Thaa" typeface="MV Boli"/>
+        <a:font script="Deva" typeface="Mangal"/>
+        <a:font script="Telu" typeface="Gautami"/>
+        <a:font script="Taml" typeface="Latha"/>
+        <a:font script="Syrc" typeface="Estrangelo Edessa"/>
+        <a:font script="Orya" typeface="Kalinga"/>
+        <a:font script="Mlym" typeface="Kartika"/>
+        <a:font script="Laoo" typeface="DokChampa"/>
+        <a:font script="Sinh" typeface="Iskoola Pota"/>
+        <a:font script="Mong" typeface="Mongolian Baiti"/>
+        <a:font script="Viet" typeface="Arial"/>
+        <a:font script="Uigh" typeface="Microsoft Uighur"/>
+        <a:font script="Geor" typeface="Sylfaen"/>
+        <a:font script="Armn" typeface="Arial"/>
+        <a:font script="Bugi" typeface="Leelawadee UI"/>
+        <a:font script="Bopo" typeface="Microsoft JhengHei"/>
+        <a:font script="Java" typeface="Javanese Text"/>
+        <a:font script="Lisu" typeface="Segoe UI"/>
+        <a:font script="Mymr" typeface="Myanmar Text"/>
+        <a:font script="Nkoo" typeface="Ebrima"/>
+        <a:font script="Olck" typeface="Nirmala UI"/>
+        <a:font script="Osma" typeface="Ebrima"/>
+        <a:font script="Phag" typeface="Phagspa"/>
+        <a:font script="Syrn" typeface="Estrangelo Edessa"/>
+        <a:font script="Syrj" typeface="Estrangelo Edessa"/>
+        <a:font script="Syre" typeface="Estrangelo Edessa"/>
+        <a:font script="Sora" typeface="Nirmala UI"/>
+        <a:font script="Tale" typeface="Microsoft Tai Le"/>
+        <a:font script="Talu" typeface="Microsoft New Tai Lue"/>
+        <a:font script="Tfng" typeface="Ebrima"/>
+      </a:minorFont>
+    </a:fontScheme>
+    <a:fmtScheme name="Office">
+      <a:fillStyleLst>
+        <a:solidFill>
+          <a:schemeClr val="phClr"/>
+        </a:solidFill>
+        <a:gradFill rotWithShape="1">
+          <a:gsLst>
+            <a:gs pos="0">
+              <a:schemeClr val="phClr">
+                <a:lumMod val="110000"/>
+                <a:satMod val="105000"/>
+                <a:tint val="67000"/>
+              </a:schemeClr>
+            </a:gs>
+            <a:gs pos="50000">
+              <a:schemeClr val="phClr">
+                <a:lumMod val="105000"/>
+                <a:satMod val="103000"/>
+                <a:tint val="73000"/>
+              </a:schemeClr>
+            </a:gs>
+            <a:gs pos="100000">
+              <a:schemeClr val="phClr">
+                <a:lumMod val="105000"/>
+                <a:satMod val="109000"/>
+                <a:tint val="81000"/>
+              </a:schemeClr>
+            </a:gs>
+          </a:gsLst>
+          <a:lin ang="5400000" scaled="0"/>
+        </a:gradFill>
+        <a:gradFill rotWithShape="1">
+          <a:gsLst>
+            <a:gs pos="0">
+              <a:schemeClr val="phClr">
+                <a:satMod val="103000"/>
+                <a:lumMod val="102000"/>
+                <a:tint val="94000"/>
+              </a:schemeClr>
+            </a:gs>
+            <a:gs pos="50000">
+              <a:schemeClr val="phClr">
+                <a:satMod val="110000"/>
+                <a:lumMod val="100000"/>
+                <a:shade val="100000"/>
+              </a:schemeClr>
+            </a:gs>
+            <a:gs pos="100000">
+              <a:schemeClr val="phClr">
+                <a:lumMod val="99000"/>
+                <a:satMod val="120000"/>
+                <a:shade val="78000"/>
+              </a:schemeClr>
+            </a:gs>
+          </a:gsLst>
+          <a:lin ang="5400000" scaled="0"/>
+        </a:gradFill>
+      </a:fillStyleLst>
+      <a:lnStyleLst>
+        <a:ln w="6350" cap="flat" cmpd="sng" algn="ctr">
+          <a:solidFill>
+            <a:schemeClr val="phClr"/>
+          </a:solidFill>
+          <a:prstDash val="solid"/>
+          <a:miter lim="800000"/>
+        </a:ln>
+        <a:ln w="12700" cap="flat" cmpd="sng" algn="ctr">
+          <a:solidFill>
+            <a:schemeClr val="phClr"/>
+          </a:solidFill>
+          <a:prstDash val="solid"/>
+          <a:miter lim="800000"/>
+        </a:ln>
+        <a:ln w="19050" cap="flat" cmpd="sng" algn="ctr">
+          <a:solidFill>
+            <a:schemeClr val="phClr"/>
+          </a:solidFill>
+          <a:prstDash val="solid"/>
+          <a:miter lim="800000"/>
+        </a:ln>
+      </a:lnStyleLst>
+      <a:effectStyleLst>
+        <a:effectStyle>
+          <a:effectLst/>
+        </a:effectStyle>
+        <a:effectStyle>
+          <a:effectLst/>
+        </a:effectStyle>
+        <a:effectStyle>
+          <a:effectLst>
+            <a:outerShdw blurRad="57150" dist="19050" dir="5400000" algn="ctr" rotWithShape="0">
+              <a:srgbClr val="000000">
+                <a:alpha val="63000"/>
+              </a:srgbClr>
+            </a:outerShdw>
+          </a:effectLst>
+        </a:effectStyle>
+      </a:effectStyleLst>
+      <a:bgFillStyleLst>
+        <a:solidFill>
+          <a:schemeClr val="phClr"/>
+        </a:solidFill>
+        <a:solidFill>
+          <a:schemeClr val="phClr">
+            <a:tint val="95000"/>
+            <a:satMod val="170000"/>
+          </a:schemeClr>
+        </a:solidFill>
+        <a:gradFill rotWithShape="1">
+          <a:gsLst>
+            <a:gs pos="0">
+              <a:schemeClr val="phClr">
+                <a:tint val="93000"/>
+                <a:satMod val="150000"/>
+                <a:shade val="98000"/>
+                <a:lumMod val="102000"/>
+              </a:schemeClr>
+            </a:gs>
+            <a:gs pos="50000">
+              <a:schemeClr val="phClr">
+                <a:tint val="98000"/>
+                <a:satMod val="130000"/>
+                <a:shade val="90000"/>
+                <a:lumMod val="103000"/>
+              </a:schemeClr>
+            </a:gs>
+            <a:gs pos="100000">
+              <a:schemeClr val="phClr">
+                <a:shade val="63000"/>
+                <a:satMod val="120000"/>
+              </a:schemeClr>
+            </a:gs>
+          </a:gsLst>
+          <a:lin ang="5400000" scaled="0"/>
+        </a:gradFill>
+      </a:bgFillStyleLst>
+    </a:fmtScheme>
+  </a:themeElements>
+  <a:objectDefaults/>
+  <a:extraClrSchemeLst/>
+  <a:extLst>
+    <a:ext uri="{05A4C25C-085E-4340-85A3-A5531E510DB2}">
+      <thm15:themeFamily xmlns:thm15="http://schemas.microsoft.com/office/thememl/2012/main" name="Office Theme" id="{62F939B6-93AF-4DB8-9C6B-D6C7DFDC589F}" vid="{4A3C46E8-61CC-4603-A589-7422A47A8E4A}"/>
+    </a:ext>
+  </a:extLst>
+</a:theme>
 </file>
--- a/3D model/Technical Drawings/Views_technical_drawings V5.1.pptx
+++ b/3D model/Technical Drawings/Views_technical_drawings V5.1.pptx
@@ -5,13 +5,14 @@
     <p:sldMasterId id="2147483648" r:id="rId1"/>
   </p:sldMasterIdLst>
   <p:notesMasterIdLst>
-    <p:notesMasterId r:id="rId6"/>
+    <p:notesMasterId r:id="rId7"/>
   </p:notesMasterIdLst>
   <p:sldIdLst>
     <p:sldId id="256" r:id="rId2"/>
     <p:sldId id="257" r:id="rId3"/>
-    <p:sldId id="258" r:id="rId4"/>
-    <p:sldId id="259" r:id="rId5"/>
+    <p:sldId id="259" r:id="rId4"/>
+    <p:sldId id="260" r:id="rId5"/>
+    <p:sldId id="258" r:id="rId6"/>
   </p:sldIdLst>
   <p:sldSz cx="12192000" cy="6858000"/>
   <p:notesSz cx="6858000" cy="9144000"/>
@@ -200,7 +201,7 @@
           <a:p>
             <a:fld id="{9BA668F8-C1B8-4E92-A61D-B19AEC228865}" type="datetimeFigureOut">
               <a:rPr lang="en-US" smtClean="0"/>
-              <a:t>4/26/2023</a:t>
+              <a:t>4/17/2024</a:t>
             </a:fld>
             <a:endParaRPr lang="en-US"/>
           </a:p>
@@ -614,7 +615,7 @@
           <a:p>
             <a:fld id="{5420FD56-0FE9-4558-826D-A8FEA663D594}" type="datetimeFigureOut">
               <a:rPr lang="en-US" smtClean="0"/>
-              <a:t>4/26/2023</a:t>
+              <a:t>4/17/2024</a:t>
             </a:fld>
             <a:endParaRPr lang="en-US"/>
           </a:p>
@@ -812,7 +813,7 @@
           <a:p>
             <a:fld id="{5420FD56-0FE9-4558-826D-A8FEA663D594}" type="datetimeFigureOut">
               <a:rPr lang="en-US" smtClean="0"/>
-              <a:t>4/26/2023</a:t>
+              <a:t>4/17/2024</a:t>
             </a:fld>
             <a:endParaRPr lang="en-US"/>
           </a:p>
@@ -1020,7 +1021,7 @@
           <a:p>
             <a:fld id="{5420FD56-0FE9-4558-826D-A8FEA663D594}" type="datetimeFigureOut">
               <a:rPr lang="en-US" smtClean="0"/>
-              <a:t>4/26/2023</a:t>
+              <a:t>4/17/2024</a:t>
             </a:fld>
             <a:endParaRPr lang="en-US"/>
           </a:p>
@@ -1218,7 +1219,7 @@
           <a:p>
             <a:fld id="{5420FD56-0FE9-4558-826D-A8FEA663D594}" type="datetimeFigureOut">
               <a:rPr lang="en-US" smtClean="0"/>
-              <a:t>4/26/2023</a:t>
+              <a:t>4/17/2024</a:t>
             </a:fld>
             <a:endParaRPr lang="en-US"/>
           </a:p>
@@ -1493,7 +1494,7 @@
           <a:p>
             <a:fld id="{5420FD56-0FE9-4558-826D-A8FEA663D594}" type="datetimeFigureOut">
               <a:rPr lang="en-US" smtClean="0"/>
-              <a:t>4/26/2023</a:t>
+              <a:t>4/17/2024</a:t>
             </a:fld>
             <a:endParaRPr lang="en-US"/>
           </a:p>
@@ -1758,7 +1759,7 @@
           <a:p>
             <a:fld id="{5420FD56-0FE9-4558-826D-A8FEA663D594}" type="datetimeFigureOut">
               <a:rPr lang="en-US" smtClean="0"/>
-              <a:t>4/26/2023</a:t>
+              <a:t>4/17/2024</a:t>
             </a:fld>
             <a:endParaRPr lang="en-US"/>
           </a:p>
@@ -2170,7 +2171,7 @@
           <a:p>
             <a:fld id="{5420FD56-0FE9-4558-826D-A8FEA663D594}" type="datetimeFigureOut">
               <a:rPr lang="en-US" smtClean="0"/>
-              <a:t>4/26/2023</a:t>
+              <a:t>4/17/2024</a:t>
             </a:fld>
             <a:endParaRPr lang="en-US"/>
           </a:p>
@@ -2311,7 +2312,7 @@
           <a:p>
             <a:fld id="{5420FD56-0FE9-4558-826D-A8FEA663D594}" type="datetimeFigureOut">
               <a:rPr lang="en-US" smtClean="0"/>
-              <a:t>4/26/2023</a:t>
+              <a:t>4/17/2024</a:t>
             </a:fld>
             <a:endParaRPr lang="en-US"/>
           </a:p>
@@ -2424,7 +2425,7 @@
           <a:p>
             <a:fld id="{5420FD56-0FE9-4558-826D-A8FEA663D594}" type="datetimeFigureOut">
               <a:rPr lang="en-US" smtClean="0"/>
-              <a:t>4/26/2023</a:t>
+              <a:t>4/17/2024</a:t>
             </a:fld>
             <a:endParaRPr lang="en-US"/>
           </a:p>
@@ -2735,7 +2736,7 @@
           <a:p>
             <a:fld id="{5420FD56-0FE9-4558-826D-A8FEA663D594}" type="datetimeFigureOut">
               <a:rPr lang="en-US" smtClean="0"/>
-              <a:t>4/26/2023</a:t>
+              <a:t>4/17/2024</a:t>
             </a:fld>
             <a:endParaRPr lang="en-US"/>
           </a:p>
@@ -3023,7 +3024,7 @@
           <a:p>
             <a:fld id="{5420FD56-0FE9-4558-826D-A8FEA663D594}" type="datetimeFigureOut">
               <a:rPr lang="en-US" smtClean="0"/>
-              <a:t>4/26/2023</a:t>
+              <a:t>4/17/2024</a:t>
             </a:fld>
             <a:endParaRPr lang="en-US"/>
           </a:p>
@@ -3264,7 +3265,7 @@
           <a:p>
             <a:fld id="{5420FD56-0FE9-4558-826D-A8FEA663D594}" type="datetimeFigureOut">
               <a:rPr lang="en-US" smtClean="0"/>
-              <a:t>4/26/2023</a:t>
+              <a:t>4/17/2024</a:t>
             </a:fld>
             <a:endParaRPr lang="en-US"/>
           </a:p>
@@ -3914,1136 +3915,6 @@
           <a:chExt cx="0" cy="0"/>
         </a:xfrm>
       </p:grpSpPr>
-      <p:pic>
-        <p:nvPicPr>
-          <p:cNvPr id="5" name="Picture 4">
-            <a:extLst>
-              <a:ext uri="{FF2B5EF4-FFF2-40B4-BE49-F238E27FC236}">
-                <a16:creationId xmlns:a16="http://schemas.microsoft.com/office/drawing/2014/main" id="{A37742A7-3575-6750-2036-5CEB40C5279A}"/>
-              </a:ext>
-            </a:extLst>
-          </p:cNvPr>
-          <p:cNvPicPr>
-            <a:picLocks noChangeAspect="1"/>
-          </p:cNvPicPr>
-          <p:nvPr/>
-        </p:nvPicPr>
-        <p:blipFill>
-          <a:blip r:embed="rId2"/>
-          <a:stretch>
-            <a:fillRect/>
-          </a:stretch>
-        </p:blipFill>
-        <p:spPr>
-          <a:xfrm>
-            <a:off x="720562" y="21566"/>
-            <a:ext cx="5247224" cy="6858000"/>
-          </a:xfrm>
-          <a:prstGeom prst="rect">
-            <a:avLst/>
-          </a:prstGeom>
-        </p:spPr>
-      </p:pic>
-      <p:sp>
-        <p:nvSpPr>
-          <p:cNvPr id="6" name="TextBox 5">
-            <a:extLst>
-              <a:ext uri="{FF2B5EF4-FFF2-40B4-BE49-F238E27FC236}">
-                <a16:creationId xmlns:a16="http://schemas.microsoft.com/office/drawing/2014/main" id="{1B7090B8-A9CC-A352-F1B6-547A996382E6}"/>
-              </a:ext>
-            </a:extLst>
-          </p:cNvPr>
-          <p:cNvSpPr txBox="1"/>
-          <p:nvPr/>
-        </p:nvSpPr>
-        <p:spPr>
-          <a:xfrm>
-            <a:off x="6625087" y="207034"/>
-            <a:ext cx="2561086" cy="369332"/>
-          </a:xfrm>
-          <a:prstGeom prst="rect">
-            <a:avLst/>
-          </a:prstGeom>
-          <a:noFill/>
-          <a:ln w="25400">
-            <a:solidFill>
-              <a:schemeClr val="tx1"/>
-            </a:solidFill>
-          </a:ln>
-        </p:spPr>
-        <p:txBody>
-          <a:bodyPr wrap="none" rtlCol="0">
-            <a:spAutoFit/>
-          </a:bodyPr>
-          <a:lstStyle/>
-          <a:p>
-            <a:r>
-              <a:rPr lang="en-US" dirty="0"/>
-              <a:t>3D Printed Pressure Plate</a:t>
-            </a:r>
-          </a:p>
-        </p:txBody>
-      </p:sp>
-      <p:cxnSp>
-        <p:nvCxnSpPr>
-          <p:cNvPr id="8" name="Straight Arrow Connector 7">
-            <a:extLst>
-              <a:ext uri="{FF2B5EF4-FFF2-40B4-BE49-F238E27FC236}">
-                <a16:creationId xmlns:a16="http://schemas.microsoft.com/office/drawing/2014/main" id="{A3D9E5F7-5656-222E-57B8-8B1BBC470A19}"/>
-              </a:ext>
-            </a:extLst>
-          </p:cNvPr>
-          <p:cNvCxnSpPr>
-            <a:stCxn id="6" idx="1"/>
-          </p:cNvCxnSpPr>
-          <p:nvPr/>
-        </p:nvCxnSpPr>
-        <p:spPr>
-          <a:xfrm flipH="1">
-            <a:off x="5144655" y="391700"/>
-            <a:ext cx="1480432" cy="0"/>
-          </a:xfrm>
-          <a:prstGeom prst="straightConnector1">
-            <a:avLst/>
-          </a:prstGeom>
-          <a:ln w="25400">
-            <a:solidFill>
-              <a:schemeClr val="tx1"/>
-            </a:solidFill>
-            <a:tailEnd type="triangle"/>
-          </a:ln>
-        </p:spPr>
-        <p:style>
-          <a:lnRef idx="1">
-            <a:schemeClr val="accent1"/>
-          </a:lnRef>
-          <a:fillRef idx="0">
-            <a:schemeClr val="accent1"/>
-          </a:fillRef>
-          <a:effectRef idx="0">
-            <a:schemeClr val="accent1"/>
-          </a:effectRef>
-          <a:fontRef idx="minor">
-            <a:schemeClr val="tx1"/>
-          </a:fontRef>
-        </p:style>
-      </p:cxnSp>
-      <p:sp>
-        <p:nvSpPr>
-          <p:cNvPr id="9" name="TextBox 8">
-            <a:extLst>
-              <a:ext uri="{FF2B5EF4-FFF2-40B4-BE49-F238E27FC236}">
-                <a16:creationId xmlns:a16="http://schemas.microsoft.com/office/drawing/2014/main" id="{D2F957DC-41C9-60BA-F799-C1EB95F49D71}"/>
-              </a:ext>
-            </a:extLst>
-          </p:cNvPr>
-          <p:cNvSpPr txBox="1"/>
-          <p:nvPr/>
-        </p:nvSpPr>
-        <p:spPr>
-          <a:xfrm>
-            <a:off x="6625087" y="577168"/>
-            <a:ext cx="3452548" cy="369332"/>
-          </a:xfrm>
-          <a:prstGeom prst="rect">
-            <a:avLst/>
-          </a:prstGeom>
-          <a:noFill/>
-          <a:ln w="25400">
-            <a:solidFill>
-              <a:schemeClr val="tx1"/>
-            </a:solidFill>
-          </a:ln>
-        </p:spPr>
-        <p:txBody>
-          <a:bodyPr wrap="none" rtlCol="0">
-            <a:spAutoFit/>
-          </a:bodyPr>
-          <a:lstStyle/>
-          <a:p>
-            <a:r>
-              <a:rPr lang="en-US" dirty="0"/>
-              <a:t>Pressure Plate Embedded Magnets</a:t>
-            </a:r>
-          </a:p>
-        </p:txBody>
-      </p:sp>
-      <p:cxnSp>
-        <p:nvCxnSpPr>
-          <p:cNvPr id="10" name="Straight Arrow Connector 9">
-            <a:extLst>
-              <a:ext uri="{FF2B5EF4-FFF2-40B4-BE49-F238E27FC236}">
-                <a16:creationId xmlns:a16="http://schemas.microsoft.com/office/drawing/2014/main" id="{424F3609-2BE6-6137-D169-0106D2204CF4}"/>
-              </a:ext>
-            </a:extLst>
-          </p:cNvPr>
-          <p:cNvCxnSpPr>
-            <a:cxnSpLocks/>
-          </p:cNvCxnSpPr>
-          <p:nvPr/>
-        </p:nvCxnSpPr>
-        <p:spPr>
-          <a:xfrm flipH="1">
-            <a:off x="5015345" y="761834"/>
-            <a:ext cx="1609742" cy="540493"/>
-          </a:xfrm>
-          <a:prstGeom prst="straightConnector1">
-            <a:avLst/>
-          </a:prstGeom>
-          <a:ln w="25400">
-            <a:solidFill>
-              <a:schemeClr val="tx1"/>
-            </a:solidFill>
-            <a:tailEnd type="triangle"/>
-          </a:ln>
-        </p:spPr>
-        <p:style>
-          <a:lnRef idx="1">
-            <a:schemeClr val="accent1"/>
-          </a:lnRef>
-          <a:fillRef idx="0">
-            <a:schemeClr val="accent1"/>
-          </a:fillRef>
-          <a:effectRef idx="0">
-            <a:schemeClr val="accent1"/>
-          </a:effectRef>
-          <a:fontRef idx="minor">
-            <a:schemeClr val="tx1"/>
-          </a:fontRef>
-        </p:style>
-      </p:cxnSp>
-      <p:sp>
-        <p:nvSpPr>
-          <p:cNvPr id="12" name="TextBox 11">
-            <a:extLst>
-              <a:ext uri="{FF2B5EF4-FFF2-40B4-BE49-F238E27FC236}">
-                <a16:creationId xmlns:a16="http://schemas.microsoft.com/office/drawing/2014/main" id="{8EDF4E61-773C-7D89-5FCA-82E28CE551DA}"/>
-              </a:ext>
-            </a:extLst>
-          </p:cNvPr>
-          <p:cNvSpPr txBox="1"/>
-          <p:nvPr/>
-        </p:nvSpPr>
-        <p:spPr>
-          <a:xfrm>
-            <a:off x="6629220" y="1302327"/>
-            <a:ext cx="2403030" cy="369332"/>
-          </a:xfrm>
-          <a:prstGeom prst="rect">
-            <a:avLst/>
-          </a:prstGeom>
-          <a:noFill/>
-          <a:ln w="25400">
-            <a:solidFill>
-              <a:schemeClr val="tx1"/>
-            </a:solidFill>
-          </a:ln>
-        </p:spPr>
-        <p:txBody>
-          <a:bodyPr wrap="none" rtlCol="0">
-            <a:spAutoFit/>
-          </a:bodyPr>
-          <a:lstStyle/>
-          <a:p>
-            <a:r>
-              <a:rPr lang="en-US" dirty="0" err="1"/>
-              <a:t>Invisi</a:t>
-            </a:r>
-            <a:r>
-              <a:rPr lang="en-US" dirty="0"/>
-              <a:t>-Slip Fluidic Device</a:t>
-            </a:r>
-          </a:p>
-        </p:txBody>
-      </p:sp>
-      <p:cxnSp>
-        <p:nvCxnSpPr>
-          <p:cNvPr id="13" name="Straight Arrow Connector 12">
-            <a:extLst>
-              <a:ext uri="{FF2B5EF4-FFF2-40B4-BE49-F238E27FC236}">
-                <a16:creationId xmlns:a16="http://schemas.microsoft.com/office/drawing/2014/main" id="{5E35950F-7D8F-BA13-EB7F-9311E3393F65}"/>
-              </a:ext>
-            </a:extLst>
-          </p:cNvPr>
-          <p:cNvCxnSpPr>
-            <a:cxnSpLocks/>
-          </p:cNvCxnSpPr>
-          <p:nvPr/>
-        </p:nvCxnSpPr>
-        <p:spPr>
-          <a:xfrm flipH="1">
-            <a:off x="5144655" y="1486993"/>
-            <a:ext cx="1480432" cy="101662"/>
-          </a:xfrm>
-          <a:prstGeom prst="straightConnector1">
-            <a:avLst/>
-          </a:prstGeom>
-          <a:ln w="25400">
-            <a:solidFill>
-              <a:schemeClr val="tx1"/>
-            </a:solidFill>
-            <a:tailEnd type="triangle"/>
-          </a:ln>
-        </p:spPr>
-        <p:style>
-          <a:lnRef idx="1">
-            <a:schemeClr val="accent1"/>
-          </a:lnRef>
-          <a:fillRef idx="0">
-            <a:schemeClr val="accent1"/>
-          </a:fillRef>
-          <a:effectRef idx="0">
-            <a:schemeClr val="accent1"/>
-          </a:effectRef>
-          <a:fontRef idx="minor">
-            <a:schemeClr val="tx1"/>
-          </a:fontRef>
-        </p:style>
-      </p:cxnSp>
-      <p:sp>
-        <p:nvSpPr>
-          <p:cNvPr id="15" name="TextBox 14">
-            <a:extLst>
-              <a:ext uri="{FF2B5EF4-FFF2-40B4-BE49-F238E27FC236}">
-                <a16:creationId xmlns:a16="http://schemas.microsoft.com/office/drawing/2014/main" id="{C670A17A-74F3-6C6A-6146-8B5D4AF3F1CE}"/>
-              </a:ext>
-            </a:extLst>
-          </p:cNvPr>
-          <p:cNvSpPr txBox="1"/>
-          <p:nvPr/>
-        </p:nvSpPr>
-        <p:spPr>
-          <a:xfrm>
-            <a:off x="6698492" y="1842820"/>
-            <a:ext cx="1175322" cy="369332"/>
-          </a:xfrm>
-          <a:prstGeom prst="rect">
-            <a:avLst/>
-          </a:prstGeom>
-          <a:noFill/>
-          <a:ln w="25400">
-            <a:solidFill>
-              <a:schemeClr val="tx1"/>
-            </a:solidFill>
-          </a:ln>
-        </p:spPr>
-        <p:txBody>
-          <a:bodyPr wrap="none" rtlCol="0">
-            <a:spAutoFit/>
-          </a:bodyPr>
-          <a:lstStyle/>
-          <a:p>
-            <a:r>
-              <a:rPr lang="en-US" dirty="0"/>
-              <a:t>Glass Slide</a:t>
-            </a:r>
-          </a:p>
-        </p:txBody>
-      </p:sp>
-      <p:cxnSp>
-        <p:nvCxnSpPr>
-          <p:cNvPr id="16" name="Straight Arrow Connector 15">
-            <a:extLst>
-              <a:ext uri="{FF2B5EF4-FFF2-40B4-BE49-F238E27FC236}">
-                <a16:creationId xmlns:a16="http://schemas.microsoft.com/office/drawing/2014/main" id="{4755DC56-1522-7206-3DB0-80A4223B857C}"/>
-              </a:ext>
-            </a:extLst>
-          </p:cNvPr>
-          <p:cNvCxnSpPr>
-            <a:cxnSpLocks/>
-          </p:cNvCxnSpPr>
-          <p:nvPr/>
-        </p:nvCxnSpPr>
-        <p:spPr>
-          <a:xfrm flipH="1">
-            <a:off x="5144655" y="2027486"/>
-            <a:ext cx="1563347" cy="0"/>
-          </a:xfrm>
-          <a:prstGeom prst="straightConnector1">
-            <a:avLst/>
-          </a:prstGeom>
-          <a:ln w="25400">
-            <a:solidFill>
-              <a:schemeClr val="tx1"/>
-            </a:solidFill>
-            <a:tailEnd type="triangle"/>
-          </a:ln>
-        </p:spPr>
-        <p:style>
-          <a:lnRef idx="1">
-            <a:schemeClr val="accent1"/>
-          </a:lnRef>
-          <a:fillRef idx="0">
-            <a:schemeClr val="accent1"/>
-          </a:fillRef>
-          <a:effectRef idx="0">
-            <a:schemeClr val="accent1"/>
-          </a:effectRef>
-          <a:fontRef idx="minor">
-            <a:schemeClr val="tx1"/>
-          </a:fontRef>
-        </p:style>
-      </p:cxnSp>
-      <p:sp>
-        <p:nvSpPr>
-          <p:cNvPr id="18" name="TextBox 17">
-            <a:extLst>
-              <a:ext uri="{FF2B5EF4-FFF2-40B4-BE49-F238E27FC236}">
-                <a16:creationId xmlns:a16="http://schemas.microsoft.com/office/drawing/2014/main" id="{0BFB2801-13A5-4834-47C1-1730508A98AB}"/>
-              </a:ext>
-            </a:extLst>
-          </p:cNvPr>
-          <p:cNvSpPr txBox="1"/>
-          <p:nvPr/>
-        </p:nvSpPr>
-        <p:spPr>
-          <a:xfrm>
-            <a:off x="6708002" y="2383313"/>
-            <a:ext cx="3358483" cy="369332"/>
-          </a:xfrm>
-          <a:prstGeom prst="rect">
-            <a:avLst/>
-          </a:prstGeom>
-          <a:noFill/>
-          <a:ln w="25400">
-            <a:solidFill>
-              <a:schemeClr val="tx1"/>
-            </a:solidFill>
-          </a:ln>
-        </p:spPr>
-        <p:txBody>
-          <a:bodyPr wrap="none" rtlCol="0">
-            <a:spAutoFit/>
-          </a:bodyPr>
-          <a:lstStyle/>
-          <a:p>
-            <a:r>
-              <a:rPr lang="en-US" dirty="0"/>
-              <a:t>Maxi-Black Antireflective Material</a:t>
-            </a:r>
-          </a:p>
-        </p:txBody>
-      </p:sp>
-      <p:cxnSp>
-        <p:nvCxnSpPr>
-          <p:cNvPr id="19" name="Straight Arrow Connector 18">
-            <a:extLst>
-              <a:ext uri="{FF2B5EF4-FFF2-40B4-BE49-F238E27FC236}">
-                <a16:creationId xmlns:a16="http://schemas.microsoft.com/office/drawing/2014/main" id="{D354F4B7-9753-697C-1060-55FBC5872C1E}"/>
-              </a:ext>
-            </a:extLst>
-          </p:cNvPr>
-          <p:cNvCxnSpPr>
-            <a:cxnSpLocks/>
-          </p:cNvCxnSpPr>
-          <p:nvPr/>
-        </p:nvCxnSpPr>
-        <p:spPr>
-          <a:xfrm flipH="1">
-            <a:off x="5135145" y="2567979"/>
-            <a:ext cx="1563347" cy="0"/>
-          </a:xfrm>
-          <a:prstGeom prst="straightConnector1">
-            <a:avLst/>
-          </a:prstGeom>
-          <a:ln w="25400">
-            <a:solidFill>
-              <a:schemeClr val="tx1"/>
-            </a:solidFill>
-            <a:tailEnd type="triangle"/>
-          </a:ln>
-        </p:spPr>
-        <p:style>
-          <a:lnRef idx="1">
-            <a:schemeClr val="accent1"/>
-          </a:lnRef>
-          <a:fillRef idx="0">
-            <a:schemeClr val="accent1"/>
-          </a:fillRef>
-          <a:effectRef idx="0">
-            <a:schemeClr val="accent1"/>
-          </a:effectRef>
-          <a:fontRef idx="minor">
-            <a:schemeClr val="tx1"/>
-          </a:fontRef>
-        </p:style>
-      </p:cxnSp>
-      <p:sp>
-        <p:nvSpPr>
-          <p:cNvPr id="20" name="TextBox 19">
-            <a:extLst>
-              <a:ext uri="{FF2B5EF4-FFF2-40B4-BE49-F238E27FC236}">
-                <a16:creationId xmlns:a16="http://schemas.microsoft.com/office/drawing/2014/main" id="{59F95334-A13B-ECEA-C858-45065A3501EB}"/>
-              </a:ext>
-            </a:extLst>
-          </p:cNvPr>
-          <p:cNvSpPr txBox="1"/>
-          <p:nvPr/>
-        </p:nvSpPr>
-        <p:spPr>
-          <a:xfrm>
-            <a:off x="6708002" y="2923458"/>
-            <a:ext cx="3160352" cy="369332"/>
-          </a:xfrm>
-          <a:prstGeom prst="rect">
-            <a:avLst/>
-          </a:prstGeom>
-          <a:noFill/>
-          <a:ln w="25400">
-            <a:solidFill>
-              <a:schemeClr val="tx1"/>
-            </a:solidFill>
-          </a:ln>
-        </p:spPr>
-        <p:txBody>
-          <a:bodyPr wrap="none" rtlCol="0">
-            <a:spAutoFit/>
-          </a:bodyPr>
-          <a:lstStyle/>
-          <a:p>
-            <a:r>
-              <a:rPr lang="en-US" dirty="0"/>
-              <a:t>Hard Setting Potting Compound</a:t>
-            </a:r>
-          </a:p>
-        </p:txBody>
-      </p:sp>
-      <p:cxnSp>
-        <p:nvCxnSpPr>
-          <p:cNvPr id="21" name="Straight Arrow Connector 20">
-            <a:extLst>
-              <a:ext uri="{FF2B5EF4-FFF2-40B4-BE49-F238E27FC236}">
-                <a16:creationId xmlns:a16="http://schemas.microsoft.com/office/drawing/2014/main" id="{85332677-E9F3-810A-6604-AF537D7E9998}"/>
-              </a:ext>
-            </a:extLst>
-          </p:cNvPr>
-          <p:cNvCxnSpPr>
-            <a:cxnSpLocks/>
-          </p:cNvCxnSpPr>
-          <p:nvPr/>
-        </p:nvCxnSpPr>
-        <p:spPr>
-          <a:xfrm flipH="1" flipV="1">
-            <a:off x="5135145" y="3001818"/>
-            <a:ext cx="1572857" cy="106306"/>
-          </a:xfrm>
-          <a:prstGeom prst="straightConnector1">
-            <a:avLst/>
-          </a:prstGeom>
-          <a:ln w="25400">
-            <a:solidFill>
-              <a:schemeClr val="tx1"/>
-            </a:solidFill>
-            <a:tailEnd type="triangle"/>
-          </a:ln>
-        </p:spPr>
-        <p:style>
-          <a:lnRef idx="1">
-            <a:schemeClr val="accent1"/>
-          </a:lnRef>
-          <a:fillRef idx="0">
-            <a:schemeClr val="accent1"/>
-          </a:fillRef>
-          <a:effectRef idx="0">
-            <a:schemeClr val="accent1"/>
-          </a:effectRef>
-          <a:fontRef idx="minor">
-            <a:schemeClr val="tx1"/>
-          </a:fontRef>
-        </p:style>
-      </p:cxnSp>
-      <p:sp>
-        <p:nvSpPr>
-          <p:cNvPr id="23" name="TextBox 22">
-            <a:extLst>
-              <a:ext uri="{FF2B5EF4-FFF2-40B4-BE49-F238E27FC236}">
-                <a16:creationId xmlns:a16="http://schemas.microsoft.com/office/drawing/2014/main" id="{33B1A709-9D50-3AE9-EF62-AE888D1EAC55}"/>
-              </a:ext>
-            </a:extLst>
-          </p:cNvPr>
-          <p:cNvSpPr txBox="1"/>
-          <p:nvPr/>
-        </p:nvSpPr>
-        <p:spPr>
-          <a:xfrm>
-            <a:off x="6680399" y="3380545"/>
-            <a:ext cx="5511601" cy="369332"/>
-          </a:xfrm>
-          <a:prstGeom prst="rect">
-            <a:avLst/>
-          </a:prstGeom>
-          <a:noFill/>
-          <a:ln w="25400">
-            <a:solidFill>
-              <a:schemeClr val="tx1"/>
-            </a:solidFill>
-          </a:ln>
-        </p:spPr>
-        <p:txBody>
-          <a:bodyPr wrap="square" rtlCol="0">
-            <a:spAutoFit/>
-          </a:bodyPr>
-          <a:lstStyle/>
-          <a:p>
-            <a:r>
-              <a:rPr lang="en-US" dirty="0">
-                <a:solidFill>
-                  <a:srgbClr val="202124"/>
-                </a:solidFill>
-                <a:latin typeface="Google Sans"/>
-              </a:rPr>
-              <a:t>P</a:t>
-            </a:r>
-            <a:r>
-              <a:rPr lang="en-US" b="0" i="0" dirty="0">
-                <a:solidFill>
-                  <a:srgbClr val="202124"/>
-                </a:solidFill>
-                <a:effectLst/>
-                <a:latin typeface="Google Sans"/>
-              </a:rPr>
-              <a:t>ositive </a:t>
-            </a:r>
-            <a:r>
-              <a:rPr lang="en-US" dirty="0">
-                <a:solidFill>
-                  <a:srgbClr val="202124"/>
-                </a:solidFill>
-                <a:latin typeface="Google Sans"/>
-              </a:rPr>
-              <a:t>T</a:t>
-            </a:r>
-            <a:r>
-              <a:rPr lang="en-US" b="0" i="0" dirty="0">
-                <a:solidFill>
-                  <a:srgbClr val="202124"/>
-                </a:solidFill>
-                <a:effectLst/>
-                <a:latin typeface="Google Sans"/>
-              </a:rPr>
-              <a:t>emperature </a:t>
-            </a:r>
-            <a:r>
-              <a:rPr lang="en-US" dirty="0">
-                <a:solidFill>
-                  <a:srgbClr val="202124"/>
-                </a:solidFill>
-                <a:latin typeface="Google Sans"/>
-              </a:rPr>
-              <a:t>C</a:t>
-            </a:r>
-            <a:r>
-              <a:rPr lang="en-US" b="0" i="0" dirty="0">
-                <a:solidFill>
-                  <a:srgbClr val="202124"/>
-                </a:solidFill>
-                <a:effectLst/>
-                <a:latin typeface="Google Sans"/>
-              </a:rPr>
-              <a:t>oefficient</a:t>
-            </a:r>
-            <a:r>
-              <a:rPr lang="en-US" dirty="0"/>
-              <a:t> (PTC) Heating Element </a:t>
-            </a:r>
-          </a:p>
-        </p:txBody>
-      </p:sp>
-      <p:cxnSp>
-        <p:nvCxnSpPr>
-          <p:cNvPr id="24" name="Straight Arrow Connector 23">
-            <a:extLst>
-              <a:ext uri="{FF2B5EF4-FFF2-40B4-BE49-F238E27FC236}">
-                <a16:creationId xmlns:a16="http://schemas.microsoft.com/office/drawing/2014/main" id="{CED829AE-931D-8B98-EA44-EE48E662AFE6}"/>
-              </a:ext>
-            </a:extLst>
-          </p:cNvPr>
-          <p:cNvCxnSpPr>
-            <a:cxnSpLocks/>
-          </p:cNvCxnSpPr>
-          <p:nvPr/>
-        </p:nvCxnSpPr>
-        <p:spPr>
-          <a:xfrm flipH="1" flipV="1">
-            <a:off x="5015345" y="3380545"/>
-            <a:ext cx="1665055" cy="203565"/>
-          </a:xfrm>
-          <a:prstGeom prst="straightConnector1">
-            <a:avLst/>
-          </a:prstGeom>
-          <a:ln w="25400">
-            <a:solidFill>
-              <a:schemeClr val="tx1"/>
-            </a:solidFill>
-            <a:tailEnd type="triangle"/>
-          </a:ln>
-        </p:spPr>
-        <p:style>
-          <a:lnRef idx="1">
-            <a:schemeClr val="accent1"/>
-          </a:lnRef>
-          <a:fillRef idx="0">
-            <a:schemeClr val="accent1"/>
-          </a:fillRef>
-          <a:effectRef idx="0">
-            <a:schemeClr val="accent1"/>
-          </a:effectRef>
-          <a:fontRef idx="minor">
-            <a:schemeClr val="tx1"/>
-          </a:fontRef>
-        </p:style>
-      </p:cxnSp>
-      <p:sp>
-        <p:nvSpPr>
-          <p:cNvPr id="26" name="TextBox 25">
-            <a:extLst>
-              <a:ext uri="{FF2B5EF4-FFF2-40B4-BE49-F238E27FC236}">
-                <a16:creationId xmlns:a16="http://schemas.microsoft.com/office/drawing/2014/main" id="{557B4F83-45AC-2FAD-2966-EA9FFD2693D3}"/>
-              </a:ext>
-            </a:extLst>
-          </p:cNvPr>
-          <p:cNvSpPr txBox="1"/>
-          <p:nvPr/>
-        </p:nvSpPr>
-        <p:spPr>
-          <a:xfrm>
-            <a:off x="6680781" y="3837632"/>
-            <a:ext cx="4136517" cy="369332"/>
-          </a:xfrm>
-          <a:prstGeom prst="rect">
-            <a:avLst/>
-          </a:prstGeom>
-          <a:noFill/>
-          <a:ln w="25400">
-            <a:solidFill>
-              <a:schemeClr val="tx1"/>
-            </a:solidFill>
-          </a:ln>
-        </p:spPr>
-        <p:txBody>
-          <a:bodyPr wrap="none" rtlCol="0">
-            <a:spAutoFit/>
-          </a:bodyPr>
-          <a:lstStyle/>
-          <a:p>
-            <a:r>
-              <a:rPr lang="en-US" dirty="0"/>
-              <a:t>Pressure Plate Chamber Mount Magnetics</a:t>
-            </a:r>
-          </a:p>
-        </p:txBody>
-      </p:sp>
-      <p:cxnSp>
-        <p:nvCxnSpPr>
-          <p:cNvPr id="27" name="Straight Arrow Connector 26">
-            <a:extLst>
-              <a:ext uri="{FF2B5EF4-FFF2-40B4-BE49-F238E27FC236}">
-                <a16:creationId xmlns:a16="http://schemas.microsoft.com/office/drawing/2014/main" id="{1873F2D7-4EEF-C8DA-0CCE-BD5E8F999288}"/>
-              </a:ext>
-            </a:extLst>
-          </p:cNvPr>
-          <p:cNvCxnSpPr>
-            <a:cxnSpLocks/>
-          </p:cNvCxnSpPr>
-          <p:nvPr/>
-        </p:nvCxnSpPr>
-        <p:spPr>
-          <a:xfrm flipH="1">
-            <a:off x="4886036" y="4027997"/>
-            <a:ext cx="1794363" cy="72948"/>
-          </a:xfrm>
-          <a:prstGeom prst="straightConnector1">
-            <a:avLst/>
-          </a:prstGeom>
-          <a:ln w="25400">
-            <a:solidFill>
-              <a:schemeClr val="tx1"/>
-            </a:solidFill>
-            <a:tailEnd type="triangle"/>
-          </a:ln>
-        </p:spPr>
-        <p:style>
-          <a:lnRef idx="1">
-            <a:schemeClr val="accent1"/>
-          </a:lnRef>
-          <a:fillRef idx="0">
-            <a:schemeClr val="accent1"/>
-          </a:fillRef>
-          <a:effectRef idx="0">
-            <a:schemeClr val="accent1"/>
-          </a:effectRef>
-          <a:fontRef idx="minor">
-            <a:schemeClr val="tx1"/>
-          </a:fontRef>
-        </p:style>
-      </p:cxnSp>
-      <p:sp>
-        <p:nvSpPr>
-          <p:cNvPr id="30" name="TextBox 29">
-            <a:extLst>
-              <a:ext uri="{FF2B5EF4-FFF2-40B4-BE49-F238E27FC236}">
-                <a16:creationId xmlns:a16="http://schemas.microsoft.com/office/drawing/2014/main" id="{B54C1954-B182-E663-72B2-EC8706140D9E}"/>
-              </a:ext>
-            </a:extLst>
-          </p:cNvPr>
-          <p:cNvSpPr txBox="1"/>
-          <p:nvPr/>
-        </p:nvSpPr>
-        <p:spPr>
-          <a:xfrm>
-            <a:off x="6680781" y="4294719"/>
-            <a:ext cx="3536609" cy="369332"/>
-          </a:xfrm>
-          <a:prstGeom prst="rect">
-            <a:avLst/>
-          </a:prstGeom>
-          <a:noFill/>
-          <a:ln w="25400">
-            <a:solidFill>
-              <a:schemeClr val="tx1"/>
-            </a:solidFill>
-          </a:ln>
-        </p:spPr>
-        <p:txBody>
-          <a:bodyPr wrap="none" rtlCol="0">
-            <a:spAutoFit/>
-          </a:bodyPr>
-          <a:lstStyle/>
-          <a:p>
-            <a:r>
-              <a:rPr lang="en-US" dirty="0"/>
-              <a:t>Fluidic Device Stabilization Magnets</a:t>
-            </a:r>
-          </a:p>
-        </p:txBody>
-      </p:sp>
-      <p:cxnSp>
-        <p:nvCxnSpPr>
-          <p:cNvPr id="31" name="Straight Arrow Connector 30">
-            <a:extLst>
-              <a:ext uri="{FF2B5EF4-FFF2-40B4-BE49-F238E27FC236}">
-                <a16:creationId xmlns:a16="http://schemas.microsoft.com/office/drawing/2014/main" id="{4A0802F3-BB14-70BE-3877-0498B95A54AE}"/>
-              </a:ext>
-            </a:extLst>
-          </p:cNvPr>
-          <p:cNvCxnSpPr>
-            <a:cxnSpLocks/>
-          </p:cNvCxnSpPr>
-          <p:nvPr/>
-        </p:nvCxnSpPr>
-        <p:spPr>
-          <a:xfrm flipH="1" flipV="1">
-            <a:off x="4729018" y="4379065"/>
-            <a:ext cx="1951381" cy="91120"/>
-          </a:xfrm>
-          <a:prstGeom prst="straightConnector1">
-            <a:avLst/>
-          </a:prstGeom>
-          <a:ln w="25400">
-            <a:solidFill>
-              <a:schemeClr val="tx1"/>
-            </a:solidFill>
-            <a:tailEnd type="triangle"/>
-          </a:ln>
-        </p:spPr>
-        <p:style>
-          <a:lnRef idx="1">
-            <a:schemeClr val="accent1"/>
-          </a:lnRef>
-          <a:fillRef idx="0">
-            <a:schemeClr val="accent1"/>
-          </a:fillRef>
-          <a:effectRef idx="0">
-            <a:schemeClr val="accent1"/>
-          </a:effectRef>
-          <a:fontRef idx="minor">
-            <a:schemeClr val="tx1"/>
-          </a:fontRef>
-        </p:style>
-      </p:cxnSp>
-      <p:sp>
-        <p:nvSpPr>
-          <p:cNvPr id="33" name="TextBox 32">
-            <a:extLst>
-              <a:ext uri="{FF2B5EF4-FFF2-40B4-BE49-F238E27FC236}">
-                <a16:creationId xmlns:a16="http://schemas.microsoft.com/office/drawing/2014/main" id="{5A06274D-6AD9-93AF-A5F0-B63EEC81BC53}"/>
-              </a:ext>
-            </a:extLst>
-          </p:cNvPr>
-          <p:cNvSpPr txBox="1"/>
-          <p:nvPr/>
-        </p:nvSpPr>
-        <p:spPr>
-          <a:xfrm>
-            <a:off x="6708002" y="4774525"/>
-            <a:ext cx="2094035" cy="369332"/>
-          </a:xfrm>
-          <a:prstGeom prst="rect">
-            <a:avLst/>
-          </a:prstGeom>
-          <a:noFill/>
-          <a:ln w="25400">
-            <a:solidFill>
-              <a:schemeClr val="tx1"/>
-            </a:solidFill>
-          </a:ln>
-        </p:spPr>
-        <p:txBody>
-          <a:bodyPr wrap="none" rtlCol="0">
-            <a:spAutoFit/>
-          </a:bodyPr>
-          <a:lstStyle/>
-          <a:p>
-            <a:r>
-              <a:rPr lang="en-US" dirty="0"/>
-              <a:t>3D printed Chamber</a:t>
-            </a:r>
-          </a:p>
-        </p:txBody>
-      </p:sp>
-      <p:cxnSp>
-        <p:nvCxnSpPr>
-          <p:cNvPr id="34" name="Straight Arrow Connector 33">
-            <a:extLst>
-              <a:ext uri="{FF2B5EF4-FFF2-40B4-BE49-F238E27FC236}">
-                <a16:creationId xmlns:a16="http://schemas.microsoft.com/office/drawing/2014/main" id="{183648C4-B8C3-8863-C21C-1BD0A36F9C71}"/>
-              </a:ext>
-            </a:extLst>
-          </p:cNvPr>
-          <p:cNvCxnSpPr>
-            <a:cxnSpLocks/>
-          </p:cNvCxnSpPr>
-          <p:nvPr/>
-        </p:nvCxnSpPr>
-        <p:spPr>
-          <a:xfrm flipH="1" flipV="1">
-            <a:off x="5052343" y="4774525"/>
-            <a:ext cx="1665055" cy="203565"/>
-          </a:xfrm>
-          <a:prstGeom prst="straightConnector1">
-            <a:avLst/>
-          </a:prstGeom>
-          <a:ln w="25400">
-            <a:solidFill>
-              <a:schemeClr val="tx1"/>
-            </a:solidFill>
-            <a:tailEnd type="triangle"/>
-          </a:ln>
-        </p:spPr>
-        <p:style>
-          <a:lnRef idx="1">
-            <a:schemeClr val="accent1"/>
-          </a:lnRef>
-          <a:fillRef idx="0">
-            <a:schemeClr val="accent1"/>
-          </a:fillRef>
-          <a:effectRef idx="0">
-            <a:schemeClr val="accent1"/>
-          </a:effectRef>
-          <a:fontRef idx="minor">
-            <a:schemeClr val="tx1"/>
-          </a:fontRef>
-        </p:style>
-      </p:cxnSp>
-      <p:sp>
-        <p:nvSpPr>
-          <p:cNvPr id="35" name="TextBox 34">
-            <a:extLst>
-              <a:ext uri="{FF2B5EF4-FFF2-40B4-BE49-F238E27FC236}">
-                <a16:creationId xmlns:a16="http://schemas.microsoft.com/office/drawing/2014/main" id="{BAADD0B5-3051-82E3-7FD0-CF80F38334AD}"/>
-              </a:ext>
-            </a:extLst>
-          </p:cNvPr>
-          <p:cNvSpPr txBox="1"/>
-          <p:nvPr/>
-        </p:nvSpPr>
-        <p:spPr>
-          <a:xfrm>
-            <a:off x="6730102" y="5254144"/>
-            <a:ext cx="3044103" cy="369332"/>
-          </a:xfrm>
-          <a:prstGeom prst="rect">
-            <a:avLst/>
-          </a:prstGeom>
-          <a:noFill/>
-          <a:ln w="25400">
-            <a:solidFill>
-              <a:schemeClr val="tx1"/>
-            </a:solidFill>
-          </a:ln>
-        </p:spPr>
-        <p:txBody>
-          <a:bodyPr wrap="none" rtlCol="0">
-            <a:spAutoFit/>
-          </a:bodyPr>
-          <a:lstStyle/>
-          <a:p>
-            <a:r>
-              <a:rPr lang="en-US" dirty="0"/>
-              <a:t>M6 Mounting Machine Screws</a:t>
-            </a:r>
-          </a:p>
-        </p:txBody>
-      </p:sp>
-      <p:cxnSp>
-        <p:nvCxnSpPr>
-          <p:cNvPr id="36" name="Straight Arrow Connector 35">
-            <a:extLst>
-              <a:ext uri="{FF2B5EF4-FFF2-40B4-BE49-F238E27FC236}">
-                <a16:creationId xmlns:a16="http://schemas.microsoft.com/office/drawing/2014/main" id="{832F23A3-D45A-9538-6CF1-90562A706912}"/>
-              </a:ext>
-            </a:extLst>
-          </p:cNvPr>
-          <p:cNvCxnSpPr>
-            <a:cxnSpLocks/>
-            <a:stCxn id="35" idx="1"/>
-          </p:cNvCxnSpPr>
-          <p:nvPr/>
-        </p:nvCxnSpPr>
-        <p:spPr>
-          <a:xfrm flipH="1" flipV="1">
-            <a:off x="4798343" y="5319140"/>
-            <a:ext cx="1931759" cy="119670"/>
-          </a:xfrm>
-          <a:prstGeom prst="straightConnector1">
-            <a:avLst/>
-          </a:prstGeom>
-          <a:ln w="25400">
-            <a:solidFill>
-              <a:schemeClr val="tx1"/>
-            </a:solidFill>
-            <a:tailEnd type="triangle"/>
-          </a:ln>
-        </p:spPr>
-        <p:style>
-          <a:lnRef idx="1">
-            <a:schemeClr val="accent1"/>
-          </a:lnRef>
-          <a:fillRef idx="0">
-            <a:schemeClr val="accent1"/>
-          </a:fillRef>
-          <a:effectRef idx="0">
-            <a:schemeClr val="accent1"/>
-          </a:effectRef>
-          <a:fontRef idx="minor">
-            <a:schemeClr val="tx1"/>
-          </a:fontRef>
-        </p:style>
-      </p:cxnSp>
-      <p:sp>
-        <p:nvSpPr>
-          <p:cNvPr id="38" name="TextBox 37">
-            <a:extLst>
-              <a:ext uri="{FF2B5EF4-FFF2-40B4-BE49-F238E27FC236}">
-                <a16:creationId xmlns:a16="http://schemas.microsoft.com/office/drawing/2014/main" id="{E1DF849C-0180-0220-139E-4FC7FC68201B}"/>
-              </a:ext>
-            </a:extLst>
-          </p:cNvPr>
-          <p:cNvSpPr txBox="1"/>
-          <p:nvPr/>
-        </p:nvSpPr>
-        <p:spPr>
-          <a:xfrm>
-            <a:off x="6766126" y="5814590"/>
-            <a:ext cx="1045543" cy="369332"/>
-          </a:xfrm>
-          <a:prstGeom prst="rect">
-            <a:avLst/>
-          </a:prstGeom>
-          <a:noFill/>
-          <a:ln w="25400">
-            <a:solidFill>
-              <a:schemeClr val="tx1"/>
-            </a:solidFill>
-          </a:ln>
-        </p:spPr>
-        <p:txBody>
-          <a:bodyPr wrap="none" rtlCol="0">
-            <a:spAutoFit/>
-          </a:bodyPr>
-          <a:lstStyle/>
-          <a:p>
-            <a:r>
-              <a:rPr lang="en-US" dirty="0"/>
-              <a:t>Tilt Stage</a:t>
-            </a:r>
-          </a:p>
-        </p:txBody>
-      </p:sp>
-      <p:cxnSp>
-        <p:nvCxnSpPr>
-          <p:cNvPr id="39" name="Straight Arrow Connector 38">
-            <a:extLst>
-              <a:ext uri="{FF2B5EF4-FFF2-40B4-BE49-F238E27FC236}">
-                <a16:creationId xmlns:a16="http://schemas.microsoft.com/office/drawing/2014/main" id="{BDAB0EC2-AB9E-6D56-51A4-FF3369B0DDBB}"/>
-              </a:ext>
-            </a:extLst>
-          </p:cNvPr>
-          <p:cNvCxnSpPr>
-            <a:cxnSpLocks/>
-          </p:cNvCxnSpPr>
-          <p:nvPr/>
-        </p:nvCxnSpPr>
-        <p:spPr>
-          <a:xfrm flipH="1" flipV="1">
-            <a:off x="5015345" y="5964526"/>
-            <a:ext cx="1743510" cy="71578"/>
-          </a:xfrm>
-          <a:prstGeom prst="straightConnector1">
-            <a:avLst/>
-          </a:prstGeom>
-          <a:ln w="25400">
-            <a:solidFill>
-              <a:schemeClr val="tx1"/>
-            </a:solidFill>
-            <a:tailEnd type="triangle"/>
-          </a:ln>
-        </p:spPr>
-        <p:style>
-          <a:lnRef idx="1">
-            <a:schemeClr val="accent1"/>
-          </a:lnRef>
-          <a:fillRef idx="0">
-            <a:schemeClr val="accent1"/>
-          </a:fillRef>
-          <a:effectRef idx="0">
-            <a:schemeClr val="accent1"/>
-          </a:effectRef>
-          <a:fontRef idx="minor">
-            <a:schemeClr val="tx1"/>
-          </a:fontRef>
-        </p:style>
-      </p:cxnSp>
-    </p:spTree>
-    <p:extLst>
-      <p:ext uri="{BB962C8B-B14F-4D97-AF65-F5344CB8AC3E}">
-        <p14:creationId xmlns:p14="http://schemas.microsoft.com/office/powerpoint/2010/main" val="1181780595"/>
-      </p:ext>
-    </p:extLst>
-  </p:cSld>
-  <p:clrMapOvr>
-    <a:masterClrMapping/>
-  </p:clrMapOvr>
-</p:sld>
-</file>
-
-<file path=ppt/slides/slide4.xml><?xml version="1.0" encoding="utf-8"?>
-<p:sld xmlns:a="http://schemas.openxmlformats.org/drawingml/2006/main" xmlns:r="http://schemas.openxmlformats.org/officeDocument/2006/relationships" xmlns:p="http://schemas.openxmlformats.org/presentationml/2006/main">
-  <p:cSld>
-    <p:spTree>
-      <p:nvGrpSpPr>
-        <p:cNvPr id="1" name=""/>
-        <p:cNvGrpSpPr/>
-        <p:nvPr/>
-      </p:nvGrpSpPr>
-      <p:grpSpPr>
-        <a:xfrm>
-          <a:off x="0" y="0"/>
-          <a:ext cx="0" cy="0"/>
-          <a:chOff x="0" y="0"/>
-          <a:chExt cx="0" cy="0"/>
-        </a:xfrm>
-      </p:grpSpPr>
       <p:sp>
         <p:nvSpPr>
           <p:cNvPr id="66" name="Rectangle: Single Corner Rounded 65">
@@ -5172,7 +4043,7 @@
             <a:avLst/>
           </a:prstGeom>
           <a:solidFill>
-            <a:srgbClr val="F018D1"/>
+            <a:schemeClr val="tx1"/>
           </a:solidFill>
           <a:ln>
             <a:noFill/>
@@ -5224,7 +4095,7 @@
             <a:avLst/>
           </a:prstGeom>
           <a:solidFill>
-            <a:srgbClr val="F018D1"/>
+            <a:schemeClr val="tx1"/>
           </a:solidFill>
           <a:ln>
             <a:noFill/>
@@ -6027,7 +4898,7 @@
             <a:avLst/>
           </a:prstGeom>
           <a:solidFill>
-            <a:srgbClr val="F018D1"/>
+            <a:schemeClr val="tx1"/>
           </a:solidFill>
           <a:ln>
             <a:noFill/>
@@ -6133,7 +5004,7 @@
             <a:avLst/>
           </a:prstGeom>
           <a:solidFill>
-            <a:srgbClr val="F018D1"/>
+            <a:schemeClr val="tx1"/>
           </a:solidFill>
           <a:ln>
             <a:noFill/>
@@ -6774,7 +5645,7 @@
           <a:p>
             <a:r>
               <a:rPr lang="en-US" dirty="0"/>
-              <a:t>3D Printed Pressure Plate</a:t>
+              <a:t>Anodized Al Pressure Plate</a:t>
             </a:r>
           </a:p>
         </p:txBody>
@@ -8145,6 +7016,3074 @@
     <p:extLst>
       <p:ext uri="{BB962C8B-B14F-4D97-AF65-F5344CB8AC3E}">
         <p14:creationId xmlns:p14="http://schemas.microsoft.com/office/powerpoint/2010/main" val="1163728604"/>
+      </p:ext>
+    </p:extLst>
+  </p:cSld>
+  <p:clrMapOvr>
+    <a:masterClrMapping/>
+  </p:clrMapOvr>
+</p:sld>
+</file>
+
+<file path=ppt/slides/slide4.xml><?xml version="1.0" encoding="utf-8"?>
+<p:sld xmlns:a="http://schemas.openxmlformats.org/drawingml/2006/main" xmlns:r="http://schemas.openxmlformats.org/officeDocument/2006/relationships" xmlns:p="http://schemas.openxmlformats.org/presentationml/2006/main">
+  <p:cSld>
+    <p:spTree>
+      <p:nvGrpSpPr>
+        <p:cNvPr id="1" name=""/>
+        <p:cNvGrpSpPr/>
+        <p:nvPr/>
+      </p:nvGrpSpPr>
+      <p:grpSpPr>
+        <a:xfrm>
+          <a:off x="0" y="0"/>
+          <a:ext cx="0" cy="0"/>
+          <a:chOff x="0" y="0"/>
+          <a:chExt cx="0" cy="0"/>
+        </a:xfrm>
+      </p:grpSpPr>
+      <p:sp>
+        <p:nvSpPr>
+          <p:cNvPr id="66" name="Rectangle: Single Corner Rounded 65">
+            <a:extLst>
+              <a:ext uri="{FF2B5EF4-FFF2-40B4-BE49-F238E27FC236}">
+                <a16:creationId xmlns:a16="http://schemas.microsoft.com/office/drawing/2014/main" id="{3279F07F-11B2-01B2-D12E-630E29625AD4}"/>
+              </a:ext>
+            </a:extLst>
+          </p:cNvPr>
+          <p:cNvSpPr/>
+          <p:nvPr/>
+        </p:nvSpPr>
+        <p:spPr>
+          <a:xfrm>
+            <a:off x="1708456" y="1821262"/>
+            <a:ext cx="8608736" cy="1645577"/>
+          </a:xfrm>
+          <a:prstGeom prst="round1Rect">
+            <a:avLst/>
+          </a:prstGeom>
+          <a:solidFill>
+            <a:schemeClr val="accent1">
+              <a:lumMod val="75000"/>
+              <a:alpha val="62000"/>
+            </a:schemeClr>
+          </a:solidFill>
+          <a:ln>
+            <a:noFill/>
+          </a:ln>
+        </p:spPr>
+        <p:style>
+          <a:lnRef idx="2">
+            <a:schemeClr val="accent1">
+              <a:shade val="50000"/>
+            </a:schemeClr>
+          </a:lnRef>
+          <a:fillRef idx="1">
+            <a:schemeClr val="accent1"/>
+          </a:fillRef>
+          <a:effectRef idx="0">
+            <a:schemeClr val="accent1"/>
+          </a:effectRef>
+          <a:fontRef idx="minor">
+            <a:schemeClr val="lt1"/>
+          </a:fontRef>
+        </p:style>
+        <p:txBody>
+          <a:bodyPr rtlCol="0" anchor="ctr"/>
+          <a:lstStyle/>
+          <a:p>
+            <a:pPr algn="ctr"/>
+            <a:endParaRPr lang="en-US"/>
+          </a:p>
+        </p:txBody>
+      </p:sp>
+      <p:sp>
+        <p:nvSpPr>
+          <p:cNvPr id="29" name="Rectangle 28">
+            <a:extLst>
+              <a:ext uri="{FF2B5EF4-FFF2-40B4-BE49-F238E27FC236}">
+                <a16:creationId xmlns:a16="http://schemas.microsoft.com/office/drawing/2014/main" id="{5E1027B0-2E43-9018-542E-257133793AF9}"/>
+              </a:ext>
+            </a:extLst>
+          </p:cNvPr>
+          <p:cNvSpPr/>
+          <p:nvPr/>
+        </p:nvSpPr>
+        <p:spPr>
+          <a:xfrm>
+            <a:off x="517192" y="4379735"/>
+            <a:ext cx="11065251" cy="1018308"/>
+          </a:xfrm>
+          <a:prstGeom prst="rect">
+            <a:avLst/>
+          </a:prstGeom>
+          <a:solidFill>
+            <a:srgbClr val="F018D1"/>
+          </a:solidFill>
+          <a:ln>
+            <a:noFill/>
+          </a:ln>
+        </p:spPr>
+        <p:style>
+          <a:lnRef idx="2">
+            <a:schemeClr val="accent1">
+              <a:shade val="50000"/>
+            </a:schemeClr>
+          </a:lnRef>
+          <a:fillRef idx="1">
+            <a:schemeClr val="accent1"/>
+          </a:fillRef>
+          <a:effectRef idx="0">
+            <a:schemeClr val="accent1"/>
+          </a:effectRef>
+          <a:fontRef idx="minor">
+            <a:schemeClr val="lt1"/>
+          </a:fontRef>
+        </p:style>
+        <p:txBody>
+          <a:bodyPr rtlCol="0" anchor="ctr"/>
+          <a:lstStyle/>
+          <a:p>
+            <a:pPr algn="ctr"/>
+            <a:endParaRPr lang="en-US"/>
+          </a:p>
+        </p:txBody>
+      </p:sp>
+      <p:sp>
+        <p:nvSpPr>
+          <p:cNvPr id="23" name="Rectangle 22">
+            <a:extLst>
+              <a:ext uri="{FF2B5EF4-FFF2-40B4-BE49-F238E27FC236}">
+                <a16:creationId xmlns:a16="http://schemas.microsoft.com/office/drawing/2014/main" id="{A19AF8FE-BE47-DE20-9C7A-A4BE6EB82AD5}"/>
+              </a:ext>
+            </a:extLst>
+          </p:cNvPr>
+          <p:cNvSpPr/>
+          <p:nvPr/>
+        </p:nvSpPr>
+        <p:spPr>
+          <a:xfrm>
+            <a:off x="9910695" y="1200183"/>
+            <a:ext cx="665192" cy="2349498"/>
+          </a:xfrm>
+          <a:prstGeom prst="rect">
+            <a:avLst/>
+          </a:prstGeom>
+          <a:solidFill>
+            <a:schemeClr val="tx1"/>
+          </a:solidFill>
+          <a:ln>
+            <a:noFill/>
+          </a:ln>
+        </p:spPr>
+        <p:style>
+          <a:lnRef idx="2">
+            <a:schemeClr val="accent1">
+              <a:shade val="50000"/>
+            </a:schemeClr>
+          </a:lnRef>
+          <a:fillRef idx="1">
+            <a:schemeClr val="accent1"/>
+          </a:fillRef>
+          <a:effectRef idx="0">
+            <a:schemeClr val="accent1"/>
+          </a:effectRef>
+          <a:fontRef idx="minor">
+            <a:schemeClr val="lt1"/>
+          </a:fontRef>
+        </p:style>
+        <p:txBody>
+          <a:bodyPr rtlCol="0" anchor="ctr"/>
+          <a:lstStyle/>
+          <a:p>
+            <a:pPr algn="ctr"/>
+            <a:endParaRPr lang="en-US"/>
+          </a:p>
+        </p:txBody>
+      </p:sp>
+      <p:sp>
+        <p:nvSpPr>
+          <p:cNvPr id="22" name="Rectangle 21">
+            <a:extLst>
+              <a:ext uri="{FF2B5EF4-FFF2-40B4-BE49-F238E27FC236}">
+                <a16:creationId xmlns:a16="http://schemas.microsoft.com/office/drawing/2014/main" id="{6FAC5AE9-24B5-BEF3-D108-865EB3D7F36F}"/>
+              </a:ext>
+            </a:extLst>
+          </p:cNvPr>
+          <p:cNvSpPr/>
+          <p:nvPr/>
+        </p:nvSpPr>
+        <p:spPr>
+          <a:xfrm>
+            <a:off x="1221118" y="1178791"/>
+            <a:ext cx="665192" cy="2349499"/>
+          </a:xfrm>
+          <a:prstGeom prst="rect">
+            <a:avLst/>
+          </a:prstGeom>
+          <a:solidFill>
+            <a:schemeClr val="tx1"/>
+          </a:solidFill>
+          <a:ln>
+            <a:noFill/>
+          </a:ln>
+        </p:spPr>
+        <p:style>
+          <a:lnRef idx="2">
+            <a:schemeClr val="accent1">
+              <a:shade val="50000"/>
+            </a:schemeClr>
+          </a:lnRef>
+          <a:fillRef idx="1">
+            <a:schemeClr val="accent1"/>
+          </a:fillRef>
+          <a:effectRef idx="0">
+            <a:schemeClr val="accent1"/>
+          </a:effectRef>
+          <a:fontRef idx="minor">
+            <a:schemeClr val="lt1"/>
+          </a:fontRef>
+        </p:style>
+        <p:txBody>
+          <a:bodyPr rtlCol="0" anchor="ctr"/>
+          <a:lstStyle/>
+          <a:p>
+            <a:pPr algn="ctr"/>
+            <a:endParaRPr lang="en-US"/>
+          </a:p>
+        </p:txBody>
+      </p:sp>
+      <p:sp>
+        <p:nvSpPr>
+          <p:cNvPr id="4" name="Rectangle 3">
+            <a:extLst>
+              <a:ext uri="{FF2B5EF4-FFF2-40B4-BE49-F238E27FC236}">
+                <a16:creationId xmlns:a16="http://schemas.microsoft.com/office/drawing/2014/main" id="{304C9F8A-C115-B4D9-1346-10BC85953CF1}"/>
+              </a:ext>
+            </a:extLst>
+          </p:cNvPr>
+          <p:cNvSpPr/>
+          <p:nvPr/>
+        </p:nvSpPr>
+        <p:spPr>
+          <a:xfrm>
+            <a:off x="1874808" y="3429000"/>
+            <a:ext cx="8054631" cy="237226"/>
+          </a:xfrm>
+          <a:prstGeom prst="rect">
+            <a:avLst/>
+          </a:prstGeom>
+          <a:pattFill prst="dkUpDiag">
+            <a:fgClr>
+              <a:srgbClr val="00B0F0"/>
+            </a:fgClr>
+            <a:bgClr>
+              <a:schemeClr val="bg1"/>
+            </a:bgClr>
+          </a:pattFill>
+          <a:ln>
+            <a:noFill/>
+          </a:ln>
+        </p:spPr>
+        <p:style>
+          <a:lnRef idx="2">
+            <a:schemeClr val="accent1">
+              <a:shade val="50000"/>
+            </a:schemeClr>
+          </a:lnRef>
+          <a:fillRef idx="1">
+            <a:schemeClr val="accent1"/>
+          </a:fillRef>
+          <a:effectRef idx="0">
+            <a:schemeClr val="accent1"/>
+          </a:effectRef>
+          <a:fontRef idx="minor">
+            <a:schemeClr val="lt1"/>
+          </a:fontRef>
+        </p:style>
+        <p:txBody>
+          <a:bodyPr rtlCol="0" anchor="ctr"/>
+          <a:lstStyle/>
+          <a:p>
+            <a:pPr algn="ctr"/>
+            <a:endParaRPr lang="en-US"/>
+          </a:p>
+        </p:txBody>
+      </p:sp>
+      <p:sp>
+        <p:nvSpPr>
+          <p:cNvPr id="5" name="Freeform: Shape 4">
+            <a:extLst>
+              <a:ext uri="{FF2B5EF4-FFF2-40B4-BE49-F238E27FC236}">
+                <a16:creationId xmlns:a16="http://schemas.microsoft.com/office/drawing/2014/main" id="{F81A8FB4-9046-0C05-0815-CC8FB8D239DF}"/>
+              </a:ext>
+            </a:extLst>
+          </p:cNvPr>
+          <p:cNvSpPr/>
+          <p:nvPr/>
+        </p:nvSpPr>
+        <p:spPr>
+          <a:xfrm>
+            <a:off x="5089236" y="3281218"/>
+            <a:ext cx="1782619" cy="147782"/>
+          </a:xfrm>
+          <a:custGeom>
+            <a:avLst/>
+            <a:gdLst>
+              <a:gd name="connsiteX0" fmla="*/ 0 w 1782619"/>
+              <a:gd name="connsiteY0" fmla="*/ 147782 h 147782"/>
+              <a:gd name="connsiteX1" fmla="*/ 46182 w 1782619"/>
+              <a:gd name="connsiteY1" fmla="*/ 129309 h 147782"/>
+              <a:gd name="connsiteX2" fmla="*/ 101600 w 1782619"/>
+              <a:gd name="connsiteY2" fmla="*/ 110836 h 147782"/>
+              <a:gd name="connsiteX3" fmla="*/ 138546 w 1782619"/>
+              <a:gd name="connsiteY3" fmla="*/ 92363 h 147782"/>
+              <a:gd name="connsiteX4" fmla="*/ 147782 w 1782619"/>
+              <a:gd name="connsiteY4" fmla="*/ 64654 h 147782"/>
+              <a:gd name="connsiteX5" fmla="*/ 212437 w 1782619"/>
+              <a:gd name="connsiteY5" fmla="*/ 36945 h 147782"/>
+              <a:gd name="connsiteX6" fmla="*/ 249382 w 1782619"/>
+              <a:gd name="connsiteY6" fmla="*/ 46182 h 147782"/>
+              <a:gd name="connsiteX7" fmla="*/ 277091 w 1782619"/>
+              <a:gd name="connsiteY7" fmla="*/ 73891 h 147782"/>
+              <a:gd name="connsiteX8" fmla="*/ 563419 w 1782619"/>
+              <a:gd name="connsiteY8" fmla="*/ 55418 h 147782"/>
+              <a:gd name="connsiteX9" fmla="*/ 923637 w 1782619"/>
+              <a:gd name="connsiteY9" fmla="*/ 55418 h 147782"/>
+              <a:gd name="connsiteX10" fmla="*/ 1182255 w 1782619"/>
+              <a:gd name="connsiteY10" fmla="*/ 46182 h 147782"/>
+              <a:gd name="connsiteX11" fmla="*/ 1246909 w 1782619"/>
+              <a:gd name="connsiteY11" fmla="*/ 36945 h 147782"/>
+              <a:gd name="connsiteX12" fmla="*/ 1357746 w 1782619"/>
+              <a:gd name="connsiteY12" fmla="*/ 18472 h 147782"/>
+              <a:gd name="connsiteX13" fmla="*/ 1487055 w 1782619"/>
+              <a:gd name="connsiteY13" fmla="*/ 0 h 147782"/>
+              <a:gd name="connsiteX14" fmla="*/ 1570182 w 1782619"/>
+              <a:gd name="connsiteY14" fmla="*/ 18472 h 147782"/>
+              <a:gd name="connsiteX15" fmla="*/ 1616364 w 1782619"/>
+              <a:gd name="connsiteY15" fmla="*/ 46182 h 147782"/>
+              <a:gd name="connsiteX16" fmla="*/ 1671782 w 1782619"/>
+              <a:gd name="connsiteY16" fmla="*/ 73891 h 147782"/>
+              <a:gd name="connsiteX17" fmla="*/ 1727200 w 1782619"/>
+              <a:gd name="connsiteY17" fmla="*/ 92363 h 147782"/>
+              <a:gd name="connsiteX18" fmla="*/ 1782619 w 1782619"/>
+              <a:gd name="connsiteY18" fmla="*/ 147782 h 147782"/>
+            </a:gdLst>
+            <a:ahLst/>
+            <a:cxnLst>
+              <a:cxn ang="0">
+                <a:pos x="connsiteX0" y="connsiteY0"/>
+              </a:cxn>
+              <a:cxn ang="0">
+                <a:pos x="connsiteX1" y="connsiteY1"/>
+              </a:cxn>
+              <a:cxn ang="0">
+                <a:pos x="connsiteX2" y="connsiteY2"/>
+              </a:cxn>
+              <a:cxn ang="0">
+                <a:pos x="connsiteX3" y="connsiteY3"/>
+              </a:cxn>
+              <a:cxn ang="0">
+                <a:pos x="connsiteX4" y="connsiteY4"/>
+              </a:cxn>
+              <a:cxn ang="0">
+                <a:pos x="connsiteX5" y="connsiteY5"/>
+              </a:cxn>
+              <a:cxn ang="0">
+                <a:pos x="connsiteX6" y="connsiteY6"/>
+              </a:cxn>
+              <a:cxn ang="0">
+                <a:pos x="connsiteX7" y="connsiteY7"/>
+              </a:cxn>
+              <a:cxn ang="0">
+                <a:pos x="connsiteX8" y="connsiteY8"/>
+              </a:cxn>
+              <a:cxn ang="0">
+                <a:pos x="connsiteX9" y="connsiteY9"/>
+              </a:cxn>
+              <a:cxn ang="0">
+                <a:pos x="connsiteX10" y="connsiteY10"/>
+              </a:cxn>
+              <a:cxn ang="0">
+                <a:pos x="connsiteX11" y="connsiteY11"/>
+              </a:cxn>
+              <a:cxn ang="0">
+                <a:pos x="connsiteX12" y="connsiteY12"/>
+              </a:cxn>
+              <a:cxn ang="0">
+                <a:pos x="connsiteX13" y="connsiteY13"/>
+              </a:cxn>
+              <a:cxn ang="0">
+                <a:pos x="connsiteX14" y="connsiteY14"/>
+              </a:cxn>
+              <a:cxn ang="0">
+                <a:pos x="connsiteX15" y="connsiteY15"/>
+              </a:cxn>
+              <a:cxn ang="0">
+                <a:pos x="connsiteX16" y="connsiteY16"/>
+              </a:cxn>
+              <a:cxn ang="0">
+                <a:pos x="connsiteX17" y="connsiteY17"/>
+              </a:cxn>
+              <a:cxn ang="0">
+                <a:pos x="connsiteX18" y="connsiteY18"/>
+              </a:cxn>
+            </a:cxnLst>
+            <a:rect l="l" t="t" r="r" b="b"/>
+            <a:pathLst>
+              <a:path w="1782619" h="147782">
+                <a:moveTo>
+                  <a:pt x="0" y="147782"/>
+                </a:moveTo>
+                <a:cubicBezTo>
+                  <a:pt x="15394" y="141624"/>
+                  <a:pt x="30600" y="134975"/>
+                  <a:pt x="46182" y="129309"/>
+                </a:cubicBezTo>
+                <a:cubicBezTo>
+                  <a:pt x="64482" y="122655"/>
+                  <a:pt x="83521" y="118068"/>
+                  <a:pt x="101600" y="110836"/>
+                </a:cubicBezTo>
+                <a:cubicBezTo>
+                  <a:pt x="114384" y="105722"/>
+                  <a:pt x="126231" y="98521"/>
+                  <a:pt x="138546" y="92363"/>
+                </a:cubicBezTo>
+                <a:cubicBezTo>
+                  <a:pt x="141625" y="83127"/>
+                  <a:pt x="141700" y="72256"/>
+                  <a:pt x="147782" y="64654"/>
+                </a:cubicBezTo>
+                <a:cubicBezTo>
+                  <a:pt x="163727" y="44722"/>
+                  <a:pt x="190254" y="42491"/>
+                  <a:pt x="212437" y="36945"/>
+                </a:cubicBezTo>
+                <a:cubicBezTo>
+                  <a:pt x="224752" y="40024"/>
+                  <a:pt x="238361" y="39884"/>
+                  <a:pt x="249382" y="46182"/>
+                </a:cubicBezTo>
+                <a:cubicBezTo>
+                  <a:pt x="260723" y="52663"/>
+                  <a:pt x="264082" y="72708"/>
+                  <a:pt x="277091" y="73891"/>
+                </a:cubicBezTo>
+                <a:cubicBezTo>
+                  <a:pt x="314529" y="77294"/>
+                  <a:pt x="505011" y="60285"/>
+                  <a:pt x="563419" y="55418"/>
+                </a:cubicBezTo>
+                <a:cubicBezTo>
+                  <a:pt x="729938" y="27666"/>
+                  <a:pt x="541297" y="55418"/>
+                  <a:pt x="923637" y="55418"/>
+                </a:cubicBezTo>
+                <a:cubicBezTo>
+                  <a:pt x="1009898" y="55418"/>
+                  <a:pt x="1096049" y="49261"/>
+                  <a:pt x="1182255" y="46182"/>
+                </a:cubicBezTo>
+                <a:lnTo>
+                  <a:pt x="1246909" y="36945"/>
+                </a:lnTo>
+                <a:cubicBezTo>
+                  <a:pt x="1283906" y="31103"/>
+                  <a:pt x="1320667" y="23769"/>
+                  <a:pt x="1357746" y="18472"/>
+                </a:cubicBezTo>
+                <a:cubicBezTo>
+                  <a:pt x="1511339" y="-3470"/>
+                  <a:pt x="1382642" y="20882"/>
+                  <a:pt x="1487055" y="0"/>
+                </a:cubicBezTo>
+                <a:cubicBezTo>
+                  <a:pt x="1514764" y="6157"/>
+                  <a:pt x="1543451" y="8925"/>
+                  <a:pt x="1570182" y="18472"/>
+                </a:cubicBezTo>
+                <a:cubicBezTo>
+                  <a:pt x="1587089" y="24510"/>
+                  <a:pt x="1600604" y="37585"/>
+                  <a:pt x="1616364" y="46182"/>
+                </a:cubicBezTo>
+                <a:cubicBezTo>
+                  <a:pt x="1634495" y="56072"/>
+                  <a:pt x="1652718" y="65948"/>
+                  <a:pt x="1671782" y="73891"/>
+                </a:cubicBezTo>
+                <a:cubicBezTo>
+                  <a:pt x="1689756" y="81380"/>
+                  <a:pt x="1727200" y="92363"/>
+                  <a:pt x="1727200" y="92363"/>
+                </a:cubicBezTo>
+                <a:cubicBezTo>
+                  <a:pt x="1773027" y="126733"/>
+                  <a:pt x="1755607" y="107263"/>
+                  <a:pt x="1782619" y="147782"/>
+                </a:cubicBezTo>
+              </a:path>
+            </a:pathLst>
+          </a:custGeom>
+          <a:solidFill>
+            <a:schemeClr val="accent2">
+              <a:lumMod val="40000"/>
+              <a:lumOff val="60000"/>
+            </a:schemeClr>
+          </a:solidFill>
+          <a:ln>
+            <a:noFill/>
+          </a:ln>
+        </p:spPr>
+        <p:style>
+          <a:lnRef idx="2">
+            <a:schemeClr val="accent1">
+              <a:shade val="50000"/>
+            </a:schemeClr>
+          </a:lnRef>
+          <a:fillRef idx="1">
+            <a:schemeClr val="accent1"/>
+          </a:fillRef>
+          <a:effectRef idx="0">
+            <a:schemeClr val="accent1"/>
+          </a:effectRef>
+          <a:fontRef idx="minor">
+            <a:schemeClr val="lt1"/>
+          </a:fontRef>
+        </p:style>
+        <p:txBody>
+          <a:bodyPr rtlCol="0" anchor="ctr"/>
+          <a:lstStyle/>
+          <a:p>
+            <a:pPr algn="ctr"/>
+            <a:endParaRPr lang="en-US"/>
+          </a:p>
+        </p:txBody>
+      </p:sp>
+      <p:sp>
+        <p:nvSpPr>
+          <p:cNvPr id="6" name="Rectangle 5">
+            <a:extLst>
+              <a:ext uri="{FF2B5EF4-FFF2-40B4-BE49-F238E27FC236}">
+                <a16:creationId xmlns:a16="http://schemas.microsoft.com/office/drawing/2014/main" id="{6900DAC9-F496-742D-9202-F61EC2CD4CF4}"/>
+              </a:ext>
+            </a:extLst>
+          </p:cNvPr>
+          <p:cNvSpPr/>
+          <p:nvPr/>
+        </p:nvSpPr>
+        <p:spPr>
+          <a:xfrm>
+            <a:off x="1874808" y="2976797"/>
+            <a:ext cx="665192" cy="452204"/>
+          </a:xfrm>
+          <a:prstGeom prst="rect">
+            <a:avLst/>
+          </a:prstGeom>
+          <a:solidFill>
+            <a:srgbClr val="BC5304"/>
+          </a:solidFill>
+          <a:ln>
+            <a:noFill/>
+          </a:ln>
+        </p:spPr>
+        <p:style>
+          <a:lnRef idx="2">
+            <a:schemeClr val="accent1">
+              <a:shade val="50000"/>
+            </a:schemeClr>
+          </a:lnRef>
+          <a:fillRef idx="1">
+            <a:schemeClr val="accent1"/>
+          </a:fillRef>
+          <a:effectRef idx="0">
+            <a:schemeClr val="accent1"/>
+          </a:effectRef>
+          <a:fontRef idx="minor">
+            <a:schemeClr val="lt1"/>
+          </a:fontRef>
+        </p:style>
+        <p:txBody>
+          <a:bodyPr rtlCol="0" anchor="ctr"/>
+          <a:lstStyle/>
+          <a:p>
+            <a:pPr algn="ctr"/>
+            <a:endParaRPr lang="en-US"/>
+          </a:p>
+        </p:txBody>
+      </p:sp>
+      <p:sp>
+        <p:nvSpPr>
+          <p:cNvPr id="7" name="Rectangle 6">
+            <a:extLst>
+              <a:ext uri="{FF2B5EF4-FFF2-40B4-BE49-F238E27FC236}">
+                <a16:creationId xmlns:a16="http://schemas.microsoft.com/office/drawing/2014/main" id="{01D13D5B-FAD7-C568-18FB-1CAEEBE6CC79}"/>
+              </a:ext>
+            </a:extLst>
+          </p:cNvPr>
+          <p:cNvSpPr/>
+          <p:nvPr/>
+        </p:nvSpPr>
+        <p:spPr>
+          <a:xfrm>
+            <a:off x="9264248" y="2951630"/>
+            <a:ext cx="665192" cy="470444"/>
+          </a:xfrm>
+          <a:prstGeom prst="rect">
+            <a:avLst/>
+          </a:prstGeom>
+          <a:solidFill>
+            <a:srgbClr val="BC5304"/>
+          </a:solidFill>
+          <a:ln>
+            <a:noFill/>
+          </a:ln>
+        </p:spPr>
+        <p:style>
+          <a:lnRef idx="2">
+            <a:schemeClr val="accent1">
+              <a:shade val="50000"/>
+            </a:schemeClr>
+          </a:lnRef>
+          <a:fillRef idx="1">
+            <a:schemeClr val="accent1"/>
+          </a:fillRef>
+          <a:effectRef idx="0">
+            <a:schemeClr val="accent1"/>
+          </a:effectRef>
+          <a:fontRef idx="minor">
+            <a:schemeClr val="lt1"/>
+          </a:fontRef>
+        </p:style>
+        <p:txBody>
+          <a:bodyPr rtlCol="0" anchor="ctr"/>
+          <a:lstStyle/>
+          <a:p>
+            <a:pPr algn="ctr"/>
+            <a:endParaRPr lang="en-US"/>
+          </a:p>
+        </p:txBody>
+      </p:sp>
+      <p:sp>
+        <p:nvSpPr>
+          <p:cNvPr id="8" name="Rectangle 7">
+            <a:extLst>
+              <a:ext uri="{FF2B5EF4-FFF2-40B4-BE49-F238E27FC236}">
+                <a16:creationId xmlns:a16="http://schemas.microsoft.com/office/drawing/2014/main" id="{7D2B5372-52F3-54D2-07D2-C952D840B8D6}"/>
+              </a:ext>
+            </a:extLst>
+          </p:cNvPr>
+          <p:cNvSpPr/>
+          <p:nvPr/>
+        </p:nvSpPr>
+        <p:spPr>
+          <a:xfrm>
+            <a:off x="1874808" y="2553855"/>
+            <a:ext cx="1616537" cy="434109"/>
+          </a:xfrm>
+          <a:prstGeom prst="rect">
+            <a:avLst/>
+          </a:prstGeom>
+          <a:solidFill>
+            <a:srgbClr val="BC5304"/>
+          </a:solidFill>
+          <a:ln>
+            <a:noFill/>
+          </a:ln>
+        </p:spPr>
+        <p:style>
+          <a:lnRef idx="2">
+            <a:schemeClr val="accent1">
+              <a:shade val="50000"/>
+            </a:schemeClr>
+          </a:lnRef>
+          <a:fillRef idx="1">
+            <a:schemeClr val="accent1"/>
+          </a:fillRef>
+          <a:effectRef idx="0">
+            <a:schemeClr val="accent1"/>
+          </a:effectRef>
+          <a:fontRef idx="minor">
+            <a:schemeClr val="lt1"/>
+          </a:fontRef>
+        </p:style>
+        <p:txBody>
+          <a:bodyPr rtlCol="0" anchor="ctr"/>
+          <a:lstStyle/>
+          <a:p>
+            <a:pPr algn="ctr"/>
+            <a:endParaRPr lang="en-US"/>
+          </a:p>
+        </p:txBody>
+      </p:sp>
+      <p:sp>
+        <p:nvSpPr>
+          <p:cNvPr id="10" name="Rectangle 9">
+            <a:extLst>
+              <a:ext uri="{FF2B5EF4-FFF2-40B4-BE49-F238E27FC236}">
+                <a16:creationId xmlns:a16="http://schemas.microsoft.com/office/drawing/2014/main" id="{F45A3943-800A-7342-F352-9CE64414B878}"/>
+              </a:ext>
+            </a:extLst>
+          </p:cNvPr>
+          <p:cNvSpPr/>
+          <p:nvPr/>
+        </p:nvSpPr>
+        <p:spPr>
+          <a:xfrm>
+            <a:off x="8312902" y="2550392"/>
+            <a:ext cx="1616537" cy="434109"/>
+          </a:xfrm>
+          <a:prstGeom prst="rect">
+            <a:avLst/>
+          </a:prstGeom>
+          <a:solidFill>
+            <a:srgbClr val="BC5304"/>
+          </a:solidFill>
+          <a:ln>
+            <a:noFill/>
+          </a:ln>
+        </p:spPr>
+        <p:style>
+          <a:lnRef idx="2">
+            <a:schemeClr val="accent1">
+              <a:shade val="50000"/>
+            </a:schemeClr>
+          </a:lnRef>
+          <a:fillRef idx="1">
+            <a:schemeClr val="accent1"/>
+          </a:fillRef>
+          <a:effectRef idx="0">
+            <a:schemeClr val="accent1"/>
+          </a:effectRef>
+          <a:fontRef idx="minor">
+            <a:schemeClr val="lt1"/>
+          </a:fontRef>
+        </p:style>
+        <p:txBody>
+          <a:bodyPr rtlCol="0" anchor="ctr"/>
+          <a:lstStyle/>
+          <a:p>
+            <a:pPr algn="ctr"/>
+            <a:endParaRPr lang="en-US"/>
+          </a:p>
+        </p:txBody>
+      </p:sp>
+      <p:grpSp>
+        <p:nvGrpSpPr>
+          <p:cNvPr id="13" name="Group 12">
+            <a:extLst>
+              <a:ext uri="{FF2B5EF4-FFF2-40B4-BE49-F238E27FC236}">
+                <a16:creationId xmlns:a16="http://schemas.microsoft.com/office/drawing/2014/main" id="{46F1E4AC-5DF4-AEA8-4873-CF442391944B}"/>
+              </a:ext>
+            </a:extLst>
+          </p:cNvPr>
+          <p:cNvGrpSpPr/>
+          <p:nvPr/>
+        </p:nvGrpSpPr>
+        <p:grpSpPr>
+          <a:xfrm>
+            <a:off x="3154349" y="2928473"/>
+            <a:ext cx="5495548" cy="59491"/>
+            <a:chOff x="3154350" y="2938863"/>
+            <a:chExt cx="5495548" cy="59491"/>
+          </a:xfrm>
+        </p:grpSpPr>
+        <p:sp>
+          <p:nvSpPr>
+            <p:cNvPr id="12" name="Rectangle 11">
+              <a:extLst>
+                <a:ext uri="{FF2B5EF4-FFF2-40B4-BE49-F238E27FC236}">
+                  <a16:creationId xmlns:a16="http://schemas.microsoft.com/office/drawing/2014/main" id="{267F0D1D-0E67-40E6-AE76-FA5152A5B8AE}"/>
+                </a:ext>
+              </a:extLst>
+            </p:cNvPr>
+            <p:cNvSpPr/>
+            <p:nvPr/>
+          </p:nvSpPr>
+          <p:spPr>
+            <a:xfrm>
+              <a:off x="3154350" y="2938863"/>
+              <a:ext cx="5495548" cy="59491"/>
+            </a:xfrm>
+            <a:prstGeom prst="rect">
+              <a:avLst/>
+            </a:prstGeom>
+            <a:solidFill>
+              <a:schemeClr val="bg1"/>
+            </a:solidFill>
+            <a:ln>
+              <a:noFill/>
+            </a:ln>
+          </p:spPr>
+          <p:style>
+            <a:lnRef idx="2">
+              <a:schemeClr val="accent1">
+                <a:shade val="50000"/>
+              </a:schemeClr>
+            </a:lnRef>
+            <a:fillRef idx="1">
+              <a:schemeClr val="accent1"/>
+            </a:fillRef>
+            <a:effectRef idx="0">
+              <a:schemeClr val="accent1"/>
+            </a:effectRef>
+            <a:fontRef idx="minor">
+              <a:schemeClr val="lt1"/>
+            </a:fontRef>
+          </p:style>
+          <p:txBody>
+            <a:bodyPr rtlCol="0" anchor="ctr"/>
+            <a:lstStyle/>
+            <a:p>
+              <a:pPr algn="ctr"/>
+              <a:endParaRPr lang="en-US"/>
+            </a:p>
+          </p:txBody>
+        </p:sp>
+        <p:sp>
+          <p:nvSpPr>
+            <p:cNvPr id="11" name="Rectangle 10">
+              <a:extLst>
+                <a:ext uri="{FF2B5EF4-FFF2-40B4-BE49-F238E27FC236}">
+                  <a16:creationId xmlns:a16="http://schemas.microsoft.com/office/drawing/2014/main" id="{A388B103-4ADA-FC1A-0493-B63EAB29F726}"/>
+                </a:ext>
+              </a:extLst>
+            </p:cNvPr>
+            <p:cNvSpPr/>
+            <p:nvPr/>
+          </p:nvSpPr>
+          <p:spPr>
+            <a:xfrm>
+              <a:off x="3154350" y="2938863"/>
+              <a:ext cx="5495548" cy="59491"/>
+            </a:xfrm>
+            <a:prstGeom prst="rect">
+              <a:avLst/>
+            </a:prstGeom>
+            <a:solidFill>
+              <a:srgbClr val="00B0F0">
+                <a:alpha val="42000"/>
+              </a:srgbClr>
+            </a:solidFill>
+            <a:ln>
+              <a:noFill/>
+            </a:ln>
+          </p:spPr>
+          <p:style>
+            <a:lnRef idx="2">
+              <a:schemeClr val="accent1">
+                <a:shade val="50000"/>
+              </a:schemeClr>
+            </a:lnRef>
+            <a:fillRef idx="1">
+              <a:schemeClr val="accent1"/>
+            </a:fillRef>
+            <a:effectRef idx="0">
+              <a:schemeClr val="accent1"/>
+            </a:effectRef>
+            <a:fontRef idx="minor">
+              <a:schemeClr val="lt1"/>
+            </a:fontRef>
+          </p:style>
+          <p:txBody>
+            <a:bodyPr rtlCol="0" anchor="ctr"/>
+            <a:lstStyle/>
+            <a:p>
+              <a:pPr algn="ctr"/>
+              <a:endParaRPr lang="en-US"/>
+            </a:p>
+          </p:txBody>
+        </p:sp>
+      </p:grpSp>
+      <p:sp>
+        <p:nvSpPr>
+          <p:cNvPr id="14" name="Rectangle 13">
+            <a:extLst>
+              <a:ext uri="{FF2B5EF4-FFF2-40B4-BE49-F238E27FC236}">
+                <a16:creationId xmlns:a16="http://schemas.microsoft.com/office/drawing/2014/main" id="{8C871811-824B-6E55-9CD7-5B2DFF89B6F2}"/>
+              </a:ext>
+            </a:extLst>
+          </p:cNvPr>
+          <p:cNvSpPr/>
+          <p:nvPr/>
+        </p:nvSpPr>
+        <p:spPr>
+          <a:xfrm>
+            <a:off x="2683076" y="1099127"/>
+            <a:ext cx="244851" cy="1978891"/>
+          </a:xfrm>
+          <a:prstGeom prst="rect">
+            <a:avLst/>
+          </a:prstGeom>
+          <a:solidFill>
+            <a:schemeClr val="bg1"/>
+          </a:solidFill>
+          <a:ln>
+            <a:solidFill>
+              <a:schemeClr val="tx1"/>
+            </a:solidFill>
+          </a:ln>
+        </p:spPr>
+        <p:style>
+          <a:lnRef idx="2">
+            <a:schemeClr val="accent1">
+              <a:shade val="50000"/>
+            </a:schemeClr>
+          </a:lnRef>
+          <a:fillRef idx="1">
+            <a:schemeClr val="accent1"/>
+          </a:fillRef>
+          <a:effectRef idx="0">
+            <a:schemeClr val="accent1"/>
+          </a:effectRef>
+          <a:fontRef idx="minor">
+            <a:schemeClr val="lt1"/>
+          </a:fontRef>
+        </p:style>
+        <p:txBody>
+          <a:bodyPr rtlCol="0" anchor="ctr"/>
+          <a:lstStyle/>
+          <a:p>
+            <a:pPr algn="ctr"/>
+            <a:endParaRPr lang="en-US"/>
+          </a:p>
+        </p:txBody>
+      </p:sp>
+      <p:sp>
+        <p:nvSpPr>
+          <p:cNvPr id="15" name="Rectangle 14">
+            <a:extLst>
+              <a:ext uri="{FF2B5EF4-FFF2-40B4-BE49-F238E27FC236}">
+                <a16:creationId xmlns:a16="http://schemas.microsoft.com/office/drawing/2014/main" id="{1CCC01DA-6F5E-9321-ECC6-113AEB1DBFE3}"/>
+              </a:ext>
+            </a:extLst>
+          </p:cNvPr>
+          <p:cNvSpPr/>
+          <p:nvPr/>
+        </p:nvSpPr>
+        <p:spPr>
+          <a:xfrm>
+            <a:off x="8922392" y="1099126"/>
+            <a:ext cx="244851" cy="1978891"/>
+          </a:xfrm>
+          <a:prstGeom prst="rect">
+            <a:avLst/>
+          </a:prstGeom>
+          <a:solidFill>
+            <a:schemeClr val="bg1"/>
+          </a:solidFill>
+          <a:ln>
+            <a:solidFill>
+              <a:schemeClr val="tx1"/>
+            </a:solidFill>
+          </a:ln>
+        </p:spPr>
+        <p:style>
+          <a:lnRef idx="2">
+            <a:schemeClr val="accent1">
+              <a:shade val="50000"/>
+            </a:schemeClr>
+          </a:lnRef>
+          <a:fillRef idx="1">
+            <a:schemeClr val="accent1"/>
+          </a:fillRef>
+          <a:effectRef idx="0">
+            <a:schemeClr val="accent1"/>
+          </a:effectRef>
+          <a:fontRef idx="minor">
+            <a:schemeClr val="lt1"/>
+          </a:fontRef>
+        </p:style>
+        <p:txBody>
+          <a:bodyPr rtlCol="0" anchor="ctr"/>
+          <a:lstStyle/>
+          <a:p>
+            <a:pPr algn="ctr"/>
+            <a:endParaRPr lang="en-US"/>
+          </a:p>
+        </p:txBody>
+      </p:sp>
+      <p:sp>
+        <p:nvSpPr>
+          <p:cNvPr id="16" name="Right Triangle 15">
+            <a:extLst>
+              <a:ext uri="{FF2B5EF4-FFF2-40B4-BE49-F238E27FC236}">
+                <a16:creationId xmlns:a16="http://schemas.microsoft.com/office/drawing/2014/main" id="{ECC6F174-FDC2-0E24-1FD1-3A6DF5C752B4}"/>
+              </a:ext>
+            </a:extLst>
+          </p:cNvPr>
+          <p:cNvSpPr/>
+          <p:nvPr/>
+        </p:nvSpPr>
+        <p:spPr>
+          <a:xfrm>
+            <a:off x="1874808" y="1182255"/>
+            <a:ext cx="808268" cy="1371600"/>
+          </a:xfrm>
+          <a:prstGeom prst="rtTriangle">
+            <a:avLst/>
+          </a:prstGeom>
+          <a:solidFill>
+            <a:schemeClr val="tx1"/>
+          </a:solidFill>
+          <a:ln>
+            <a:noFill/>
+          </a:ln>
+        </p:spPr>
+        <p:style>
+          <a:lnRef idx="2">
+            <a:schemeClr val="accent1">
+              <a:shade val="50000"/>
+            </a:schemeClr>
+          </a:lnRef>
+          <a:fillRef idx="1">
+            <a:schemeClr val="accent1"/>
+          </a:fillRef>
+          <a:effectRef idx="0">
+            <a:schemeClr val="accent1"/>
+          </a:effectRef>
+          <a:fontRef idx="minor">
+            <a:schemeClr val="lt1"/>
+          </a:fontRef>
+        </p:style>
+        <p:txBody>
+          <a:bodyPr rtlCol="0" anchor="ctr"/>
+          <a:lstStyle/>
+          <a:p>
+            <a:pPr algn="ctr"/>
+            <a:endParaRPr lang="en-US"/>
+          </a:p>
+        </p:txBody>
+      </p:sp>
+      <p:sp>
+        <p:nvSpPr>
+          <p:cNvPr id="17" name="Rectangle 16">
+            <a:extLst>
+              <a:ext uri="{FF2B5EF4-FFF2-40B4-BE49-F238E27FC236}">
+                <a16:creationId xmlns:a16="http://schemas.microsoft.com/office/drawing/2014/main" id="{FA7652A2-9053-715D-CA38-CF3F8C9931B1}"/>
+              </a:ext>
+            </a:extLst>
+          </p:cNvPr>
+          <p:cNvSpPr/>
+          <p:nvPr/>
+        </p:nvSpPr>
+        <p:spPr>
+          <a:xfrm>
+            <a:off x="1472756" y="3265663"/>
+            <a:ext cx="235700" cy="262627"/>
+          </a:xfrm>
+          <a:prstGeom prst="rect">
+            <a:avLst/>
+          </a:prstGeom>
+          <a:solidFill>
+            <a:schemeClr val="bg2">
+              <a:lumMod val="75000"/>
+            </a:schemeClr>
+          </a:solidFill>
+          <a:ln>
+            <a:noFill/>
+          </a:ln>
+        </p:spPr>
+        <p:style>
+          <a:lnRef idx="2">
+            <a:schemeClr val="accent1">
+              <a:shade val="50000"/>
+            </a:schemeClr>
+          </a:lnRef>
+          <a:fillRef idx="1">
+            <a:schemeClr val="accent1"/>
+          </a:fillRef>
+          <a:effectRef idx="0">
+            <a:schemeClr val="accent1"/>
+          </a:effectRef>
+          <a:fontRef idx="minor">
+            <a:schemeClr val="lt1"/>
+          </a:fontRef>
+        </p:style>
+        <p:txBody>
+          <a:bodyPr rtlCol="0" anchor="ctr"/>
+          <a:lstStyle/>
+          <a:p>
+            <a:pPr algn="ctr"/>
+            <a:endParaRPr lang="en-US"/>
+          </a:p>
+        </p:txBody>
+      </p:sp>
+      <p:sp>
+        <p:nvSpPr>
+          <p:cNvPr id="20" name="Right Triangle 19">
+            <a:extLst>
+              <a:ext uri="{FF2B5EF4-FFF2-40B4-BE49-F238E27FC236}">
+                <a16:creationId xmlns:a16="http://schemas.microsoft.com/office/drawing/2014/main" id="{078D43EF-7AE5-06B4-2EFC-95396F6A623C}"/>
+              </a:ext>
+            </a:extLst>
+          </p:cNvPr>
+          <p:cNvSpPr/>
+          <p:nvPr/>
+        </p:nvSpPr>
+        <p:spPr>
+          <a:xfrm flipH="1">
+            <a:off x="9167242" y="1189182"/>
+            <a:ext cx="762197" cy="1371600"/>
+          </a:xfrm>
+          <a:prstGeom prst="rtTriangle">
+            <a:avLst/>
+          </a:prstGeom>
+          <a:solidFill>
+            <a:schemeClr val="tx1"/>
+          </a:solidFill>
+          <a:ln>
+            <a:noFill/>
+          </a:ln>
+        </p:spPr>
+        <p:style>
+          <a:lnRef idx="2">
+            <a:schemeClr val="accent1">
+              <a:shade val="50000"/>
+            </a:schemeClr>
+          </a:lnRef>
+          <a:fillRef idx="1">
+            <a:schemeClr val="accent1"/>
+          </a:fillRef>
+          <a:effectRef idx="0">
+            <a:schemeClr val="accent1"/>
+          </a:effectRef>
+          <a:fontRef idx="minor">
+            <a:schemeClr val="lt1"/>
+          </a:fontRef>
+        </p:style>
+        <p:txBody>
+          <a:bodyPr rtlCol="0" anchor="ctr"/>
+          <a:lstStyle/>
+          <a:p>
+            <a:pPr algn="ctr"/>
+            <a:endParaRPr lang="en-US"/>
+          </a:p>
+        </p:txBody>
+      </p:sp>
+      <p:sp>
+        <p:nvSpPr>
+          <p:cNvPr id="21" name="Rectangle 20">
+            <a:extLst>
+              <a:ext uri="{FF2B5EF4-FFF2-40B4-BE49-F238E27FC236}">
+                <a16:creationId xmlns:a16="http://schemas.microsoft.com/office/drawing/2014/main" id="{E0CA73FA-10EB-E809-3DFE-2D92D41CE3DE}"/>
+              </a:ext>
+            </a:extLst>
+          </p:cNvPr>
+          <p:cNvSpPr/>
+          <p:nvPr/>
+        </p:nvSpPr>
+        <p:spPr>
+          <a:xfrm flipH="1">
+            <a:off x="10132158" y="3285901"/>
+            <a:ext cx="222265" cy="262627"/>
+          </a:xfrm>
+          <a:prstGeom prst="rect">
+            <a:avLst/>
+          </a:prstGeom>
+          <a:solidFill>
+            <a:schemeClr val="bg2">
+              <a:lumMod val="75000"/>
+            </a:schemeClr>
+          </a:solidFill>
+          <a:ln>
+            <a:noFill/>
+          </a:ln>
+        </p:spPr>
+        <p:style>
+          <a:lnRef idx="2">
+            <a:schemeClr val="accent1">
+              <a:shade val="50000"/>
+            </a:schemeClr>
+          </a:lnRef>
+          <a:fillRef idx="1">
+            <a:schemeClr val="accent1"/>
+          </a:fillRef>
+          <a:effectRef idx="0">
+            <a:schemeClr val="accent1"/>
+          </a:effectRef>
+          <a:fontRef idx="minor">
+            <a:schemeClr val="lt1"/>
+          </a:fontRef>
+        </p:style>
+        <p:txBody>
+          <a:bodyPr rtlCol="0" anchor="ctr"/>
+          <a:lstStyle/>
+          <a:p>
+            <a:pPr algn="ctr"/>
+            <a:endParaRPr lang="en-US"/>
+          </a:p>
+        </p:txBody>
+      </p:sp>
+      <p:sp>
+        <p:nvSpPr>
+          <p:cNvPr id="24" name="Rectangle 23">
+            <a:extLst>
+              <a:ext uri="{FF2B5EF4-FFF2-40B4-BE49-F238E27FC236}">
+                <a16:creationId xmlns:a16="http://schemas.microsoft.com/office/drawing/2014/main" id="{D37B4084-3546-450B-2750-FF46F004C2B1}"/>
+              </a:ext>
+            </a:extLst>
+          </p:cNvPr>
+          <p:cNvSpPr/>
+          <p:nvPr/>
+        </p:nvSpPr>
+        <p:spPr>
+          <a:xfrm>
+            <a:off x="517192" y="3665682"/>
+            <a:ext cx="11065250" cy="237226"/>
+          </a:xfrm>
+          <a:prstGeom prst="rect">
+            <a:avLst/>
+          </a:prstGeom>
+          <a:solidFill>
+            <a:schemeClr val="tx1"/>
+          </a:solidFill>
+          <a:ln>
+            <a:noFill/>
+          </a:ln>
+        </p:spPr>
+        <p:style>
+          <a:lnRef idx="2">
+            <a:schemeClr val="accent1">
+              <a:shade val="50000"/>
+            </a:schemeClr>
+          </a:lnRef>
+          <a:fillRef idx="1">
+            <a:schemeClr val="accent1"/>
+          </a:fillRef>
+          <a:effectRef idx="0">
+            <a:schemeClr val="accent1"/>
+          </a:effectRef>
+          <a:fontRef idx="minor">
+            <a:schemeClr val="lt1"/>
+          </a:fontRef>
+        </p:style>
+        <p:txBody>
+          <a:bodyPr rtlCol="0" anchor="ctr"/>
+          <a:lstStyle/>
+          <a:p>
+            <a:pPr algn="ctr"/>
+            <a:endParaRPr lang="en-US"/>
+          </a:p>
+        </p:txBody>
+      </p:sp>
+      <p:sp>
+        <p:nvSpPr>
+          <p:cNvPr id="25" name="Rectangle 24">
+            <a:extLst>
+              <a:ext uri="{FF2B5EF4-FFF2-40B4-BE49-F238E27FC236}">
+                <a16:creationId xmlns:a16="http://schemas.microsoft.com/office/drawing/2014/main" id="{17CAD620-2784-897C-07D3-BD9BC6E9FE29}"/>
+              </a:ext>
+            </a:extLst>
+          </p:cNvPr>
+          <p:cNvSpPr/>
+          <p:nvPr/>
+        </p:nvSpPr>
+        <p:spPr>
+          <a:xfrm>
+            <a:off x="1886310" y="3902364"/>
+            <a:ext cx="8024385" cy="237226"/>
+          </a:xfrm>
+          <a:prstGeom prst="rect">
+            <a:avLst/>
+          </a:prstGeom>
+          <a:solidFill>
+            <a:srgbClr val="BC5304"/>
+          </a:solidFill>
+          <a:ln>
+            <a:noFill/>
+          </a:ln>
+        </p:spPr>
+        <p:style>
+          <a:lnRef idx="2">
+            <a:schemeClr val="accent1">
+              <a:shade val="50000"/>
+            </a:schemeClr>
+          </a:lnRef>
+          <a:fillRef idx="1">
+            <a:schemeClr val="accent1"/>
+          </a:fillRef>
+          <a:effectRef idx="0">
+            <a:schemeClr val="accent1"/>
+          </a:effectRef>
+          <a:fontRef idx="minor">
+            <a:schemeClr val="lt1"/>
+          </a:fontRef>
+        </p:style>
+        <p:txBody>
+          <a:bodyPr rtlCol="0" anchor="ctr"/>
+          <a:lstStyle/>
+          <a:p>
+            <a:pPr algn="ctr"/>
+            <a:endParaRPr lang="en-US"/>
+          </a:p>
+        </p:txBody>
+      </p:sp>
+      <p:sp>
+        <p:nvSpPr>
+          <p:cNvPr id="26" name="Rectangle 25">
+            <a:extLst>
+              <a:ext uri="{FF2B5EF4-FFF2-40B4-BE49-F238E27FC236}">
+                <a16:creationId xmlns:a16="http://schemas.microsoft.com/office/drawing/2014/main" id="{361D9429-0789-3C34-F75C-3553ABA59919}"/>
+              </a:ext>
+            </a:extLst>
+          </p:cNvPr>
+          <p:cNvSpPr/>
+          <p:nvPr/>
+        </p:nvSpPr>
+        <p:spPr>
+          <a:xfrm>
+            <a:off x="1874808" y="4139046"/>
+            <a:ext cx="8035887" cy="250980"/>
+          </a:xfrm>
+          <a:prstGeom prst="rect">
+            <a:avLst/>
+          </a:prstGeom>
+          <a:solidFill>
+            <a:srgbClr val="FF0000"/>
+          </a:solidFill>
+          <a:ln>
+            <a:noFill/>
+          </a:ln>
+        </p:spPr>
+        <p:style>
+          <a:lnRef idx="2">
+            <a:schemeClr val="accent1">
+              <a:shade val="50000"/>
+            </a:schemeClr>
+          </a:lnRef>
+          <a:fillRef idx="1">
+            <a:schemeClr val="accent1"/>
+          </a:fillRef>
+          <a:effectRef idx="0">
+            <a:schemeClr val="accent1"/>
+          </a:effectRef>
+          <a:fontRef idx="minor">
+            <a:schemeClr val="lt1"/>
+          </a:fontRef>
+        </p:style>
+        <p:txBody>
+          <a:bodyPr rtlCol="0" anchor="ctr"/>
+          <a:lstStyle/>
+          <a:p>
+            <a:pPr algn="ctr"/>
+            <a:endParaRPr lang="en-US"/>
+          </a:p>
+        </p:txBody>
+      </p:sp>
+      <p:sp>
+        <p:nvSpPr>
+          <p:cNvPr id="30" name="Rectangle 29">
+            <a:extLst>
+              <a:ext uri="{FF2B5EF4-FFF2-40B4-BE49-F238E27FC236}">
+                <a16:creationId xmlns:a16="http://schemas.microsoft.com/office/drawing/2014/main" id="{5637121A-C36C-8279-3AAA-539901EA6A1B}"/>
+              </a:ext>
+            </a:extLst>
+          </p:cNvPr>
+          <p:cNvSpPr/>
+          <p:nvPr/>
+        </p:nvSpPr>
+        <p:spPr>
+          <a:xfrm>
+            <a:off x="517191" y="3902364"/>
+            <a:ext cx="1369117" cy="1018308"/>
+          </a:xfrm>
+          <a:prstGeom prst="rect">
+            <a:avLst/>
+          </a:prstGeom>
+          <a:solidFill>
+            <a:srgbClr val="F018D1"/>
+          </a:solidFill>
+          <a:ln>
+            <a:noFill/>
+          </a:ln>
+        </p:spPr>
+        <p:style>
+          <a:lnRef idx="2">
+            <a:schemeClr val="accent1">
+              <a:shade val="50000"/>
+            </a:schemeClr>
+          </a:lnRef>
+          <a:fillRef idx="1">
+            <a:schemeClr val="accent1"/>
+          </a:fillRef>
+          <a:effectRef idx="0">
+            <a:schemeClr val="accent1"/>
+          </a:effectRef>
+          <a:fontRef idx="minor">
+            <a:schemeClr val="lt1"/>
+          </a:fontRef>
+        </p:style>
+        <p:txBody>
+          <a:bodyPr rtlCol="0" anchor="ctr"/>
+          <a:lstStyle/>
+          <a:p>
+            <a:pPr algn="ctr"/>
+            <a:endParaRPr lang="en-US"/>
+          </a:p>
+        </p:txBody>
+      </p:sp>
+      <p:sp>
+        <p:nvSpPr>
+          <p:cNvPr id="31" name="Rectangle 30">
+            <a:extLst>
+              <a:ext uri="{FF2B5EF4-FFF2-40B4-BE49-F238E27FC236}">
+                <a16:creationId xmlns:a16="http://schemas.microsoft.com/office/drawing/2014/main" id="{96795907-0493-BBC7-8DC0-F73863E5A170}"/>
+              </a:ext>
+            </a:extLst>
+          </p:cNvPr>
+          <p:cNvSpPr/>
+          <p:nvPr/>
+        </p:nvSpPr>
+        <p:spPr>
+          <a:xfrm>
+            <a:off x="9910696" y="3902364"/>
+            <a:ext cx="1655826" cy="1018308"/>
+          </a:xfrm>
+          <a:prstGeom prst="rect">
+            <a:avLst/>
+          </a:prstGeom>
+          <a:solidFill>
+            <a:srgbClr val="F018D1"/>
+          </a:solidFill>
+          <a:ln>
+            <a:noFill/>
+          </a:ln>
+        </p:spPr>
+        <p:style>
+          <a:lnRef idx="2">
+            <a:schemeClr val="accent1">
+              <a:shade val="50000"/>
+            </a:schemeClr>
+          </a:lnRef>
+          <a:fillRef idx="1">
+            <a:schemeClr val="accent1"/>
+          </a:fillRef>
+          <a:effectRef idx="0">
+            <a:schemeClr val="accent1"/>
+          </a:effectRef>
+          <a:fontRef idx="minor">
+            <a:schemeClr val="lt1"/>
+          </a:fontRef>
+        </p:style>
+        <p:txBody>
+          <a:bodyPr rtlCol="0" anchor="ctr"/>
+          <a:lstStyle/>
+          <a:p>
+            <a:pPr algn="ctr"/>
+            <a:endParaRPr lang="en-US"/>
+          </a:p>
+        </p:txBody>
+      </p:sp>
+      <p:grpSp>
+        <p:nvGrpSpPr>
+          <p:cNvPr id="37" name="Group 36">
+            <a:extLst>
+              <a:ext uri="{FF2B5EF4-FFF2-40B4-BE49-F238E27FC236}">
+                <a16:creationId xmlns:a16="http://schemas.microsoft.com/office/drawing/2014/main" id="{70E496FC-1A4C-E68F-8267-D96F3D4C2048}"/>
+              </a:ext>
+            </a:extLst>
+          </p:cNvPr>
+          <p:cNvGrpSpPr/>
+          <p:nvPr/>
+        </p:nvGrpSpPr>
+        <p:grpSpPr>
+          <a:xfrm>
+            <a:off x="3851561" y="-14702"/>
+            <a:ext cx="3934694" cy="2512529"/>
+            <a:chOff x="3851561" y="-14702"/>
+            <a:chExt cx="3934694" cy="2512529"/>
+          </a:xfrm>
+        </p:grpSpPr>
+        <p:grpSp>
+          <p:nvGrpSpPr>
+            <p:cNvPr id="35" name="Group 34">
+              <a:extLst>
+                <a:ext uri="{FF2B5EF4-FFF2-40B4-BE49-F238E27FC236}">
+                  <a16:creationId xmlns:a16="http://schemas.microsoft.com/office/drawing/2014/main" id="{BA9E9719-1724-21E4-00BF-72ED4843CAF6}"/>
+                </a:ext>
+              </a:extLst>
+            </p:cNvPr>
+            <p:cNvGrpSpPr/>
+            <p:nvPr/>
+          </p:nvGrpSpPr>
+          <p:grpSpPr>
+            <a:xfrm>
+              <a:off x="3851561" y="901701"/>
+              <a:ext cx="3934694" cy="1596126"/>
+              <a:chOff x="3851561" y="901701"/>
+              <a:chExt cx="3934694" cy="1596126"/>
+            </a:xfrm>
+          </p:grpSpPr>
+          <p:sp>
+            <p:nvSpPr>
+              <p:cNvPr id="32" name="Rectangle 31">
+                <a:extLst>
+                  <a:ext uri="{FF2B5EF4-FFF2-40B4-BE49-F238E27FC236}">
+                    <a16:creationId xmlns:a16="http://schemas.microsoft.com/office/drawing/2014/main" id="{AE56726F-7E08-BFDB-C823-18FF8C72F5D3}"/>
+                  </a:ext>
+                </a:extLst>
+              </p:cNvPr>
+              <p:cNvSpPr/>
+              <p:nvPr/>
+            </p:nvSpPr>
+            <p:spPr>
+              <a:xfrm>
+                <a:off x="5089236" y="905164"/>
+                <a:ext cx="1366982" cy="1592663"/>
+              </a:xfrm>
+              <a:prstGeom prst="rect">
+                <a:avLst/>
+              </a:prstGeom>
+              <a:solidFill>
+                <a:schemeClr val="bg1">
+                  <a:lumMod val="50000"/>
+                </a:schemeClr>
+              </a:solidFill>
+              <a:ln>
+                <a:noFill/>
+              </a:ln>
+            </p:spPr>
+            <p:style>
+              <a:lnRef idx="2">
+                <a:schemeClr val="accent1">
+                  <a:shade val="50000"/>
+                </a:schemeClr>
+              </a:lnRef>
+              <a:fillRef idx="1">
+                <a:schemeClr val="accent1"/>
+              </a:fillRef>
+              <a:effectRef idx="0">
+                <a:schemeClr val="accent1"/>
+              </a:effectRef>
+              <a:fontRef idx="minor">
+                <a:schemeClr val="lt1"/>
+              </a:fontRef>
+            </p:style>
+            <p:txBody>
+              <a:bodyPr rtlCol="0" anchor="ctr"/>
+              <a:lstStyle/>
+              <a:p>
+                <a:pPr algn="ctr"/>
+                <a:endParaRPr lang="en-US"/>
+              </a:p>
+            </p:txBody>
+          </p:sp>
+          <p:sp>
+            <p:nvSpPr>
+              <p:cNvPr id="33" name="Right Triangle 32">
+                <a:extLst>
+                  <a:ext uri="{FF2B5EF4-FFF2-40B4-BE49-F238E27FC236}">
+                    <a16:creationId xmlns:a16="http://schemas.microsoft.com/office/drawing/2014/main" id="{118844C4-6CC6-C619-30FF-66EACEF6789C}"/>
+                  </a:ext>
+                </a:extLst>
+              </p:cNvPr>
+              <p:cNvSpPr/>
+              <p:nvPr/>
+            </p:nvSpPr>
+            <p:spPr>
+              <a:xfrm rot="10800000">
+                <a:off x="3851561" y="901701"/>
+                <a:ext cx="1237673" cy="1587804"/>
+              </a:xfrm>
+              <a:prstGeom prst="rtTriangle">
+                <a:avLst/>
+              </a:prstGeom>
+              <a:solidFill>
+                <a:schemeClr val="bg1">
+                  <a:lumMod val="50000"/>
+                </a:schemeClr>
+              </a:solidFill>
+              <a:ln>
+                <a:noFill/>
+              </a:ln>
+            </p:spPr>
+            <p:style>
+              <a:lnRef idx="2">
+                <a:schemeClr val="accent1">
+                  <a:shade val="50000"/>
+                </a:schemeClr>
+              </a:lnRef>
+              <a:fillRef idx="1">
+                <a:schemeClr val="accent1"/>
+              </a:fillRef>
+              <a:effectRef idx="0">
+                <a:schemeClr val="accent1"/>
+              </a:effectRef>
+              <a:fontRef idx="minor">
+                <a:schemeClr val="lt1"/>
+              </a:fontRef>
+            </p:style>
+            <p:txBody>
+              <a:bodyPr rtlCol="0" anchor="ctr"/>
+              <a:lstStyle/>
+              <a:p>
+                <a:pPr algn="ctr"/>
+                <a:endParaRPr lang="en-US"/>
+              </a:p>
+            </p:txBody>
+          </p:sp>
+          <p:sp>
+            <p:nvSpPr>
+              <p:cNvPr id="34" name="Right Triangle 33">
+                <a:extLst>
+                  <a:ext uri="{FF2B5EF4-FFF2-40B4-BE49-F238E27FC236}">
+                    <a16:creationId xmlns:a16="http://schemas.microsoft.com/office/drawing/2014/main" id="{A11B7446-A6C4-80EC-B467-AC170810FCE9}"/>
+                  </a:ext>
+                </a:extLst>
+              </p:cNvPr>
+              <p:cNvSpPr/>
+              <p:nvPr/>
+            </p:nvSpPr>
+            <p:spPr>
+              <a:xfrm rot="10800000" flipH="1">
+                <a:off x="6456218" y="901701"/>
+                <a:ext cx="1330037" cy="1596126"/>
+              </a:xfrm>
+              <a:prstGeom prst="rtTriangle">
+                <a:avLst/>
+              </a:prstGeom>
+              <a:solidFill>
+                <a:schemeClr val="bg1">
+                  <a:lumMod val="50000"/>
+                </a:schemeClr>
+              </a:solidFill>
+              <a:ln>
+                <a:noFill/>
+              </a:ln>
+            </p:spPr>
+            <p:style>
+              <a:lnRef idx="2">
+                <a:schemeClr val="accent1">
+                  <a:shade val="50000"/>
+                </a:schemeClr>
+              </a:lnRef>
+              <a:fillRef idx="1">
+                <a:schemeClr val="accent1"/>
+              </a:fillRef>
+              <a:effectRef idx="0">
+                <a:schemeClr val="accent1"/>
+              </a:effectRef>
+              <a:fontRef idx="minor">
+                <a:schemeClr val="lt1"/>
+              </a:fontRef>
+            </p:style>
+            <p:txBody>
+              <a:bodyPr rtlCol="0" anchor="ctr"/>
+              <a:lstStyle/>
+              <a:p>
+                <a:pPr algn="ctr"/>
+                <a:endParaRPr lang="en-US"/>
+              </a:p>
+            </p:txBody>
+          </p:sp>
+        </p:grpSp>
+        <p:sp>
+          <p:nvSpPr>
+            <p:cNvPr id="36" name="Rectangle 35">
+              <a:extLst>
+                <a:ext uri="{FF2B5EF4-FFF2-40B4-BE49-F238E27FC236}">
+                  <a16:creationId xmlns:a16="http://schemas.microsoft.com/office/drawing/2014/main" id="{3790E094-535F-5CE2-FF6A-DF343859882B}"/>
+                </a:ext>
+              </a:extLst>
+            </p:cNvPr>
+            <p:cNvSpPr/>
+            <p:nvPr/>
+          </p:nvSpPr>
+          <p:spPr>
+            <a:xfrm>
+              <a:off x="3851561" y="-14702"/>
+              <a:ext cx="3934694" cy="919562"/>
+            </a:xfrm>
+            <a:prstGeom prst="rect">
+              <a:avLst/>
+            </a:prstGeom>
+            <a:solidFill>
+              <a:schemeClr val="bg1">
+                <a:lumMod val="50000"/>
+              </a:schemeClr>
+            </a:solidFill>
+            <a:ln>
+              <a:noFill/>
+            </a:ln>
+          </p:spPr>
+          <p:style>
+            <a:lnRef idx="2">
+              <a:schemeClr val="accent1">
+                <a:shade val="50000"/>
+              </a:schemeClr>
+            </a:lnRef>
+            <a:fillRef idx="1">
+              <a:schemeClr val="accent1"/>
+            </a:fillRef>
+            <a:effectRef idx="0">
+              <a:schemeClr val="accent1"/>
+            </a:effectRef>
+            <a:fontRef idx="minor">
+              <a:schemeClr val="lt1"/>
+            </a:fontRef>
+          </p:style>
+          <p:txBody>
+            <a:bodyPr rtlCol="0" anchor="ctr"/>
+            <a:lstStyle/>
+            <a:p>
+              <a:pPr algn="ctr"/>
+              <a:endParaRPr lang="en-US" dirty="0"/>
+            </a:p>
+          </p:txBody>
+        </p:sp>
+      </p:grpSp>
+      <p:sp>
+        <p:nvSpPr>
+          <p:cNvPr id="28" name="Rectangle 27">
+            <a:extLst>
+              <a:ext uri="{FF2B5EF4-FFF2-40B4-BE49-F238E27FC236}">
+                <a16:creationId xmlns:a16="http://schemas.microsoft.com/office/drawing/2014/main" id="{9100FD41-755A-C18A-E2B7-586C1FEFE8AB}"/>
+              </a:ext>
+            </a:extLst>
+          </p:cNvPr>
+          <p:cNvSpPr/>
+          <p:nvPr/>
+        </p:nvSpPr>
+        <p:spPr>
+          <a:xfrm>
+            <a:off x="10125440" y="3908133"/>
+            <a:ext cx="235700" cy="262627"/>
+          </a:xfrm>
+          <a:prstGeom prst="rect">
+            <a:avLst/>
+          </a:prstGeom>
+          <a:solidFill>
+            <a:schemeClr val="bg2">
+              <a:lumMod val="75000"/>
+            </a:schemeClr>
+          </a:solidFill>
+          <a:ln>
+            <a:noFill/>
+          </a:ln>
+        </p:spPr>
+        <p:style>
+          <a:lnRef idx="2">
+            <a:schemeClr val="accent1">
+              <a:shade val="50000"/>
+            </a:schemeClr>
+          </a:lnRef>
+          <a:fillRef idx="1">
+            <a:schemeClr val="accent1"/>
+          </a:fillRef>
+          <a:effectRef idx="0">
+            <a:schemeClr val="accent1"/>
+          </a:effectRef>
+          <a:fontRef idx="minor">
+            <a:schemeClr val="lt1"/>
+          </a:fontRef>
+        </p:style>
+        <p:txBody>
+          <a:bodyPr rtlCol="0" anchor="ctr"/>
+          <a:lstStyle/>
+          <a:p>
+            <a:pPr algn="ctr"/>
+            <a:endParaRPr lang="en-US"/>
+          </a:p>
+        </p:txBody>
+      </p:sp>
+      <p:sp>
+        <p:nvSpPr>
+          <p:cNvPr id="27" name="Rectangle 26">
+            <a:extLst>
+              <a:ext uri="{FF2B5EF4-FFF2-40B4-BE49-F238E27FC236}">
+                <a16:creationId xmlns:a16="http://schemas.microsoft.com/office/drawing/2014/main" id="{E99CE94D-CEF8-B0D1-B263-0A67648A69CD}"/>
+              </a:ext>
+            </a:extLst>
+          </p:cNvPr>
+          <p:cNvSpPr/>
+          <p:nvPr/>
+        </p:nvSpPr>
+        <p:spPr>
+          <a:xfrm>
+            <a:off x="1483997" y="3905424"/>
+            <a:ext cx="235700" cy="262627"/>
+          </a:xfrm>
+          <a:prstGeom prst="rect">
+            <a:avLst/>
+          </a:prstGeom>
+          <a:solidFill>
+            <a:schemeClr val="bg2">
+              <a:lumMod val="75000"/>
+            </a:schemeClr>
+          </a:solidFill>
+          <a:ln>
+            <a:noFill/>
+          </a:ln>
+        </p:spPr>
+        <p:style>
+          <a:lnRef idx="2">
+            <a:schemeClr val="accent1">
+              <a:shade val="50000"/>
+            </a:schemeClr>
+          </a:lnRef>
+          <a:fillRef idx="1">
+            <a:schemeClr val="accent1"/>
+          </a:fillRef>
+          <a:effectRef idx="0">
+            <a:schemeClr val="accent1"/>
+          </a:effectRef>
+          <a:fontRef idx="minor">
+            <a:schemeClr val="lt1"/>
+          </a:fontRef>
+        </p:style>
+        <p:txBody>
+          <a:bodyPr rtlCol="0" anchor="ctr"/>
+          <a:lstStyle/>
+          <a:p>
+            <a:pPr algn="ctr"/>
+            <a:endParaRPr lang="en-US"/>
+          </a:p>
+        </p:txBody>
+      </p:sp>
+      <p:sp>
+        <p:nvSpPr>
+          <p:cNvPr id="69" name="Rectangle 68">
+            <a:extLst>
+              <a:ext uri="{FF2B5EF4-FFF2-40B4-BE49-F238E27FC236}">
+                <a16:creationId xmlns:a16="http://schemas.microsoft.com/office/drawing/2014/main" id="{A2142715-8C54-A7BC-34B3-FAADAAA3080C}"/>
+              </a:ext>
+            </a:extLst>
+          </p:cNvPr>
+          <p:cNvSpPr/>
+          <p:nvPr/>
+        </p:nvSpPr>
+        <p:spPr>
+          <a:xfrm>
+            <a:off x="2089554" y="4358596"/>
+            <a:ext cx="235700" cy="262627"/>
+          </a:xfrm>
+          <a:prstGeom prst="rect">
+            <a:avLst/>
+          </a:prstGeom>
+          <a:solidFill>
+            <a:schemeClr val="bg2">
+              <a:lumMod val="75000"/>
+            </a:schemeClr>
+          </a:solidFill>
+          <a:ln>
+            <a:noFill/>
+          </a:ln>
+        </p:spPr>
+        <p:style>
+          <a:lnRef idx="2">
+            <a:schemeClr val="accent1">
+              <a:shade val="50000"/>
+            </a:schemeClr>
+          </a:lnRef>
+          <a:fillRef idx="1">
+            <a:schemeClr val="accent1"/>
+          </a:fillRef>
+          <a:effectRef idx="0">
+            <a:schemeClr val="accent1"/>
+          </a:effectRef>
+          <a:fontRef idx="minor">
+            <a:schemeClr val="lt1"/>
+          </a:fontRef>
+        </p:style>
+        <p:txBody>
+          <a:bodyPr rtlCol="0" anchor="ctr"/>
+          <a:lstStyle/>
+          <a:p>
+            <a:pPr algn="ctr"/>
+            <a:endParaRPr lang="en-US"/>
+          </a:p>
+        </p:txBody>
+      </p:sp>
+      <p:sp>
+        <p:nvSpPr>
+          <p:cNvPr id="70" name="Rectangle 69">
+            <a:extLst>
+              <a:ext uri="{FF2B5EF4-FFF2-40B4-BE49-F238E27FC236}">
+                <a16:creationId xmlns:a16="http://schemas.microsoft.com/office/drawing/2014/main" id="{73282C71-607C-A942-D2C8-3A77203C2F78}"/>
+              </a:ext>
+            </a:extLst>
+          </p:cNvPr>
+          <p:cNvSpPr/>
+          <p:nvPr/>
+        </p:nvSpPr>
+        <p:spPr>
+          <a:xfrm>
+            <a:off x="9506638" y="4381678"/>
+            <a:ext cx="235700" cy="262627"/>
+          </a:xfrm>
+          <a:prstGeom prst="rect">
+            <a:avLst/>
+          </a:prstGeom>
+          <a:solidFill>
+            <a:schemeClr val="bg2">
+              <a:lumMod val="75000"/>
+            </a:schemeClr>
+          </a:solidFill>
+          <a:ln>
+            <a:noFill/>
+          </a:ln>
+        </p:spPr>
+        <p:style>
+          <a:lnRef idx="2">
+            <a:schemeClr val="accent1">
+              <a:shade val="50000"/>
+            </a:schemeClr>
+          </a:lnRef>
+          <a:fillRef idx="1">
+            <a:schemeClr val="accent1"/>
+          </a:fillRef>
+          <a:effectRef idx="0">
+            <a:schemeClr val="accent1"/>
+          </a:effectRef>
+          <a:fontRef idx="minor">
+            <a:schemeClr val="lt1"/>
+          </a:fontRef>
+        </p:style>
+        <p:txBody>
+          <a:bodyPr rtlCol="0" anchor="ctr"/>
+          <a:lstStyle/>
+          <a:p>
+            <a:pPr algn="ctr"/>
+            <a:endParaRPr lang="en-US"/>
+          </a:p>
+        </p:txBody>
+      </p:sp>
+    </p:spTree>
+    <p:extLst>
+      <p:ext uri="{BB962C8B-B14F-4D97-AF65-F5344CB8AC3E}">
+        <p14:creationId xmlns:p14="http://schemas.microsoft.com/office/powerpoint/2010/main" val="2353669237"/>
+      </p:ext>
+    </p:extLst>
+  </p:cSld>
+  <p:clrMapOvr>
+    <a:masterClrMapping/>
+  </p:clrMapOvr>
+</p:sld>
+</file>
+
+<file path=ppt/slides/slide5.xml><?xml version="1.0" encoding="utf-8"?>
+<p:sld xmlns:a="http://schemas.openxmlformats.org/drawingml/2006/main" xmlns:r="http://schemas.openxmlformats.org/officeDocument/2006/relationships" xmlns:p="http://schemas.openxmlformats.org/presentationml/2006/main">
+  <p:cSld>
+    <p:spTree>
+      <p:nvGrpSpPr>
+        <p:cNvPr id="1" name=""/>
+        <p:cNvGrpSpPr/>
+        <p:nvPr/>
+      </p:nvGrpSpPr>
+      <p:grpSpPr>
+        <a:xfrm>
+          <a:off x="0" y="0"/>
+          <a:ext cx="0" cy="0"/>
+          <a:chOff x="0" y="0"/>
+          <a:chExt cx="0" cy="0"/>
+        </a:xfrm>
+      </p:grpSpPr>
+      <p:pic>
+        <p:nvPicPr>
+          <p:cNvPr id="5" name="Picture 4">
+            <a:extLst>
+              <a:ext uri="{FF2B5EF4-FFF2-40B4-BE49-F238E27FC236}">
+                <a16:creationId xmlns:a16="http://schemas.microsoft.com/office/drawing/2014/main" id="{A37742A7-3575-6750-2036-5CEB40C5279A}"/>
+              </a:ext>
+            </a:extLst>
+          </p:cNvPr>
+          <p:cNvPicPr>
+            <a:picLocks noChangeAspect="1"/>
+          </p:cNvPicPr>
+          <p:nvPr/>
+        </p:nvPicPr>
+        <p:blipFill>
+          <a:blip r:embed="rId2"/>
+          <a:stretch>
+            <a:fillRect/>
+          </a:stretch>
+        </p:blipFill>
+        <p:spPr>
+          <a:xfrm>
+            <a:off x="720562" y="21566"/>
+            <a:ext cx="5247224" cy="6858000"/>
+          </a:xfrm>
+          <a:prstGeom prst="rect">
+            <a:avLst/>
+          </a:prstGeom>
+        </p:spPr>
+      </p:pic>
+      <p:sp>
+        <p:nvSpPr>
+          <p:cNvPr id="6" name="TextBox 5">
+            <a:extLst>
+              <a:ext uri="{FF2B5EF4-FFF2-40B4-BE49-F238E27FC236}">
+                <a16:creationId xmlns:a16="http://schemas.microsoft.com/office/drawing/2014/main" id="{1B7090B8-A9CC-A352-F1B6-547A996382E6}"/>
+              </a:ext>
+            </a:extLst>
+          </p:cNvPr>
+          <p:cNvSpPr txBox="1"/>
+          <p:nvPr/>
+        </p:nvSpPr>
+        <p:spPr>
+          <a:xfrm>
+            <a:off x="6625087" y="207034"/>
+            <a:ext cx="2561086" cy="369332"/>
+          </a:xfrm>
+          <a:prstGeom prst="rect">
+            <a:avLst/>
+          </a:prstGeom>
+          <a:noFill/>
+          <a:ln w="25400">
+            <a:solidFill>
+              <a:schemeClr val="tx1"/>
+            </a:solidFill>
+          </a:ln>
+        </p:spPr>
+        <p:txBody>
+          <a:bodyPr wrap="none" rtlCol="0">
+            <a:spAutoFit/>
+          </a:bodyPr>
+          <a:lstStyle/>
+          <a:p>
+            <a:r>
+              <a:rPr lang="en-US" dirty="0"/>
+              <a:t>3D Printed Pressure Plate</a:t>
+            </a:r>
+          </a:p>
+        </p:txBody>
+      </p:sp>
+      <p:cxnSp>
+        <p:nvCxnSpPr>
+          <p:cNvPr id="8" name="Straight Arrow Connector 7">
+            <a:extLst>
+              <a:ext uri="{FF2B5EF4-FFF2-40B4-BE49-F238E27FC236}">
+                <a16:creationId xmlns:a16="http://schemas.microsoft.com/office/drawing/2014/main" id="{A3D9E5F7-5656-222E-57B8-8B1BBC470A19}"/>
+              </a:ext>
+            </a:extLst>
+          </p:cNvPr>
+          <p:cNvCxnSpPr>
+            <a:stCxn id="6" idx="1"/>
+          </p:cNvCxnSpPr>
+          <p:nvPr/>
+        </p:nvCxnSpPr>
+        <p:spPr>
+          <a:xfrm flipH="1">
+            <a:off x="5144655" y="391700"/>
+            <a:ext cx="1480432" cy="0"/>
+          </a:xfrm>
+          <a:prstGeom prst="straightConnector1">
+            <a:avLst/>
+          </a:prstGeom>
+          <a:ln w="25400">
+            <a:solidFill>
+              <a:schemeClr val="tx1"/>
+            </a:solidFill>
+            <a:tailEnd type="triangle"/>
+          </a:ln>
+        </p:spPr>
+        <p:style>
+          <a:lnRef idx="1">
+            <a:schemeClr val="accent1"/>
+          </a:lnRef>
+          <a:fillRef idx="0">
+            <a:schemeClr val="accent1"/>
+          </a:fillRef>
+          <a:effectRef idx="0">
+            <a:schemeClr val="accent1"/>
+          </a:effectRef>
+          <a:fontRef idx="minor">
+            <a:schemeClr val="tx1"/>
+          </a:fontRef>
+        </p:style>
+      </p:cxnSp>
+      <p:sp>
+        <p:nvSpPr>
+          <p:cNvPr id="9" name="TextBox 8">
+            <a:extLst>
+              <a:ext uri="{FF2B5EF4-FFF2-40B4-BE49-F238E27FC236}">
+                <a16:creationId xmlns:a16="http://schemas.microsoft.com/office/drawing/2014/main" id="{D2F957DC-41C9-60BA-F799-C1EB95F49D71}"/>
+              </a:ext>
+            </a:extLst>
+          </p:cNvPr>
+          <p:cNvSpPr txBox="1"/>
+          <p:nvPr/>
+        </p:nvSpPr>
+        <p:spPr>
+          <a:xfrm>
+            <a:off x="6625087" y="577168"/>
+            <a:ext cx="3452548" cy="369332"/>
+          </a:xfrm>
+          <a:prstGeom prst="rect">
+            <a:avLst/>
+          </a:prstGeom>
+          <a:noFill/>
+          <a:ln w="25400">
+            <a:solidFill>
+              <a:schemeClr val="tx1"/>
+            </a:solidFill>
+          </a:ln>
+        </p:spPr>
+        <p:txBody>
+          <a:bodyPr wrap="none" rtlCol="0">
+            <a:spAutoFit/>
+          </a:bodyPr>
+          <a:lstStyle/>
+          <a:p>
+            <a:r>
+              <a:rPr lang="en-US" dirty="0"/>
+              <a:t>Pressure Plate Embedded Magnets</a:t>
+            </a:r>
+          </a:p>
+        </p:txBody>
+      </p:sp>
+      <p:cxnSp>
+        <p:nvCxnSpPr>
+          <p:cNvPr id="10" name="Straight Arrow Connector 9">
+            <a:extLst>
+              <a:ext uri="{FF2B5EF4-FFF2-40B4-BE49-F238E27FC236}">
+                <a16:creationId xmlns:a16="http://schemas.microsoft.com/office/drawing/2014/main" id="{424F3609-2BE6-6137-D169-0106D2204CF4}"/>
+              </a:ext>
+            </a:extLst>
+          </p:cNvPr>
+          <p:cNvCxnSpPr>
+            <a:cxnSpLocks/>
+          </p:cNvCxnSpPr>
+          <p:nvPr/>
+        </p:nvCxnSpPr>
+        <p:spPr>
+          <a:xfrm flipH="1">
+            <a:off x="5015345" y="761834"/>
+            <a:ext cx="1609742" cy="540493"/>
+          </a:xfrm>
+          <a:prstGeom prst="straightConnector1">
+            <a:avLst/>
+          </a:prstGeom>
+          <a:ln w="25400">
+            <a:solidFill>
+              <a:schemeClr val="tx1"/>
+            </a:solidFill>
+            <a:tailEnd type="triangle"/>
+          </a:ln>
+        </p:spPr>
+        <p:style>
+          <a:lnRef idx="1">
+            <a:schemeClr val="accent1"/>
+          </a:lnRef>
+          <a:fillRef idx="0">
+            <a:schemeClr val="accent1"/>
+          </a:fillRef>
+          <a:effectRef idx="0">
+            <a:schemeClr val="accent1"/>
+          </a:effectRef>
+          <a:fontRef idx="minor">
+            <a:schemeClr val="tx1"/>
+          </a:fontRef>
+        </p:style>
+      </p:cxnSp>
+      <p:sp>
+        <p:nvSpPr>
+          <p:cNvPr id="12" name="TextBox 11">
+            <a:extLst>
+              <a:ext uri="{FF2B5EF4-FFF2-40B4-BE49-F238E27FC236}">
+                <a16:creationId xmlns:a16="http://schemas.microsoft.com/office/drawing/2014/main" id="{8EDF4E61-773C-7D89-5FCA-82E28CE551DA}"/>
+              </a:ext>
+            </a:extLst>
+          </p:cNvPr>
+          <p:cNvSpPr txBox="1"/>
+          <p:nvPr/>
+        </p:nvSpPr>
+        <p:spPr>
+          <a:xfrm>
+            <a:off x="6629220" y="1302327"/>
+            <a:ext cx="2403030" cy="369332"/>
+          </a:xfrm>
+          <a:prstGeom prst="rect">
+            <a:avLst/>
+          </a:prstGeom>
+          <a:noFill/>
+          <a:ln w="25400">
+            <a:solidFill>
+              <a:schemeClr val="tx1"/>
+            </a:solidFill>
+          </a:ln>
+        </p:spPr>
+        <p:txBody>
+          <a:bodyPr wrap="none" rtlCol="0">
+            <a:spAutoFit/>
+          </a:bodyPr>
+          <a:lstStyle/>
+          <a:p>
+            <a:r>
+              <a:rPr lang="en-US" dirty="0" err="1"/>
+              <a:t>Invisi</a:t>
+            </a:r>
+            <a:r>
+              <a:rPr lang="en-US" dirty="0"/>
+              <a:t>-Slip Fluidic Device</a:t>
+            </a:r>
+          </a:p>
+        </p:txBody>
+      </p:sp>
+      <p:cxnSp>
+        <p:nvCxnSpPr>
+          <p:cNvPr id="13" name="Straight Arrow Connector 12">
+            <a:extLst>
+              <a:ext uri="{FF2B5EF4-FFF2-40B4-BE49-F238E27FC236}">
+                <a16:creationId xmlns:a16="http://schemas.microsoft.com/office/drawing/2014/main" id="{5E35950F-7D8F-BA13-EB7F-9311E3393F65}"/>
+              </a:ext>
+            </a:extLst>
+          </p:cNvPr>
+          <p:cNvCxnSpPr>
+            <a:cxnSpLocks/>
+          </p:cNvCxnSpPr>
+          <p:nvPr/>
+        </p:nvCxnSpPr>
+        <p:spPr>
+          <a:xfrm flipH="1">
+            <a:off x="5144655" y="1486993"/>
+            <a:ext cx="1480432" cy="101662"/>
+          </a:xfrm>
+          <a:prstGeom prst="straightConnector1">
+            <a:avLst/>
+          </a:prstGeom>
+          <a:ln w="25400">
+            <a:solidFill>
+              <a:schemeClr val="tx1"/>
+            </a:solidFill>
+            <a:tailEnd type="triangle"/>
+          </a:ln>
+        </p:spPr>
+        <p:style>
+          <a:lnRef idx="1">
+            <a:schemeClr val="accent1"/>
+          </a:lnRef>
+          <a:fillRef idx="0">
+            <a:schemeClr val="accent1"/>
+          </a:fillRef>
+          <a:effectRef idx="0">
+            <a:schemeClr val="accent1"/>
+          </a:effectRef>
+          <a:fontRef idx="minor">
+            <a:schemeClr val="tx1"/>
+          </a:fontRef>
+        </p:style>
+      </p:cxnSp>
+      <p:sp>
+        <p:nvSpPr>
+          <p:cNvPr id="15" name="TextBox 14">
+            <a:extLst>
+              <a:ext uri="{FF2B5EF4-FFF2-40B4-BE49-F238E27FC236}">
+                <a16:creationId xmlns:a16="http://schemas.microsoft.com/office/drawing/2014/main" id="{C670A17A-74F3-6C6A-6146-8B5D4AF3F1CE}"/>
+              </a:ext>
+            </a:extLst>
+          </p:cNvPr>
+          <p:cNvSpPr txBox="1"/>
+          <p:nvPr/>
+        </p:nvSpPr>
+        <p:spPr>
+          <a:xfrm>
+            <a:off x="6698492" y="1842820"/>
+            <a:ext cx="1175322" cy="369332"/>
+          </a:xfrm>
+          <a:prstGeom prst="rect">
+            <a:avLst/>
+          </a:prstGeom>
+          <a:noFill/>
+          <a:ln w="25400">
+            <a:solidFill>
+              <a:schemeClr val="tx1"/>
+            </a:solidFill>
+          </a:ln>
+        </p:spPr>
+        <p:txBody>
+          <a:bodyPr wrap="none" rtlCol="0">
+            <a:spAutoFit/>
+          </a:bodyPr>
+          <a:lstStyle/>
+          <a:p>
+            <a:r>
+              <a:rPr lang="en-US" dirty="0"/>
+              <a:t>Glass Slide</a:t>
+            </a:r>
+          </a:p>
+        </p:txBody>
+      </p:sp>
+      <p:cxnSp>
+        <p:nvCxnSpPr>
+          <p:cNvPr id="16" name="Straight Arrow Connector 15">
+            <a:extLst>
+              <a:ext uri="{FF2B5EF4-FFF2-40B4-BE49-F238E27FC236}">
+                <a16:creationId xmlns:a16="http://schemas.microsoft.com/office/drawing/2014/main" id="{4755DC56-1522-7206-3DB0-80A4223B857C}"/>
+              </a:ext>
+            </a:extLst>
+          </p:cNvPr>
+          <p:cNvCxnSpPr>
+            <a:cxnSpLocks/>
+          </p:cNvCxnSpPr>
+          <p:nvPr/>
+        </p:nvCxnSpPr>
+        <p:spPr>
+          <a:xfrm flipH="1">
+            <a:off x="5144655" y="2027486"/>
+            <a:ext cx="1563347" cy="0"/>
+          </a:xfrm>
+          <a:prstGeom prst="straightConnector1">
+            <a:avLst/>
+          </a:prstGeom>
+          <a:ln w="25400">
+            <a:solidFill>
+              <a:schemeClr val="tx1"/>
+            </a:solidFill>
+            <a:tailEnd type="triangle"/>
+          </a:ln>
+        </p:spPr>
+        <p:style>
+          <a:lnRef idx="1">
+            <a:schemeClr val="accent1"/>
+          </a:lnRef>
+          <a:fillRef idx="0">
+            <a:schemeClr val="accent1"/>
+          </a:fillRef>
+          <a:effectRef idx="0">
+            <a:schemeClr val="accent1"/>
+          </a:effectRef>
+          <a:fontRef idx="minor">
+            <a:schemeClr val="tx1"/>
+          </a:fontRef>
+        </p:style>
+      </p:cxnSp>
+      <p:sp>
+        <p:nvSpPr>
+          <p:cNvPr id="18" name="TextBox 17">
+            <a:extLst>
+              <a:ext uri="{FF2B5EF4-FFF2-40B4-BE49-F238E27FC236}">
+                <a16:creationId xmlns:a16="http://schemas.microsoft.com/office/drawing/2014/main" id="{0BFB2801-13A5-4834-47C1-1730508A98AB}"/>
+              </a:ext>
+            </a:extLst>
+          </p:cNvPr>
+          <p:cNvSpPr txBox="1"/>
+          <p:nvPr/>
+        </p:nvSpPr>
+        <p:spPr>
+          <a:xfrm>
+            <a:off x="6708002" y="2383313"/>
+            <a:ext cx="3358483" cy="369332"/>
+          </a:xfrm>
+          <a:prstGeom prst="rect">
+            <a:avLst/>
+          </a:prstGeom>
+          <a:noFill/>
+          <a:ln w="25400">
+            <a:solidFill>
+              <a:schemeClr val="tx1"/>
+            </a:solidFill>
+          </a:ln>
+        </p:spPr>
+        <p:txBody>
+          <a:bodyPr wrap="none" rtlCol="0">
+            <a:spAutoFit/>
+          </a:bodyPr>
+          <a:lstStyle/>
+          <a:p>
+            <a:r>
+              <a:rPr lang="en-US" dirty="0"/>
+              <a:t>Maxi-Black Antireflective Material</a:t>
+            </a:r>
+          </a:p>
+        </p:txBody>
+      </p:sp>
+      <p:cxnSp>
+        <p:nvCxnSpPr>
+          <p:cNvPr id="19" name="Straight Arrow Connector 18">
+            <a:extLst>
+              <a:ext uri="{FF2B5EF4-FFF2-40B4-BE49-F238E27FC236}">
+                <a16:creationId xmlns:a16="http://schemas.microsoft.com/office/drawing/2014/main" id="{D354F4B7-9753-697C-1060-55FBC5872C1E}"/>
+              </a:ext>
+            </a:extLst>
+          </p:cNvPr>
+          <p:cNvCxnSpPr>
+            <a:cxnSpLocks/>
+          </p:cNvCxnSpPr>
+          <p:nvPr/>
+        </p:nvCxnSpPr>
+        <p:spPr>
+          <a:xfrm flipH="1">
+            <a:off x="5135145" y="2567979"/>
+            <a:ext cx="1563347" cy="0"/>
+          </a:xfrm>
+          <a:prstGeom prst="straightConnector1">
+            <a:avLst/>
+          </a:prstGeom>
+          <a:ln w="25400">
+            <a:solidFill>
+              <a:schemeClr val="tx1"/>
+            </a:solidFill>
+            <a:tailEnd type="triangle"/>
+          </a:ln>
+        </p:spPr>
+        <p:style>
+          <a:lnRef idx="1">
+            <a:schemeClr val="accent1"/>
+          </a:lnRef>
+          <a:fillRef idx="0">
+            <a:schemeClr val="accent1"/>
+          </a:fillRef>
+          <a:effectRef idx="0">
+            <a:schemeClr val="accent1"/>
+          </a:effectRef>
+          <a:fontRef idx="minor">
+            <a:schemeClr val="tx1"/>
+          </a:fontRef>
+        </p:style>
+      </p:cxnSp>
+      <p:sp>
+        <p:nvSpPr>
+          <p:cNvPr id="20" name="TextBox 19">
+            <a:extLst>
+              <a:ext uri="{FF2B5EF4-FFF2-40B4-BE49-F238E27FC236}">
+                <a16:creationId xmlns:a16="http://schemas.microsoft.com/office/drawing/2014/main" id="{59F95334-A13B-ECEA-C858-45065A3501EB}"/>
+              </a:ext>
+            </a:extLst>
+          </p:cNvPr>
+          <p:cNvSpPr txBox="1"/>
+          <p:nvPr/>
+        </p:nvSpPr>
+        <p:spPr>
+          <a:xfrm>
+            <a:off x="6708002" y="2923458"/>
+            <a:ext cx="3160352" cy="369332"/>
+          </a:xfrm>
+          <a:prstGeom prst="rect">
+            <a:avLst/>
+          </a:prstGeom>
+          <a:noFill/>
+          <a:ln w="25400">
+            <a:solidFill>
+              <a:schemeClr val="tx1"/>
+            </a:solidFill>
+          </a:ln>
+        </p:spPr>
+        <p:txBody>
+          <a:bodyPr wrap="none" rtlCol="0">
+            <a:spAutoFit/>
+          </a:bodyPr>
+          <a:lstStyle/>
+          <a:p>
+            <a:r>
+              <a:rPr lang="en-US" dirty="0"/>
+              <a:t>Hard Setting Potting Compound</a:t>
+            </a:r>
+          </a:p>
+        </p:txBody>
+      </p:sp>
+      <p:cxnSp>
+        <p:nvCxnSpPr>
+          <p:cNvPr id="21" name="Straight Arrow Connector 20">
+            <a:extLst>
+              <a:ext uri="{FF2B5EF4-FFF2-40B4-BE49-F238E27FC236}">
+                <a16:creationId xmlns:a16="http://schemas.microsoft.com/office/drawing/2014/main" id="{85332677-E9F3-810A-6604-AF537D7E9998}"/>
+              </a:ext>
+            </a:extLst>
+          </p:cNvPr>
+          <p:cNvCxnSpPr>
+            <a:cxnSpLocks/>
+          </p:cNvCxnSpPr>
+          <p:nvPr/>
+        </p:nvCxnSpPr>
+        <p:spPr>
+          <a:xfrm flipH="1" flipV="1">
+            <a:off x="5135145" y="3001818"/>
+            <a:ext cx="1572857" cy="106306"/>
+          </a:xfrm>
+          <a:prstGeom prst="straightConnector1">
+            <a:avLst/>
+          </a:prstGeom>
+          <a:ln w="25400">
+            <a:solidFill>
+              <a:schemeClr val="tx1"/>
+            </a:solidFill>
+            <a:tailEnd type="triangle"/>
+          </a:ln>
+        </p:spPr>
+        <p:style>
+          <a:lnRef idx="1">
+            <a:schemeClr val="accent1"/>
+          </a:lnRef>
+          <a:fillRef idx="0">
+            <a:schemeClr val="accent1"/>
+          </a:fillRef>
+          <a:effectRef idx="0">
+            <a:schemeClr val="accent1"/>
+          </a:effectRef>
+          <a:fontRef idx="minor">
+            <a:schemeClr val="tx1"/>
+          </a:fontRef>
+        </p:style>
+      </p:cxnSp>
+      <p:sp>
+        <p:nvSpPr>
+          <p:cNvPr id="23" name="TextBox 22">
+            <a:extLst>
+              <a:ext uri="{FF2B5EF4-FFF2-40B4-BE49-F238E27FC236}">
+                <a16:creationId xmlns:a16="http://schemas.microsoft.com/office/drawing/2014/main" id="{33B1A709-9D50-3AE9-EF62-AE888D1EAC55}"/>
+              </a:ext>
+            </a:extLst>
+          </p:cNvPr>
+          <p:cNvSpPr txBox="1"/>
+          <p:nvPr/>
+        </p:nvSpPr>
+        <p:spPr>
+          <a:xfrm>
+            <a:off x="6680399" y="3380545"/>
+            <a:ext cx="5511601" cy="369332"/>
+          </a:xfrm>
+          <a:prstGeom prst="rect">
+            <a:avLst/>
+          </a:prstGeom>
+          <a:noFill/>
+          <a:ln w="25400">
+            <a:solidFill>
+              <a:schemeClr val="tx1"/>
+            </a:solidFill>
+          </a:ln>
+        </p:spPr>
+        <p:txBody>
+          <a:bodyPr wrap="square" rtlCol="0">
+            <a:spAutoFit/>
+          </a:bodyPr>
+          <a:lstStyle/>
+          <a:p>
+            <a:r>
+              <a:rPr lang="en-US" dirty="0">
+                <a:solidFill>
+                  <a:srgbClr val="202124"/>
+                </a:solidFill>
+                <a:latin typeface="Google Sans"/>
+              </a:rPr>
+              <a:t>P</a:t>
+            </a:r>
+            <a:r>
+              <a:rPr lang="en-US" b="0" i="0" dirty="0">
+                <a:solidFill>
+                  <a:srgbClr val="202124"/>
+                </a:solidFill>
+                <a:effectLst/>
+                <a:latin typeface="Google Sans"/>
+              </a:rPr>
+              <a:t>ositive </a:t>
+            </a:r>
+            <a:r>
+              <a:rPr lang="en-US" dirty="0">
+                <a:solidFill>
+                  <a:srgbClr val="202124"/>
+                </a:solidFill>
+                <a:latin typeface="Google Sans"/>
+              </a:rPr>
+              <a:t>T</a:t>
+            </a:r>
+            <a:r>
+              <a:rPr lang="en-US" b="0" i="0" dirty="0">
+                <a:solidFill>
+                  <a:srgbClr val="202124"/>
+                </a:solidFill>
+                <a:effectLst/>
+                <a:latin typeface="Google Sans"/>
+              </a:rPr>
+              <a:t>emperature </a:t>
+            </a:r>
+            <a:r>
+              <a:rPr lang="en-US" dirty="0">
+                <a:solidFill>
+                  <a:srgbClr val="202124"/>
+                </a:solidFill>
+                <a:latin typeface="Google Sans"/>
+              </a:rPr>
+              <a:t>C</a:t>
+            </a:r>
+            <a:r>
+              <a:rPr lang="en-US" b="0" i="0" dirty="0">
+                <a:solidFill>
+                  <a:srgbClr val="202124"/>
+                </a:solidFill>
+                <a:effectLst/>
+                <a:latin typeface="Google Sans"/>
+              </a:rPr>
+              <a:t>oefficient</a:t>
+            </a:r>
+            <a:r>
+              <a:rPr lang="en-US" dirty="0"/>
+              <a:t> (PTC) Heating Element </a:t>
+            </a:r>
+          </a:p>
+        </p:txBody>
+      </p:sp>
+      <p:cxnSp>
+        <p:nvCxnSpPr>
+          <p:cNvPr id="24" name="Straight Arrow Connector 23">
+            <a:extLst>
+              <a:ext uri="{FF2B5EF4-FFF2-40B4-BE49-F238E27FC236}">
+                <a16:creationId xmlns:a16="http://schemas.microsoft.com/office/drawing/2014/main" id="{CED829AE-931D-8B98-EA44-EE48E662AFE6}"/>
+              </a:ext>
+            </a:extLst>
+          </p:cNvPr>
+          <p:cNvCxnSpPr>
+            <a:cxnSpLocks/>
+          </p:cNvCxnSpPr>
+          <p:nvPr/>
+        </p:nvCxnSpPr>
+        <p:spPr>
+          <a:xfrm flipH="1" flipV="1">
+            <a:off x="5015345" y="3380545"/>
+            <a:ext cx="1665055" cy="203565"/>
+          </a:xfrm>
+          <a:prstGeom prst="straightConnector1">
+            <a:avLst/>
+          </a:prstGeom>
+          <a:ln w="25400">
+            <a:solidFill>
+              <a:schemeClr val="tx1"/>
+            </a:solidFill>
+            <a:tailEnd type="triangle"/>
+          </a:ln>
+        </p:spPr>
+        <p:style>
+          <a:lnRef idx="1">
+            <a:schemeClr val="accent1"/>
+          </a:lnRef>
+          <a:fillRef idx="0">
+            <a:schemeClr val="accent1"/>
+          </a:fillRef>
+          <a:effectRef idx="0">
+            <a:schemeClr val="accent1"/>
+          </a:effectRef>
+          <a:fontRef idx="minor">
+            <a:schemeClr val="tx1"/>
+          </a:fontRef>
+        </p:style>
+      </p:cxnSp>
+      <p:sp>
+        <p:nvSpPr>
+          <p:cNvPr id="26" name="TextBox 25">
+            <a:extLst>
+              <a:ext uri="{FF2B5EF4-FFF2-40B4-BE49-F238E27FC236}">
+                <a16:creationId xmlns:a16="http://schemas.microsoft.com/office/drawing/2014/main" id="{557B4F83-45AC-2FAD-2966-EA9FFD2693D3}"/>
+              </a:ext>
+            </a:extLst>
+          </p:cNvPr>
+          <p:cNvSpPr txBox="1"/>
+          <p:nvPr/>
+        </p:nvSpPr>
+        <p:spPr>
+          <a:xfrm>
+            <a:off x="6680781" y="3837632"/>
+            <a:ext cx="4136517" cy="369332"/>
+          </a:xfrm>
+          <a:prstGeom prst="rect">
+            <a:avLst/>
+          </a:prstGeom>
+          <a:noFill/>
+          <a:ln w="25400">
+            <a:solidFill>
+              <a:schemeClr val="tx1"/>
+            </a:solidFill>
+          </a:ln>
+        </p:spPr>
+        <p:txBody>
+          <a:bodyPr wrap="none" rtlCol="0">
+            <a:spAutoFit/>
+          </a:bodyPr>
+          <a:lstStyle/>
+          <a:p>
+            <a:r>
+              <a:rPr lang="en-US" dirty="0"/>
+              <a:t>Pressure Plate Chamber Mount Magnetics</a:t>
+            </a:r>
+          </a:p>
+        </p:txBody>
+      </p:sp>
+      <p:cxnSp>
+        <p:nvCxnSpPr>
+          <p:cNvPr id="27" name="Straight Arrow Connector 26">
+            <a:extLst>
+              <a:ext uri="{FF2B5EF4-FFF2-40B4-BE49-F238E27FC236}">
+                <a16:creationId xmlns:a16="http://schemas.microsoft.com/office/drawing/2014/main" id="{1873F2D7-4EEF-C8DA-0CCE-BD5E8F999288}"/>
+              </a:ext>
+            </a:extLst>
+          </p:cNvPr>
+          <p:cNvCxnSpPr>
+            <a:cxnSpLocks/>
+          </p:cNvCxnSpPr>
+          <p:nvPr/>
+        </p:nvCxnSpPr>
+        <p:spPr>
+          <a:xfrm flipH="1">
+            <a:off x="4886036" y="4027997"/>
+            <a:ext cx="1794363" cy="72948"/>
+          </a:xfrm>
+          <a:prstGeom prst="straightConnector1">
+            <a:avLst/>
+          </a:prstGeom>
+          <a:ln w="25400">
+            <a:solidFill>
+              <a:schemeClr val="tx1"/>
+            </a:solidFill>
+            <a:tailEnd type="triangle"/>
+          </a:ln>
+        </p:spPr>
+        <p:style>
+          <a:lnRef idx="1">
+            <a:schemeClr val="accent1"/>
+          </a:lnRef>
+          <a:fillRef idx="0">
+            <a:schemeClr val="accent1"/>
+          </a:fillRef>
+          <a:effectRef idx="0">
+            <a:schemeClr val="accent1"/>
+          </a:effectRef>
+          <a:fontRef idx="minor">
+            <a:schemeClr val="tx1"/>
+          </a:fontRef>
+        </p:style>
+      </p:cxnSp>
+      <p:sp>
+        <p:nvSpPr>
+          <p:cNvPr id="30" name="TextBox 29">
+            <a:extLst>
+              <a:ext uri="{FF2B5EF4-FFF2-40B4-BE49-F238E27FC236}">
+                <a16:creationId xmlns:a16="http://schemas.microsoft.com/office/drawing/2014/main" id="{B54C1954-B182-E663-72B2-EC8706140D9E}"/>
+              </a:ext>
+            </a:extLst>
+          </p:cNvPr>
+          <p:cNvSpPr txBox="1"/>
+          <p:nvPr/>
+        </p:nvSpPr>
+        <p:spPr>
+          <a:xfrm>
+            <a:off x="6680781" y="4294719"/>
+            <a:ext cx="3536609" cy="369332"/>
+          </a:xfrm>
+          <a:prstGeom prst="rect">
+            <a:avLst/>
+          </a:prstGeom>
+          <a:noFill/>
+          <a:ln w="25400">
+            <a:solidFill>
+              <a:schemeClr val="tx1"/>
+            </a:solidFill>
+          </a:ln>
+        </p:spPr>
+        <p:txBody>
+          <a:bodyPr wrap="none" rtlCol="0">
+            <a:spAutoFit/>
+          </a:bodyPr>
+          <a:lstStyle/>
+          <a:p>
+            <a:r>
+              <a:rPr lang="en-US" dirty="0"/>
+              <a:t>Fluidic Device Stabilization Magnets</a:t>
+            </a:r>
+          </a:p>
+        </p:txBody>
+      </p:sp>
+      <p:cxnSp>
+        <p:nvCxnSpPr>
+          <p:cNvPr id="31" name="Straight Arrow Connector 30">
+            <a:extLst>
+              <a:ext uri="{FF2B5EF4-FFF2-40B4-BE49-F238E27FC236}">
+                <a16:creationId xmlns:a16="http://schemas.microsoft.com/office/drawing/2014/main" id="{4A0802F3-BB14-70BE-3877-0498B95A54AE}"/>
+              </a:ext>
+            </a:extLst>
+          </p:cNvPr>
+          <p:cNvCxnSpPr>
+            <a:cxnSpLocks/>
+          </p:cNvCxnSpPr>
+          <p:nvPr/>
+        </p:nvCxnSpPr>
+        <p:spPr>
+          <a:xfrm flipH="1" flipV="1">
+            <a:off x="4729018" y="4379065"/>
+            <a:ext cx="1951381" cy="91120"/>
+          </a:xfrm>
+          <a:prstGeom prst="straightConnector1">
+            <a:avLst/>
+          </a:prstGeom>
+          <a:ln w="25400">
+            <a:solidFill>
+              <a:schemeClr val="tx1"/>
+            </a:solidFill>
+            <a:tailEnd type="triangle"/>
+          </a:ln>
+        </p:spPr>
+        <p:style>
+          <a:lnRef idx="1">
+            <a:schemeClr val="accent1"/>
+          </a:lnRef>
+          <a:fillRef idx="0">
+            <a:schemeClr val="accent1"/>
+          </a:fillRef>
+          <a:effectRef idx="0">
+            <a:schemeClr val="accent1"/>
+          </a:effectRef>
+          <a:fontRef idx="minor">
+            <a:schemeClr val="tx1"/>
+          </a:fontRef>
+        </p:style>
+      </p:cxnSp>
+      <p:sp>
+        <p:nvSpPr>
+          <p:cNvPr id="33" name="TextBox 32">
+            <a:extLst>
+              <a:ext uri="{FF2B5EF4-FFF2-40B4-BE49-F238E27FC236}">
+                <a16:creationId xmlns:a16="http://schemas.microsoft.com/office/drawing/2014/main" id="{5A06274D-6AD9-93AF-A5F0-B63EEC81BC53}"/>
+              </a:ext>
+            </a:extLst>
+          </p:cNvPr>
+          <p:cNvSpPr txBox="1"/>
+          <p:nvPr/>
+        </p:nvSpPr>
+        <p:spPr>
+          <a:xfrm>
+            <a:off x="6708002" y="4774525"/>
+            <a:ext cx="2094035" cy="369332"/>
+          </a:xfrm>
+          <a:prstGeom prst="rect">
+            <a:avLst/>
+          </a:prstGeom>
+          <a:noFill/>
+          <a:ln w="25400">
+            <a:solidFill>
+              <a:schemeClr val="tx1"/>
+            </a:solidFill>
+          </a:ln>
+        </p:spPr>
+        <p:txBody>
+          <a:bodyPr wrap="none" rtlCol="0">
+            <a:spAutoFit/>
+          </a:bodyPr>
+          <a:lstStyle/>
+          <a:p>
+            <a:r>
+              <a:rPr lang="en-US" dirty="0"/>
+              <a:t>3D printed Chamber</a:t>
+            </a:r>
+          </a:p>
+        </p:txBody>
+      </p:sp>
+      <p:cxnSp>
+        <p:nvCxnSpPr>
+          <p:cNvPr id="34" name="Straight Arrow Connector 33">
+            <a:extLst>
+              <a:ext uri="{FF2B5EF4-FFF2-40B4-BE49-F238E27FC236}">
+                <a16:creationId xmlns:a16="http://schemas.microsoft.com/office/drawing/2014/main" id="{183648C4-B8C3-8863-C21C-1BD0A36F9C71}"/>
+              </a:ext>
+            </a:extLst>
+          </p:cNvPr>
+          <p:cNvCxnSpPr>
+            <a:cxnSpLocks/>
+          </p:cNvCxnSpPr>
+          <p:nvPr/>
+        </p:nvCxnSpPr>
+        <p:spPr>
+          <a:xfrm flipH="1" flipV="1">
+            <a:off x="5052343" y="4774525"/>
+            <a:ext cx="1665055" cy="203565"/>
+          </a:xfrm>
+          <a:prstGeom prst="straightConnector1">
+            <a:avLst/>
+          </a:prstGeom>
+          <a:ln w="25400">
+            <a:solidFill>
+              <a:schemeClr val="tx1"/>
+            </a:solidFill>
+            <a:tailEnd type="triangle"/>
+          </a:ln>
+        </p:spPr>
+        <p:style>
+          <a:lnRef idx="1">
+            <a:schemeClr val="accent1"/>
+          </a:lnRef>
+          <a:fillRef idx="0">
+            <a:schemeClr val="accent1"/>
+          </a:fillRef>
+          <a:effectRef idx="0">
+            <a:schemeClr val="accent1"/>
+          </a:effectRef>
+          <a:fontRef idx="minor">
+            <a:schemeClr val="tx1"/>
+          </a:fontRef>
+        </p:style>
+      </p:cxnSp>
+      <p:sp>
+        <p:nvSpPr>
+          <p:cNvPr id="35" name="TextBox 34">
+            <a:extLst>
+              <a:ext uri="{FF2B5EF4-FFF2-40B4-BE49-F238E27FC236}">
+                <a16:creationId xmlns:a16="http://schemas.microsoft.com/office/drawing/2014/main" id="{BAADD0B5-3051-82E3-7FD0-CF80F38334AD}"/>
+              </a:ext>
+            </a:extLst>
+          </p:cNvPr>
+          <p:cNvSpPr txBox="1"/>
+          <p:nvPr/>
+        </p:nvSpPr>
+        <p:spPr>
+          <a:xfrm>
+            <a:off x="6730102" y="5254144"/>
+            <a:ext cx="3044103" cy="369332"/>
+          </a:xfrm>
+          <a:prstGeom prst="rect">
+            <a:avLst/>
+          </a:prstGeom>
+          <a:noFill/>
+          <a:ln w="25400">
+            <a:solidFill>
+              <a:schemeClr val="tx1"/>
+            </a:solidFill>
+          </a:ln>
+        </p:spPr>
+        <p:txBody>
+          <a:bodyPr wrap="none" rtlCol="0">
+            <a:spAutoFit/>
+          </a:bodyPr>
+          <a:lstStyle/>
+          <a:p>
+            <a:r>
+              <a:rPr lang="en-US" dirty="0"/>
+              <a:t>M6 Mounting Machine Screws</a:t>
+            </a:r>
+          </a:p>
+        </p:txBody>
+      </p:sp>
+      <p:cxnSp>
+        <p:nvCxnSpPr>
+          <p:cNvPr id="36" name="Straight Arrow Connector 35">
+            <a:extLst>
+              <a:ext uri="{FF2B5EF4-FFF2-40B4-BE49-F238E27FC236}">
+                <a16:creationId xmlns:a16="http://schemas.microsoft.com/office/drawing/2014/main" id="{832F23A3-D45A-9538-6CF1-90562A706912}"/>
+              </a:ext>
+            </a:extLst>
+          </p:cNvPr>
+          <p:cNvCxnSpPr>
+            <a:cxnSpLocks/>
+            <a:stCxn id="35" idx="1"/>
+          </p:cNvCxnSpPr>
+          <p:nvPr/>
+        </p:nvCxnSpPr>
+        <p:spPr>
+          <a:xfrm flipH="1" flipV="1">
+            <a:off x="4798343" y="5319140"/>
+            <a:ext cx="1931759" cy="119670"/>
+          </a:xfrm>
+          <a:prstGeom prst="straightConnector1">
+            <a:avLst/>
+          </a:prstGeom>
+          <a:ln w="25400">
+            <a:solidFill>
+              <a:schemeClr val="tx1"/>
+            </a:solidFill>
+            <a:tailEnd type="triangle"/>
+          </a:ln>
+        </p:spPr>
+        <p:style>
+          <a:lnRef idx="1">
+            <a:schemeClr val="accent1"/>
+          </a:lnRef>
+          <a:fillRef idx="0">
+            <a:schemeClr val="accent1"/>
+          </a:fillRef>
+          <a:effectRef idx="0">
+            <a:schemeClr val="accent1"/>
+          </a:effectRef>
+          <a:fontRef idx="minor">
+            <a:schemeClr val="tx1"/>
+          </a:fontRef>
+        </p:style>
+      </p:cxnSp>
+      <p:sp>
+        <p:nvSpPr>
+          <p:cNvPr id="38" name="TextBox 37">
+            <a:extLst>
+              <a:ext uri="{FF2B5EF4-FFF2-40B4-BE49-F238E27FC236}">
+                <a16:creationId xmlns:a16="http://schemas.microsoft.com/office/drawing/2014/main" id="{E1DF849C-0180-0220-139E-4FC7FC68201B}"/>
+              </a:ext>
+            </a:extLst>
+          </p:cNvPr>
+          <p:cNvSpPr txBox="1"/>
+          <p:nvPr/>
+        </p:nvSpPr>
+        <p:spPr>
+          <a:xfrm>
+            <a:off x="6766126" y="5814590"/>
+            <a:ext cx="1045543" cy="369332"/>
+          </a:xfrm>
+          <a:prstGeom prst="rect">
+            <a:avLst/>
+          </a:prstGeom>
+          <a:noFill/>
+          <a:ln w="25400">
+            <a:solidFill>
+              <a:schemeClr val="tx1"/>
+            </a:solidFill>
+          </a:ln>
+        </p:spPr>
+        <p:txBody>
+          <a:bodyPr wrap="none" rtlCol="0">
+            <a:spAutoFit/>
+          </a:bodyPr>
+          <a:lstStyle/>
+          <a:p>
+            <a:r>
+              <a:rPr lang="en-US" dirty="0"/>
+              <a:t>Tilt Stage</a:t>
+            </a:r>
+          </a:p>
+        </p:txBody>
+      </p:sp>
+      <p:cxnSp>
+        <p:nvCxnSpPr>
+          <p:cNvPr id="39" name="Straight Arrow Connector 38">
+            <a:extLst>
+              <a:ext uri="{FF2B5EF4-FFF2-40B4-BE49-F238E27FC236}">
+                <a16:creationId xmlns:a16="http://schemas.microsoft.com/office/drawing/2014/main" id="{BDAB0EC2-AB9E-6D56-51A4-FF3369B0DDBB}"/>
+              </a:ext>
+            </a:extLst>
+          </p:cNvPr>
+          <p:cNvCxnSpPr>
+            <a:cxnSpLocks/>
+          </p:cNvCxnSpPr>
+          <p:nvPr/>
+        </p:nvCxnSpPr>
+        <p:spPr>
+          <a:xfrm flipH="1" flipV="1">
+            <a:off x="5015345" y="5964526"/>
+            <a:ext cx="1743510" cy="71578"/>
+          </a:xfrm>
+          <a:prstGeom prst="straightConnector1">
+            <a:avLst/>
+          </a:prstGeom>
+          <a:ln w="25400">
+            <a:solidFill>
+              <a:schemeClr val="tx1"/>
+            </a:solidFill>
+            <a:tailEnd type="triangle"/>
+          </a:ln>
+        </p:spPr>
+        <p:style>
+          <a:lnRef idx="1">
+            <a:schemeClr val="accent1"/>
+          </a:lnRef>
+          <a:fillRef idx="0">
+            <a:schemeClr val="accent1"/>
+          </a:fillRef>
+          <a:effectRef idx="0">
+            <a:schemeClr val="accent1"/>
+          </a:effectRef>
+          <a:fontRef idx="minor">
+            <a:schemeClr val="tx1"/>
+          </a:fontRef>
+        </p:style>
+      </p:cxnSp>
+    </p:spTree>
+    <p:extLst>
+      <p:ext uri="{BB962C8B-B14F-4D97-AF65-F5344CB8AC3E}">
+        <p14:creationId xmlns:p14="http://schemas.microsoft.com/office/powerpoint/2010/main" val="1181780595"/>
       </p:ext>
     </p:extLst>
   </p:cSld>
